--- a/doc/中间件答辩yfy.pptx
+++ b/doc/中间件答辩yfy.pptx
@@ -750,7 +750,14 @@
         </p:spPr>
         <p:txBody>
           <a:bodyPr/>
-          <a:lstStyle/>
+          <a:lstStyle>
+            <a:lvl1pPr>
+              <a:defRPr>
+                <a:latin typeface="+mj-lt"/>
+                <a:ea typeface="幼圆" panose="02010509060101010101" pitchFamily="49" charset="-122"/>
+              </a:defRPr>
+            </a:lvl1pPr>
+          </a:lstStyle>
           <a:p>
             <a:r>
               <a:rPr lang="zh-CN" altLang="en-US" dirty="0" smtClean="0"/>
@@ -778,7 +785,38 @@
         </p:spPr>
         <p:txBody>
           <a:bodyPr/>
-          <a:lstStyle/>
+          <a:lstStyle>
+            <a:lvl1pPr>
+              <a:defRPr>
+                <a:latin typeface="+mn-lt"/>
+                <a:ea typeface="幼圆" panose="02010509060101010101" pitchFamily="49" charset="-122"/>
+              </a:defRPr>
+            </a:lvl1pPr>
+            <a:lvl2pPr>
+              <a:defRPr>
+                <a:latin typeface="+mn-lt"/>
+                <a:ea typeface="幼圆" panose="02010509060101010101" pitchFamily="49" charset="-122"/>
+              </a:defRPr>
+            </a:lvl2pPr>
+            <a:lvl3pPr>
+              <a:defRPr>
+                <a:latin typeface="+mn-lt"/>
+                <a:ea typeface="幼圆" panose="02010509060101010101" pitchFamily="49" charset="-122"/>
+              </a:defRPr>
+            </a:lvl3pPr>
+            <a:lvl4pPr>
+              <a:defRPr>
+                <a:latin typeface="+mn-lt"/>
+                <a:ea typeface="幼圆" panose="02010509060101010101" pitchFamily="49" charset="-122"/>
+              </a:defRPr>
+            </a:lvl4pPr>
+            <a:lvl5pPr>
+              <a:defRPr>
+                <a:latin typeface="+mn-lt"/>
+                <a:ea typeface="幼圆" panose="02010509060101010101" pitchFamily="49" charset="-122"/>
+              </a:defRPr>
+            </a:lvl5pPr>
+          </a:lstStyle>
           <a:p>
             <a:pPr lvl="0"/>
             <a:r>
@@ -890,8 +928,8 @@
         </p:nvSpPr>
         <p:spPr>
           <a:xfrm>
-            <a:off x="0" y="6356351"/>
-            <a:ext cx="9144000" cy="501649"/>
+            <a:off x="-1" y="6356351"/>
+            <a:ext cx="9143999" cy="501649"/>
           </a:xfrm>
           <a:prstGeom prst="rect">
             <a:avLst/>
@@ -901,6 +939,9 @@
               <a:lumMod val="50000"/>
             </a:schemeClr>
           </a:solidFill>
+          <a:ln>
+            <a:noFill/>
+          </a:ln>
         </p:spPr>
         <p:style>
           <a:lnRef idx="2">
@@ -3192,7 +3233,7 @@
           </a:ln>
           <a:extLst>
             <a:ext uri="{C572A759-6A51-4108-AA02-DFA0A04FC94B}">
-              <ma14:wrappingTextBoxFlag xmlns="" xmlns:ma14="http://schemas.microsoft.com/office/mac/drawingml/2011/main" val="1"/>
+              <ma14:wrappingTextBoxFlag xmlns:ma14="http://schemas.microsoft.com/office/mac/drawingml/2011/main" xmlns="" val="1"/>
             </a:ext>
           </a:extLst>
         </p:spPr>
@@ -3381,29 +3422,6 @@
           <a:chExt cx="0" cy="0"/>
         </a:xfrm>
       </p:grpSpPr>
-      <p:sp>
-        <p:nvSpPr>
-          <p:cNvPr id="2" name="标题 1"/>
-          <p:cNvSpPr>
-            <a:spLocks noGrp="1"/>
-          </p:cNvSpPr>
-          <p:nvPr>
-            <p:ph type="title"/>
-          </p:nvPr>
-        </p:nvSpPr>
-        <p:spPr/>
-        <p:txBody>
-          <a:bodyPr/>
-          <a:lstStyle/>
-          <a:p>
-            <a:r>
-              <a:rPr lang="zh-CN" altLang="en-US" dirty="0" smtClean="0"/>
-              <a:t>构建                           查询</a:t>
-            </a:r>
-            <a:endParaRPr lang="zh-CN" altLang="en-US" dirty="0"/>
-          </a:p>
-        </p:txBody>
-      </p:sp>
       <p:sp>
         <p:nvSpPr>
           <p:cNvPr id="4" name="圆角矩形 3"/>
@@ -4178,6 +4196,82 @@
           </a:p>
         </p:txBody>
       </p:sp>
+      <p:sp>
+        <p:nvSpPr>
+          <p:cNvPr id="8" name="标题 7"/>
+          <p:cNvSpPr>
+            <a:spLocks noGrp="1"/>
+          </p:cNvSpPr>
+          <p:nvPr>
+            <p:ph type="title"/>
+          </p:nvPr>
+        </p:nvSpPr>
+        <p:spPr>
+          <a:xfrm>
+            <a:off x="628650" y="365126"/>
+            <a:ext cx="3512129" cy="861889"/>
+          </a:xfrm>
+        </p:spPr>
+        <p:txBody>
+          <a:bodyPr/>
+          <a:lstStyle/>
+          <a:p>
+            <a:r>
+              <a:rPr lang="zh-CN" altLang="en-US" dirty="0" smtClean="0"/>
+              <a:t>构建</a:t>
+            </a:r>
+            <a:endParaRPr lang="zh-CN" altLang="en-US" dirty="0"/>
+          </a:p>
+        </p:txBody>
+      </p:sp>
+      <p:sp>
+        <p:nvSpPr>
+          <p:cNvPr id="26" name="标题 7"/>
+          <p:cNvSpPr txBox="1">
+            <a:spLocks/>
+          </p:cNvSpPr>
+          <p:nvPr/>
+        </p:nvSpPr>
+        <p:spPr>
+          <a:xfrm>
+            <a:off x="5171397" y="368669"/>
+            <a:ext cx="3512129" cy="861889"/>
+          </a:xfrm>
+          <a:prstGeom prst="rect">
+            <a:avLst/>
+          </a:prstGeom>
+        </p:spPr>
+        <p:txBody>
+          <a:bodyPr vert="horz" lIns="91440" tIns="45720" rIns="91440" bIns="45720" rtlCol="0" anchor="ctr">
+            <a:normAutofit/>
+          </a:bodyPr>
+          <a:lstStyle>
+            <a:lvl1pPr algn="l" defTabSz="914400" rtl="0" eaLnBrk="1" latinLnBrk="0" hangingPunct="1">
+              <a:lnSpc>
+                <a:spcPct val="90000"/>
+              </a:lnSpc>
+              <a:spcBef>
+                <a:spcPct val="0"/>
+              </a:spcBef>
+              <a:buNone/>
+              <a:defRPr sz="4400" kern="1200">
+                <a:solidFill>
+                  <a:schemeClr val="tx1"/>
+                </a:solidFill>
+                <a:latin typeface="幼圆" panose="02010509060101010101" pitchFamily="49" charset="-122"/>
+                <a:ea typeface="幼圆" panose="02010509060101010101" pitchFamily="49" charset="-122"/>
+                <a:cs typeface="+mj-cs"/>
+              </a:defRPr>
+            </a:lvl1pPr>
+          </a:lstStyle>
+          <a:p>
+            <a:r>
+              <a:rPr lang="zh-CN" altLang="en-US" dirty="0"/>
+              <a:t>查询</a:t>
+            </a:r>
+          </a:p>
+        </p:txBody>
+      </p:sp>
     </p:spTree>
     <p:extLst>
       <p:ext uri="{BB962C8B-B14F-4D97-AF65-F5344CB8AC3E}">
@@ -4833,7 +4927,31 @@
             </a:r>
             <a:r>
               <a:rPr lang="zh-CN" altLang="en-US" dirty="0"/>
-              <a:t>每一条都写磁盘经测试试跑数据要写</a:t>
+              <a:t>每一</a:t>
+            </a:r>
+            <a:r>
+              <a:rPr lang="zh-CN" altLang="en-US" dirty="0" smtClean="0"/>
+              <a:t>条写磁盘</a:t>
+            </a:r>
+            <a:r>
+              <a:rPr lang="en-US" altLang="zh-CN" dirty="0" smtClean="0"/>
+              <a:t>,</a:t>
+            </a:r>
+            <a:r>
+              <a:rPr lang="zh-CN" altLang="en-US" dirty="0" smtClean="0"/>
+              <a:t>试</a:t>
+            </a:r>
+            <a:r>
+              <a:rPr lang="zh-CN" altLang="en-US" dirty="0"/>
+              <a:t>跑</a:t>
+            </a:r>
+            <a:r>
+              <a:rPr lang="zh-CN" altLang="en-US" dirty="0" smtClean="0"/>
+              <a:t>数据</a:t>
+            </a:r>
+            <a:r>
+              <a:rPr lang="zh-CN" altLang="en-US" dirty="0"/>
+              <a:t>需</a:t>
             </a:r>
             <a:r>
               <a:rPr lang="zh-CN" altLang="en-US" dirty="0" smtClean="0"/>
@@ -4856,6 +4974,13 @@
   <p:clrMapOvr>
     <a:masterClrMapping/>
   </p:clrMapOvr>
+  <p:timing>
+    <p:tnLst>
+      <p:par>
+        <p:cTn id="1" dur="indefinite" restart="never" nodeType="tmRoot"/>
+      </p:par>
+    </p:tnLst>
+  </p:timing>
 </p:sld>
 </file>
 
@@ -4893,7 +5018,15 @@
           <a:p>
             <a:r>
               <a:rPr lang="zh-CN" altLang="en-US" dirty="0" smtClean="0"/>
-              <a:t>索引原则</a:t>
+              <a:t>索引设计</a:t>
+            </a:r>
+            <a:r>
+              <a:rPr lang="en-US" altLang="zh-CN" dirty="0" smtClean="0"/>
+              <a:t>-</a:t>
+            </a:r>
+            <a:r>
+              <a:rPr lang="zh-CN" altLang="en-US" dirty="0" smtClean="0"/>
+              <a:t>原则</a:t>
             </a:r>
             <a:endParaRPr lang="zh-CN" altLang="en-US" dirty="0"/>
           </a:p>
@@ -4914,6 +5047,36 @@
           <a:bodyPr/>
           <a:lstStyle/>
           <a:p>
+            <a:r>
+              <a:rPr lang="zh-CN" altLang="en-US" dirty="0" smtClean="0"/>
+              <a:t>单个磁盘顺序访问</a:t>
+            </a:r>
+            <a:endParaRPr lang="en-US" altLang="zh-CN" dirty="0" smtClean="0"/>
+          </a:p>
+          <a:p>
+            <a:r>
+              <a:rPr lang="zh-CN" altLang="en-US" dirty="0" smtClean="0"/>
+              <a:t>只用</a:t>
+            </a:r>
+            <a:r>
+              <a:rPr lang="en-US" altLang="zh-CN" dirty="0" smtClean="0"/>
+              <a:t>byte</a:t>
+            </a:r>
+            <a:r>
+              <a:rPr lang="zh-CN" altLang="en-US" dirty="0" smtClean="0"/>
+              <a:t>数组存储</a:t>
+            </a:r>
+            <a:endParaRPr lang="en-US" altLang="zh-CN" dirty="0" smtClean="0"/>
+          </a:p>
+          <a:p>
+            <a:r>
+              <a:rPr lang="zh-CN" altLang="en-US" dirty="0"/>
+              <a:t>压缩</a:t>
+            </a:r>
+            <a:r>
+              <a:rPr lang="zh-CN" altLang="en-US" dirty="0" smtClean="0"/>
+              <a:t>索引大小</a:t>
+            </a:r>
             <a:endParaRPr lang="zh-CN" altLang="en-US" dirty="0"/>
           </a:p>
         </p:txBody>
@@ -4928,6 +5091,13 @@
   <p:clrMapOvr>
     <a:masterClrMapping/>
   </p:clrMapOvr>
+  <p:timing>
+    <p:tnLst>
+      <p:par>
+        <p:cTn id="1" dur="indefinite" restart="never" nodeType="tmRoot"/>
+      </p:par>
+    </p:tnLst>
+  </p:timing>
 </p:sld>
 </file>
 
@@ -5098,6 +5268,13 @@
   <p:clrMapOvr>
     <a:masterClrMapping/>
   </p:clrMapOvr>
+  <p:timing>
+    <p:tnLst>
+      <p:par>
+        <p:cTn id="1" dur="indefinite" restart="never" nodeType="tmRoot"/>
+      </p:par>
+    </p:tnLst>
+  </p:timing>
 </p:sld>
 </file>
 
@@ -5356,7 +5533,7 @@
   <a:extraClrSchemeLst/>
   <a:extLst>
     <a:ext uri="{05A4C25C-085E-4340-85A3-A5531E510DB2}">
-      <thm15:themeFamily xmlns:thm15="http://schemas.microsoft.com/office/thememl/2012/main" name="Office Theme" id="{62F939B6-93AF-4DB8-9C6B-D6C7DFDC589F}" vid="{4A3C46E8-61CC-4603-A589-7422A47A8E4A}"/>
+      <thm15:themeFamily xmlns:thm15="http://schemas.microsoft.com/office/thememl/2012/main" xmlns="" name="Office Theme" id="{62F939B6-93AF-4DB8-9C6B-D6C7DFDC589F}" vid="{4A3C46E8-61CC-4603-A589-7422A47A8E4A}"/>
     </a:ext>
   </a:extLst>
 </a:theme>

--- a/doc/中间件答辩yfy.pptx
+++ b/doc/中间件答辩yfy.pptx
@@ -112,6 +112,22 @@
       </a:defRPr>
     </a:lvl9pPr>
   </p:defaultTextStyle>
+  <p:extLst>
+    <p:ext uri="{EFAFB233-063F-42B5-8137-9DF3F51BA10A}">
+      <p15:sldGuideLst xmlns:p15="http://schemas.microsoft.com/office/powerpoint/2012/main">
+        <p15:guide id="1" orient="horz" pos="2160">
+          <p15:clr>
+            <a:srgbClr val="A4A3A4"/>
+          </p15:clr>
+        </p15:guide>
+        <p15:guide id="2" pos="2880">
+          <p15:clr>
+            <a:srgbClr val="A4A3A4"/>
+          </p15:clr>
+        </p15:guide>
+      </p15:sldGuideLst>
+    </p:ext>
+  </p:extLst>
 </p:presentation>
 </file>
 
@@ -246,7 +262,7 @@
           <a:p>
             <a:fld id="{BC7094FB-9734-4561-977A-B28B43943978}" type="datetimeFigureOut">
               <a:rPr lang="zh-CN" altLang="en-US" smtClean="0"/>
-              <a:t>2016/8/8</a:t>
+              <a:t>2016/8/9</a:t>
             </a:fld>
             <a:endParaRPr lang="zh-CN" altLang="en-US"/>
           </a:p>
@@ -416,7 +432,7 @@
           <a:p>
             <a:fld id="{BC7094FB-9734-4561-977A-B28B43943978}" type="datetimeFigureOut">
               <a:rPr lang="zh-CN" altLang="en-US" smtClean="0"/>
-              <a:t>2016/8/8</a:t>
+              <a:t>2016/8/9</a:t>
             </a:fld>
             <a:endParaRPr lang="zh-CN" altLang="en-US"/>
           </a:p>
@@ -596,7 +612,7 @@
           <a:p>
             <a:fld id="{BC7094FB-9734-4561-977A-B28B43943978}" type="datetimeFigureOut">
               <a:rPr lang="zh-CN" altLang="en-US" smtClean="0"/>
-              <a:t>2016/8/8</a:t>
+              <a:t>2016/8/9</a:t>
             </a:fld>
             <a:endParaRPr lang="zh-CN" altLang="en-US"/>
           </a:p>
@@ -872,7 +888,7 @@
           <a:p>
             <a:fld id="{BC7094FB-9734-4561-977A-B28B43943978}" type="datetimeFigureOut">
               <a:rPr lang="zh-CN" altLang="en-US" smtClean="0"/>
-              <a:t>2016/8/8</a:t>
+              <a:t>2016/8/9</a:t>
             </a:fld>
             <a:endParaRPr lang="zh-CN" altLang="en-US"/>
           </a:p>
@@ -1174,7 +1190,7 @@
           <a:p>
             <a:fld id="{BC7094FB-9734-4561-977A-B28B43943978}" type="datetimeFigureOut">
               <a:rPr lang="zh-CN" altLang="en-US" smtClean="0"/>
-              <a:t>2016/8/8</a:t>
+              <a:t>2016/8/9</a:t>
             </a:fld>
             <a:endParaRPr lang="zh-CN" altLang="en-US"/>
           </a:p>
@@ -1406,7 +1422,7 @@
           <a:p>
             <a:fld id="{BC7094FB-9734-4561-977A-B28B43943978}" type="datetimeFigureOut">
               <a:rPr lang="zh-CN" altLang="en-US" smtClean="0"/>
-              <a:t>2016/8/8</a:t>
+              <a:t>2016/8/9</a:t>
             </a:fld>
             <a:endParaRPr lang="zh-CN" altLang="en-US"/>
           </a:p>
@@ -1773,7 +1789,7 @@
           <a:p>
             <a:fld id="{BC7094FB-9734-4561-977A-B28B43943978}" type="datetimeFigureOut">
               <a:rPr lang="zh-CN" altLang="en-US" smtClean="0"/>
-              <a:t>2016/8/8</a:t>
+              <a:t>2016/8/9</a:t>
             </a:fld>
             <a:endParaRPr lang="zh-CN" altLang="en-US"/>
           </a:p>
@@ -1891,7 +1907,7 @@
           <a:p>
             <a:fld id="{BC7094FB-9734-4561-977A-B28B43943978}" type="datetimeFigureOut">
               <a:rPr lang="zh-CN" altLang="en-US" smtClean="0"/>
-              <a:t>2016/8/8</a:t>
+              <a:t>2016/8/9</a:t>
             </a:fld>
             <a:endParaRPr lang="zh-CN" altLang="en-US"/>
           </a:p>
@@ -1986,7 +2002,7 @@
           <a:p>
             <a:fld id="{BC7094FB-9734-4561-977A-B28B43943978}" type="datetimeFigureOut">
               <a:rPr lang="zh-CN" altLang="en-US" smtClean="0"/>
-              <a:t>2016/8/8</a:t>
+              <a:t>2016/8/9</a:t>
             </a:fld>
             <a:endParaRPr lang="zh-CN" altLang="en-US"/>
           </a:p>
@@ -2263,7 +2279,7 @@
           <a:p>
             <a:fld id="{BC7094FB-9734-4561-977A-B28B43943978}" type="datetimeFigureOut">
               <a:rPr lang="zh-CN" altLang="en-US" smtClean="0"/>
-              <a:t>2016/8/8</a:t>
+              <a:t>2016/8/9</a:t>
             </a:fld>
             <a:endParaRPr lang="zh-CN" altLang="en-US"/>
           </a:p>
@@ -2520,7 +2536,7 @@
           <a:p>
             <a:fld id="{BC7094FB-9734-4561-977A-B28B43943978}" type="datetimeFigureOut">
               <a:rPr lang="zh-CN" altLang="en-US" smtClean="0"/>
-              <a:t>2016/8/8</a:t>
+              <a:t>2016/8/9</a:t>
             </a:fld>
             <a:endParaRPr lang="zh-CN" altLang="en-US"/>
           </a:p>
@@ -2733,7 +2749,7 @@
           <a:p>
             <a:fld id="{BC7094FB-9734-4561-977A-B28B43943978}" type="datetimeFigureOut">
               <a:rPr lang="zh-CN" altLang="en-US" smtClean="0"/>
-              <a:t>2016/8/8</a:t>
+              <a:t>2016/8/9</a:t>
             </a:fld>
             <a:endParaRPr lang="zh-CN" altLang="en-US"/>
           </a:p>
@@ -3233,7 +3249,7 @@
           </a:ln>
           <a:extLst>
             <a:ext uri="{C572A759-6A51-4108-AA02-DFA0A04FC94B}">
-              <ma14:wrappingTextBoxFlag xmlns:ma14="http://schemas.microsoft.com/office/mac/drawingml/2011/main" xmlns="" val="1"/>
+              <ma14:wrappingTextBoxFlag xmlns="" xmlns:ma14="http://schemas.microsoft.com/office/mac/drawingml/2011/main" val="1"/>
             </a:ext>
           </a:extLst>
         </p:spPr>
@@ -3422,182 +3438,6 @@
           <a:chExt cx="0" cy="0"/>
         </a:xfrm>
       </p:grpSpPr>
-      <p:sp>
-        <p:nvSpPr>
-          <p:cNvPr id="4" name="圆角矩形 3"/>
-          <p:cNvSpPr/>
-          <p:nvPr/>
-        </p:nvSpPr>
-        <p:spPr>
-          <a:xfrm>
-            <a:off x="789709" y="1920241"/>
-            <a:ext cx="1205346" cy="448887"/>
-          </a:xfrm>
-          <a:prstGeom prst="roundRect">
-            <a:avLst/>
-          </a:prstGeom>
-        </p:spPr>
-        <p:style>
-          <a:lnRef idx="2">
-            <a:schemeClr val="accent1">
-              <a:shade val="50000"/>
-            </a:schemeClr>
-          </a:lnRef>
-          <a:fillRef idx="1">
-            <a:schemeClr val="accent1"/>
-          </a:fillRef>
-          <a:effectRef idx="0">
-            <a:schemeClr val="accent1"/>
-          </a:effectRef>
-          <a:fontRef idx="minor">
-            <a:schemeClr val="lt1"/>
-          </a:fontRef>
-        </p:style>
-        <p:txBody>
-          <a:bodyPr rtlCol="0" anchor="ctr"/>
-          <a:lstStyle/>
-          <a:p>
-            <a:pPr algn="ctr"/>
-            <a:r>
-              <a:rPr lang="en-US" altLang="zh-CN" dirty="0" smtClean="0"/>
-              <a:t>raw data</a:t>
-            </a:r>
-            <a:endParaRPr lang="zh-CN" altLang="en-US" dirty="0"/>
-          </a:p>
-        </p:txBody>
-      </p:sp>
-      <p:sp>
-        <p:nvSpPr>
-          <p:cNvPr id="5" name="圆角矩形 4"/>
-          <p:cNvSpPr/>
-          <p:nvPr/>
-        </p:nvSpPr>
-        <p:spPr>
-          <a:xfrm>
-            <a:off x="801139" y="3185408"/>
-            <a:ext cx="1205346" cy="586935"/>
-          </a:xfrm>
-          <a:prstGeom prst="roundRect">
-            <a:avLst/>
-          </a:prstGeom>
-        </p:spPr>
-        <p:style>
-          <a:lnRef idx="2">
-            <a:schemeClr val="accent1">
-              <a:shade val="50000"/>
-            </a:schemeClr>
-          </a:lnRef>
-          <a:fillRef idx="1">
-            <a:schemeClr val="accent1"/>
-          </a:fillRef>
-          <a:effectRef idx="0">
-            <a:schemeClr val="accent1"/>
-          </a:effectRef>
-          <a:fontRef idx="minor">
-            <a:schemeClr val="lt1"/>
-          </a:fontRef>
-        </p:style>
-        <p:txBody>
-          <a:bodyPr rtlCol="0" anchor="ctr"/>
-          <a:lstStyle/>
-          <a:p>
-            <a:pPr algn="ctr"/>
-            <a:r>
-              <a:rPr lang="en-US" altLang="zh-CN" dirty="0" smtClean="0"/>
-              <a:t>read buffer</a:t>
-            </a:r>
-            <a:endParaRPr lang="zh-CN" altLang="en-US" dirty="0"/>
-          </a:p>
-        </p:txBody>
-      </p:sp>
-      <p:sp>
-        <p:nvSpPr>
-          <p:cNvPr id="6" name="圆角矩形 5"/>
-          <p:cNvSpPr/>
-          <p:nvPr/>
-        </p:nvSpPr>
-        <p:spPr>
-          <a:xfrm>
-            <a:off x="2721034" y="3251089"/>
-            <a:ext cx="1205346" cy="448887"/>
-          </a:xfrm>
-          <a:prstGeom prst="roundRect">
-            <a:avLst/>
-          </a:prstGeom>
-        </p:spPr>
-        <p:style>
-          <a:lnRef idx="2">
-            <a:schemeClr val="accent2">
-              <a:shade val="50000"/>
-            </a:schemeClr>
-          </a:lnRef>
-          <a:fillRef idx="1">
-            <a:schemeClr val="accent2"/>
-          </a:fillRef>
-          <a:effectRef idx="0">
-            <a:schemeClr val="accent2"/>
-          </a:effectRef>
-          <a:fontRef idx="minor">
-            <a:schemeClr val="lt1"/>
-          </a:fontRef>
-        </p:style>
-        <p:txBody>
-          <a:bodyPr rtlCol="0" anchor="ctr"/>
-          <a:lstStyle/>
-          <a:p>
-            <a:pPr algn="ctr"/>
-            <a:r>
-              <a:rPr lang="en-US" altLang="zh-CN" dirty="0" smtClean="0"/>
-              <a:t>parser</a:t>
-            </a:r>
-            <a:endParaRPr lang="zh-CN" altLang="en-US" dirty="0"/>
-          </a:p>
-        </p:txBody>
-      </p:sp>
-      <p:sp>
-        <p:nvSpPr>
-          <p:cNvPr id="7" name="圆角矩形 6"/>
-          <p:cNvSpPr/>
-          <p:nvPr/>
-        </p:nvSpPr>
-        <p:spPr>
-          <a:xfrm>
-            <a:off x="2721034" y="4462162"/>
-            <a:ext cx="1205346" cy="448887"/>
-          </a:xfrm>
-          <a:prstGeom prst="roundRect">
-            <a:avLst/>
-          </a:prstGeom>
-        </p:spPr>
-        <p:style>
-          <a:lnRef idx="2">
-            <a:schemeClr val="accent2">
-              <a:shade val="50000"/>
-            </a:schemeClr>
-          </a:lnRef>
-          <a:fillRef idx="1">
-            <a:schemeClr val="accent2"/>
-          </a:fillRef>
-          <a:effectRef idx="0">
-            <a:schemeClr val="accent2"/>
-          </a:effectRef>
-          <a:fontRef idx="minor">
-            <a:schemeClr val="lt1"/>
-          </a:fontRef>
-        </p:style>
-        <p:txBody>
-          <a:bodyPr rtlCol="0" anchor="ctr"/>
-          <a:lstStyle/>
-          <a:p>
-            <a:pPr algn="ctr"/>
-            <a:r>
-              <a:rPr lang="en-US" altLang="zh-CN" dirty="0" smtClean="0"/>
-              <a:t>index</a:t>
-            </a:r>
-            <a:endParaRPr lang="zh-CN" altLang="en-US" dirty="0"/>
-          </a:p>
-        </p:txBody>
-      </p:sp>
       <p:cxnSp>
         <p:nvCxnSpPr>
           <p:cNvPr id="9" name="直接连接符 8"/>
@@ -3629,117 +3469,29 @@
           </a:fontRef>
         </p:style>
       </p:cxnSp>
-      <p:sp>
-        <p:nvSpPr>
-          <p:cNvPr id="13" name="圆角矩形 12"/>
-          <p:cNvSpPr/>
-          <p:nvPr/>
-        </p:nvSpPr>
-        <p:spPr>
-          <a:xfrm>
-            <a:off x="6244591" y="3251088"/>
-            <a:ext cx="1205346" cy="448887"/>
-          </a:xfrm>
-          <a:prstGeom prst="roundRect">
-            <a:avLst/>
-          </a:prstGeom>
-        </p:spPr>
-        <p:style>
-          <a:lnRef idx="2">
-            <a:schemeClr val="accent6">
-              <a:shade val="50000"/>
-            </a:schemeClr>
-          </a:lnRef>
-          <a:fillRef idx="1">
-            <a:schemeClr val="accent6"/>
-          </a:fillRef>
-          <a:effectRef idx="0">
-            <a:schemeClr val="accent6"/>
-          </a:effectRef>
-          <a:fontRef idx="minor">
-            <a:schemeClr val="lt1"/>
-          </a:fontRef>
-        </p:style>
-        <p:txBody>
-          <a:bodyPr rtlCol="0" anchor="ctr"/>
-          <a:lstStyle/>
-          <a:p>
-            <a:pPr algn="ctr"/>
-            <a:r>
-              <a:rPr lang="en-US" altLang="zh-CN" dirty="0" smtClean="0"/>
-              <a:t>index</a:t>
-            </a:r>
-            <a:endParaRPr lang="zh-CN" altLang="en-US" dirty="0"/>
-          </a:p>
-        </p:txBody>
-      </p:sp>
-      <p:sp>
-        <p:nvSpPr>
-          <p:cNvPr id="14" name="圆角矩形 13"/>
-          <p:cNvSpPr/>
-          <p:nvPr/>
-        </p:nvSpPr>
-        <p:spPr>
-          <a:xfrm>
-            <a:off x="6249786" y="4462160"/>
-            <a:ext cx="1205346" cy="448887"/>
-          </a:xfrm>
-          <a:prstGeom prst="roundRect">
-            <a:avLst/>
-          </a:prstGeom>
-        </p:spPr>
-        <p:style>
-          <a:lnRef idx="2">
-            <a:schemeClr val="accent6">
-              <a:shade val="50000"/>
-            </a:schemeClr>
-          </a:lnRef>
-          <a:fillRef idx="1">
-            <a:schemeClr val="accent6"/>
-          </a:fillRef>
-          <a:effectRef idx="0">
-            <a:schemeClr val="accent6"/>
-          </a:effectRef>
-          <a:fontRef idx="minor">
-            <a:schemeClr val="lt1"/>
-          </a:fontRef>
-        </p:style>
-        <p:txBody>
-          <a:bodyPr rtlCol="0" anchor="ctr"/>
-          <a:lstStyle/>
-          <a:p>
-            <a:pPr algn="ctr"/>
-            <a:r>
-              <a:rPr lang="en-US" altLang="zh-CN" dirty="0" smtClean="0"/>
-              <a:t>raw data</a:t>
-            </a:r>
-            <a:endParaRPr lang="zh-CN" altLang="en-US" dirty="0"/>
-          </a:p>
-        </p:txBody>
-      </p:sp>
       <p:grpSp>
         <p:nvGrpSpPr>
-          <p:cNvPr id="19" name="组合 18"/>
+          <p:cNvPr id="3" name="组合 2"/>
           <p:cNvGrpSpPr/>
           <p:nvPr/>
         </p:nvGrpSpPr>
         <p:grpSpPr>
           <a:xfrm>
             <a:off x="6133406" y="1920240"/>
-            <a:ext cx="1321724" cy="555315"/>
-            <a:chOff x="6216535" y="1971378"/>
-            <a:chExt cx="1321724" cy="555315"/>
+            <a:ext cx="1321726" cy="2990807"/>
+            <a:chOff x="6133406" y="1920240"/>
+            <a:chExt cx="1321726" cy="2990807"/>
           </a:xfrm>
         </p:grpSpPr>
         <p:sp>
           <p:nvSpPr>
-            <p:cNvPr id="15" name="圆角矩形 14"/>
+            <p:cNvPr id="13" name="圆角矩形 12"/>
             <p:cNvSpPr/>
             <p:nvPr/>
           </p:nvSpPr>
           <p:spPr>
             <a:xfrm>
-              <a:off x="6216535" y="1971378"/>
+              <a:off x="6244591" y="3251088"/>
               <a:ext cx="1205346" cy="448887"/>
             </a:xfrm>
             <a:prstGeom prst="roundRect">
@@ -3769,7 +3521,7 @@
               <a:pPr algn="ctr"/>
               <a:r>
                 <a:rPr lang="en-US" altLang="zh-CN" dirty="0" smtClean="0"/>
-                <a:t>query</a:t>
+                <a:t>index</a:t>
               </a:r>
               <a:endParaRPr lang="zh-CN" altLang="en-US" dirty="0"/>
             </a:p>
@@ -3777,13 +3529,13 @@
         </p:sp>
         <p:sp>
           <p:nvSpPr>
-            <p:cNvPr id="17" name="圆角矩形 16"/>
+            <p:cNvPr id="14" name="圆角矩形 13"/>
             <p:cNvSpPr/>
             <p:nvPr/>
           </p:nvSpPr>
           <p:spPr>
             <a:xfrm>
-              <a:off x="6274724" y="2024592"/>
+              <a:off x="6249786" y="4462160"/>
               <a:ext cx="1205346" cy="448887"/>
             </a:xfrm>
             <a:prstGeom prst="roundRect">
@@ -3813,21 +3565,257 @@
               <a:pPr algn="ctr"/>
               <a:r>
                 <a:rPr lang="en-US" altLang="zh-CN" dirty="0" smtClean="0"/>
-                <a:t>query</a:t>
+                <a:t>raw data</a:t>
               </a:r>
               <a:endParaRPr lang="zh-CN" altLang="en-US" dirty="0"/>
             </a:p>
           </p:txBody>
         </p:sp>
+        <p:grpSp>
+          <p:nvGrpSpPr>
+            <p:cNvPr id="19" name="组合 18"/>
+            <p:cNvGrpSpPr/>
+            <p:nvPr/>
+          </p:nvGrpSpPr>
+          <p:grpSpPr>
+            <a:xfrm>
+              <a:off x="6133406" y="1920240"/>
+              <a:ext cx="1321724" cy="555315"/>
+              <a:chOff x="6216535" y="1971378"/>
+              <a:chExt cx="1321724" cy="555315"/>
+            </a:xfrm>
+          </p:grpSpPr>
+          <p:sp>
+            <p:nvSpPr>
+              <p:cNvPr id="15" name="圆角矩形 14"/>
+              <p:cNvSpPr/>
+              <p:nvPr/>
+            </p:nvSpPr>
+            <p:spPr>
+              <a:xfrm>
+                <a:off x="6216535" y="1971378"/>
+                <a:ext cx="1205346" cy="448887"/>
+              </a:xfrm>
+              <a:prstGeom prst="roundRect">
+                <a:avLst/>
+              </a:prstGeom>
+            </p:spPr>
+            <p:style>
+              <a:lnRef idx="2">
+                <a:schemeClr val="accent6">
+                  <a:shade val="50000"/>
+                </a:schemeClr>
+              </a:lnRef>
+              <a:fillRef idx="1">
+                <a:schemeClr val="accent6"/>
+              </a:fillRef>
+              <a:effectRef idx="0">
+                <a:schemeClr val="accent6"/>
+              </a:effectRef>
+              <a:fontRef idx="minor">
+                <a:schemeClr val="lt1"/>
+              </a:fontRef>
+            </p:style>
+            <p:txBody>
+              <a:bodyPr rtlCol="0" anchor="ctr"/>
+              <a:lstStyle/>
+              <a:p>
+                <a:pPr algn="ctr"/>
+                <a:r>
+                  <a:rPr lang="en-US" altLang="zh-CN" dirty="0" smtClean="0"/>
+                  <a:t>query</a:t>
+                </a:r>
+                <a:endParaRPr lang="zh-CN" altLang="en-US" dirty="0"/>
+              </a:p>
+            </p:txBody>
+          </p:sp>
+          <p:sp>
+            <p:nvSpPr>
+              <p:cNvPr id="17" name="圆角矩形 16"/>
+              <p:cNvSpPr/>
+              <p:nvPr/>
+            </p:nvSpPr>
+            <p:spPr>
+              <a:xfrm>
+                <a:off x="6274724" y="2024592"/>
+                <a:ext cx="1205346" cy="448887"/>
+              </a:xfrm>
+              <a:prstGeom prst="roundRect">
+                <a:avLst/>
+              </a:prstGeom>
+            </p:spPr>
+            <p:style>
+              <a:lnRef idx="2">
+                <a:schemeClr val="accent6">
+                  <a:shade val="50000"/>
+                </a:schemeClr>
+              </a:lnRef>
+              <a:fillRef idx="1">
+                <a:schemeClr val="accent6"/>
+              </a:fillRef>
+              <a:effectRef idx="0">
+                <a:schemeClr val="accent6"/>
+              </a:effectRef>
+              <a:fontRef idx="minor">
+                <a:schemeClr val="lt1"/>
+              </a:fontRef>
+            </p:style>
+            <p:txBody>
+              <a:bodyPr rtlCol="0" anchor="ctr"/>
+              <a:lstStyle/>
+              <a:p>
+                <a:pPr algn="ctr"/>
+                <a:r>
+                  <a:rPr lang="en-US" altLang="zh-CN" dirty="0" smtClean="0"/>
+                  <a:t>query</a:t>
+                </a:r>
+                <a:endParaRPr lang="zh-CN" altLang="en-US" dirty="0"/>
+              </a:p>
+            </p:txBody>
+          </p:sp>
+          <p:sp>
+            <p:nvSpPr>
+              <p:cNvPr id="18" name="圆角矩形 17"/>
+              <p:cNvSpPr/>
+              <p:nvPr/>
+            </p:nvSpPr>
+            <p:spPr>
+              <a:xfrm>
+                <a:off x="6332913" y="2077806"/>
+                <a:ext cx="1205346" cy="448887"/>
+              </a:xfrm>
+              <a:prstGeom prst="roundRect">
+                <a:avLst/>
+              </a:prstGeom>
+            </p:spPr>
+            <p:style>
+              <a:lnRef idx="2">
+                <a:schemeClr val="accent6">
+                  <a:shade val="50000"/>
+                </a:schemeClr>
+              </a:lnRef>
+              <a:fillRef idx="1">
+                <a:schemeClr val="accent6"/>
+              </a:fillRef>
+              <a:effectRef idx="0">
+                <a:schemeClr val="accent6"/>
+              </a:effectRef>
+              <a:fontRef idx="minor">
+                <a:schemeClr val="lt1"/>
+              </a:fontRef>
+            </p:style>
+            <p:txBody>
+              <a:bodyPr rtlCol="0" anchor="ctr"/>
+              <a:lstStyle/>
+              <a:p>
+                <a:pPr algn="ctr"/>
+                <a:r>
+                  <a:rPr lang="en-US" altLang="zh-CN" dirty="0" smtClean="0"/>
+                  <a:t>query</a:t>
+                </a:r>
+                <a:endParaRPr lang="zh-CN" altLang="en-US" dirty="0"/>
+              </a:p>
+            </p:txBody>
+          </p:sp>
+        </p:grpSp>
+        <p:cxnSp>
+          <p:nvCxnSpPr>
+            <p:cNvPr id="27" name="直接箭头连接符 26"/>
+            <p:cNvCxnSpPr>
+              <a:stCxn id="18" idx="2"/>
+              <a:endCxn id="13" idx="0"/>
+            </p:cNvCxnSpPr>
+            <p:nvPr/>
+          </p:nvCxnSpPr>
+          <p:spPr>
+            <a:xfrm flipH="1">
+              <a:off x="6847264" y="2475555"/>
+              <a:ext cx="5193" cy="775533"/>
+            </a:xfrm>
+            <a:prstGeom prst="straightConnector1">
+              <a:avLst/>
+            </a:prstGeom>
+            <a:ln>
+              <a:headEnd type="triangle"/>
+              <a:tailEnd type="triangle"/>
+            </a:ln>
+          </p:spPr>
+          <p:style>
+            <a:lnRef idx="1">
+              <a:schemeClr val="accent1"/>
+            </a:lnRef>
+            <a:fillRef idx="0">
+              <a:schemeClr val="accent1"/>
+            </a:fillRef>
+            <a:effectRef idx="0">
+              <a:schemeClr val="accent1"/>
+            </a:effectRef>
+            <a:fontRef idx="minor">
+              <a:schemeClr val="tx1"/>
+            </a:fontRef>
+          </p:style>
+        </p:cxnSp>
+        <p:cxnSp>
+          <p:nvCxnSpPr>
+            <p:cNvPr id="29" name="直接箭头连接符 28"/>
+            <p:cNvCxnSpPr>
+              <a:stCxn id="13" idx="2"/>
+              <a:endCxn id="14" idx="0"/>
+            </p:cNvCxnSpPr>
+            <p:nvPr/>
+          </p:nvCxnSpPr>
+          <p:spPr>
+            <a:xfrm>
+              <a:off x="6847264" y="3699975"/>
+              <a:ext cx="5195" cy="762185"/>
+            </a:xfrm>
+            <a:prstGeom prst="straightConnector1">
+              <a:avLst/>
+            </a:prstGeom>
+            <a:ln>
+              <a:headEnd type="triangle"/>
+              <a:tailEnd type="triangle"/>
+            </a:ln>
+          </p:spPr>
+          <p:style>
+            <a:lnRef idx="1">
+              <a:schemeClr val="accent1"/>
+            </a:lnRef>
+            <a:fillRef idx="0">
+              <a:schemeClr val="accent1"/>
+            </a:fillRef>
+            <a:effectRef idx="0">
+              <a:schemeClr val="accent1"/>
+            </a:effectRef>
+            <a:fontRef idx="minor">
+              <a:schemeClr val="tx1"/>
+            </a:fontRef>
+          </p:style>
+        </p:cxnSp>
+      </p:grpSp>
+      <p:grpSp>
+        <p:nvGrpSpPr>
+          <p:cNvPr id="2" name="组合 1"/>
+          <p:cNvGrpSpPr/>
+          <p:nvPr/>
+        </p:nvGrpSpPr>
+        <p:grpSpPr>
+          <a:xfrm>
+            <a:off x="559727" y="1565562"/>
+            <a:ext cx="3581052" cy="4637520"/>
+            <a:chOff x="559727" y="1565562"/>
+            <a:chExt cx="3581052" cy="4637520"/>
+          </a:xfrm>
+        </p:grpSpPr>
         <p:sp>
           <p:nvSpPr>
-            <p:cNvPr id="18" name="圆角矩形 17"/>
+            <p:cNvPr id="4" name="圆角矩形 3"/>
             <p:cNvSpPr/>
             <p:nvPr/>
           </p:nvSpPr>
           <p:spPr>
             <a:xfrm>
-              <a:off x="6332913" y="2077806"/>
+              <a:off x="789709" y="1920241"/>
               <a:ext cx="1205346" cy="448887"/>
             </a:xfrm>
             <a:prstGeom prst="roundRect">
@@ -3836,15 +3824,15 @@
           </p:spPr>
           <p:style>
             <a:lnRef idx="2">
-              <a:schemeClr val="accent6">
+              <a:schemeClr val="accent1">
                 <a:shade val="50000"/>
               </a:schemeClr>
             </a:lnRef>
             <a:fillRef idx="1">
-              <a:schemeClr val="accent6"/>
+              <a:schemeClr val="accent1"/>
             </a:fillRef>
             <a:effectRef idx="0">
-              <a:schemeClr val="accent6"/>
+              <a:schemeClr val="accent1"/>
             </a:effectRef>
             <a:fontRef idx="minor">
               <a:schemeClr val="lt1"/>
@@ -3857,345 +3845,403 @@
               <a:pPr algn="ctr"/>
               <a:r>
                 <a:rPr lang="en-US" altLang="zh-CN" dirty="0" smtClean="0"/>
-                <a:t>query</a:t>
+                <a:t>raw data</a:t>
+              </a:r>
+              <a:endParaRPr lang="zh-CN" altLang="en-US" dirty="0"/>
+            </a:p>
+          </p:txBody>
+        </p:sp>
+        <p:sp>
+          <p:nvSpPr>
+            <p:cNvPr id="5" name="圆角矩形 4"/>
+            <p:cNvSpPr/>
+            <p:nvPr/>
+          </p:nvSpPr>
+          <p:spPr>
+            <a:xfrm>
+              <a:off x="801139" y="3185408"/>
+              <a:ext cx="1205346" cy="586935"/>
+            </a:xfrm>
+            <a:prstGeom prst="roundRect">
+              <a:avLst/>
+            </a:prstGeom>
+          </p:spPr>
+          <p:style>
+            <a:lnRef idx="2">
+              <a:schemeClr val="accent1">
+                <a:shade val="50000"/>
+              </a:schemeClr>
+            </a:lnRef>
+            <a:fillRef idx="1">
+              <a:schemeClr val="accent1"/>
+            </a:fillRef>
+            <a:effectRef idx="0">
+              <a:schemeClr val="accent1"/>
+            </a:effectRef>
+            <a:fontRef idx="minor">
+              <a:schemeClr val="lt1"/>
+            </a:fontRef>
+          </p:style>
+          <p:txBody>
+            <a:bodyPr rtlCol="0" anchor="ctr"/>
+            <a:lstStyle/>
+            <a:p>
+              <a:pPr algn="ctr"/>
+              <a:r>
+                <a:rPr lang="en-US" altLang="zh-CN" dirty="0" smtClean="0"/>
+                <a:t>read buffer</a:t>
+              </a:r>
+              <a:endParaRPr lang="zh-CN" altLang="en-US" dirty="0"/>
+            </a:p>
+          </p:txBody>
+        </p:sp>
+        <p:sp>
+          <p:nvSpPr>
+            <p:cNvPr id="6" name="圆角矩形 5"/>
+            <p:cNvSpPr/>
+            <p:nvPr/>
+          </p:nvSpPr>
+          <p:spPr>
+            <a:xfrm>
+              <a:off x="2721034" y="3251089"/>
+              <a:ext cx="1205346" cy="448887"/>
+            </a:xfrm>
+            <a:prstGeom prst="roundRect">
+              <a:avLst/>
+            </a:prstGeom>
+          </p:spPr>
+          <p:style>
+            <a:lnRef idx="2">
+              <a:schemeClr val="accent2">
+                <a:shade val="50000"/>
+              </a:schemeClr>
+            </a:lnRef>
+            <a:fillRef idx="1">
+              <a:schemeClr val="accent2"/>
+            </a:fillRef>
+            <a:effectRef idx="0">
+              <a:schemeClr val="accent2"/>
+            </a:effectRef>
+            <a:fontRef idx="minor">
+              <a:schemeClr val="lt1"/>
+            </a:fontRef>
+          </p:style>
+          <p:txBody>
+            <a:bodyPr rtlCol="0" anchor="ctr"/>
+            <a:lstStyle/>
+            <a:p>
+              <a:pPr algn="ctr"/>
+              <a:r>
+                <a:rPr lang="en-US" altLang="zh-CN" dirty="0" smtClean="0"/>
+                <a:t>parser</a:t>
+              </a:r>
+              <a:endParaRPr lang="zh-CN" altLang="en-US" dirty="0"/>
+            </a:p>
+          </p:txBody>
+        </p:sp>
+        <p:sp>
+          <p:nvSpPr>
+            <p:cNvPr id="7" name="圆角矩形 6"/>
+            <p:cNvSpPr/>
+            <p:nvPr/>
+          </p:nvSpPr>
+          <p:spPr>
+            <a:xfrm>
+              <a:off x="2721034" y="4462162"/>
+              <a:ext cx="1205346" cy="448887"/>
+            </a:xfrm>
+            <a:prstGeom prst="roundRect">
+              <a:avLst/>
+            </a:prstGeom>
+          </p:spPr>
+          <p:style>
+            <a:lnRef idx="2">
+              <a:schemeClr val="accent2">
+                <a:shade val="50000"/>
+              </a:schemeClr>
+            </a:lnRef>
+            <a:fillRef idx="1">
+              <a:schemeClr val="accent2"/>
+            </a:fillRef>
+            <a:effectRef idx="0">
+              <a:schemeClr val="accent2"/>
+            </a:effectRef>
+            <a:fontRef idx="minor">
+              <a:schemeClr val="lt1"/>
+            </a:fontRef>
+          </p:style>
+          <p:txBody>
+            <a:bodyPr rtlCol="0" anchor="ctr"/>
+            <a:lstStyle/>
+            <a:p>
+              <a:pPr algn="ctr"/>
+              <a:r>
+                <a:rPr lang="en-US" altLang="zh-CN" dirty="0" smtClean="0"/>
+                <a:t>index</a:t>
+              </a:r>
+              <a:endParaRPr lang="zh-CN" altLang="en-US" dirty="0"/>
+            </a:p>
+          </p:txBody>
+        </p:sp>
+        <p:cxnSp>
+          <p:nvCxnSpPr>
+            <p:cNvPr id="21" name="直接箭头连接符 20"/>
+            <p:cNvCxnSpPr>
+              <a:stCxn id="4" idx="2"/>
+              <a:endCxn id="5" idx="0"/>
+            </p:cNvCxnSpPr>
+            <p:nvPr/>
+          </p:nvCxnSpPr>
+          <p:spPr>
+            <a:xfrm>
+              <a:off x="1392382" y="2369128"/>
+              <a:ext cx="11430" cy="816280"/>
+            </a:xfrm>
+            <a:prstGeom prst="straightConnector1">
+              <a:avLst/>
+            </a:prstGeom>
+            <a:ln>
+              <a:tailEnd type="triangle"/>
+            </a:ln>
+          </p:spPr>
+          <p:style>
+            <a:lnRef idx="1">
+              <a:schemeClr val="accent1"/>
+            </a:lnRef>
+            <a:fillRef idx="0">
+              <a:schemeClr val="accent1"/>
+            </a:fillRef>
+            <a:effectRef idx="0">
+              <a:schemeClr val="accent1"/>
+            </a:effectRef>
+            <a:fontRef idx="minor">
+              <a:schemeClr val="tx1"/>
+            </a:fontRef>
+          </p:style>
+        </p:cxnSp>
+        <p:cxnSp>
+          <p:nvCxnSpPr>
+            <p:cNvPr id="23" name="直接箭头连接符 22"/>
+            <p:cNvCxnSpPr>
+              <a:stCxn id="5" idx="3"/>
+              <a:endCxn id="6" idx="1"/>
+            </p:cNvCxnSpPr>
+            <p:nvPr/>
+          </p:nvCxnSpPr>
+          <p:spPr>
+            <a:xfrm flipV="1">
+              <a:off x="2006485" y="3475533"/>
+              <a:ext cx="714549" cy="3343"/>
+            </a:xfrm>
+            <a:prstGeom prst="straightConnector1">
+              <a:avLst/>
+            </a:prstGeom>
+            <a:ln>
+              <a:tailEnd type="triangle"/>
+            </a:ln>
+          </p:spPr>
+          <p:style>
+            <a:lnRef idx="1">
+              <a:schemeClr val="accent1"/>
+            </a:lnRef>
+            <a:fillRef idx="0">
+              <a:schemeClr val="accent1"/>
+            </a:fillRef>
+            <a:effectRef idx="0">
+              <a:schemeClr val="accent1"/>
+            </a:effectRef>
+            <a:fontRef idx="minor">
+              <a:schemeClr val="tx1"/>
+            </a:fontRef>
+          </p:style>
+        </p:cxnSp>
+        <p:cxnSp>
+          <p:nvCxnSpPr>
+            <p:cNvPr id="25" name="直接箭头连接符 24"/>
+            <p:cNvCxnSpPr>
+              <a:stCxn id="6" idx="2"/>
+              <a:endCxn id="7" idx="0"/>
+            </p:cNvCxnSpPr>
+            <p:nvPr/>
+          </p:nvCxnSpPr>
+          <p:spPr>
+            <a:xfrm>
+              <a:off x="3323707" y="3699976"/>
+              <a:ext cx="0" cy="762186"/>
+            </a:xfrm>
+            <a:prstGeom prst="straightConnector1">
+              <a:avLst/>
+            </a:prstGeom>
+            <a:ln>
+              <a:tailEnd type="triangle"/>
+            </a:ln>
+          </p:spPr>
+          <p:style>
+            <a:lnRef idx="1">
+              <a:schemeClr val="accent1"/>
+            </a:lnRef>
+            <a:fillRef idx="0">
+              <a:schemeClr val="accent1"/>
+            </a:fillRef>
+            <a:effectRef idx="0">
+              <a:schemeClr val="accent1"/>
+            </a:effectRef>
+            <a:fontRef idx="minor">
+              <a:schemeClr val="tx1"/>
+            </a:fontRef>
+          </p:style>
+        </p:cxnSp>
+        <p:sp>
+          <p:nvSpPr>
+            <p:cNvPr id="30" name="圆角矩形 29"/>
+            <p:cNvSpPr/>
+            <p:nvPr/>
+          </p:nvSpPr>
+          <p:spPr>
+            <a:xfrm>
+              <a:off x="2496244" y="1565562"/>
+              <a:ext cx="1644535" cy="4098175"/>
+            </a:xfrm>
+            <a:prstGeom prst="roundRect">
+              <a:avLst/>
+            </a:prstGeom>
+            <a:noFill/>
+            <a:ln>
+              <a:prstDash val="dash"/>
+            </a:ln>
+          </p:spPr>
+          <p:style>
+            <a:lnRef idx="2">
+              <a:schemeClr val="accent1">
+                <a:shade val="50000"/>
+              </a:schemeClr>
+            </a:lnRef>
+            <a:fillRef idx="1">
+              <a:schemeClr val="accent1"/>
+            </a:fillRef>
+            <a:effectRef idx="0">
+              <a:schemeClr val="accent1"/>
+            </a:effectRef>
+            <a:fontRef idx="minor">
+              <a:schemeClr val="lt1"/>
+            </a:fontRef>
+          </p:style>
+          <p:txBody>
+            <a:bodyPr rtlCol="0" anchor="ctr"/>
+            <a:lstStyle/>
+            <a:p>
+              <a:pPr algn="ctr"/>
+              <a:endParaRPr lang="zh-CN" altLang="en-US"/>
+            </a:p>
+          </p:txBody>
+        </p:sp>
+        <p:sp>
+          <p:nvSpPr>
+            <p:cNvPr id="31" name="圆角矩形 30"/>
+            <p:cNvSpPr/>
+            <p:nvPr/>
+          </p:nvSpPr>
+          <p:spPr>
+            <a:xfrm>
+              <a:off x="559727" y="1565563"/>
+              <a:ext cx="1644535" cy="4098175"/>
+            </a:xfrm>
+            <a:prstGeom prst="roundRect">
+              <a:avLst/>
+            </a:prstGeom>
+            <a:noFill/>
+            <a:ln>
+              <a:prstDash val="dash"/>
+            </a:ln>
+          </p:spPr>
+          <p:style>
+            <a:lnRef idx="2">
+              <a:schemeClr val="accent1">
+                <a:shade val="50000"/>
+              </a:schemeClr>
+            </a:lnRef>
+            <a:fillRef idx="1">
+              <a:schemeClr val="accent1"/>
+            </a:fillRef>
+            <a:effectRef idx="0">
+              <a:schemeClr val="accent1"/>
+            </a:effectRef>
+            <a:fontRef idx="minor">
+              <a:schemeClr val="lt1"/>
+            </a:fontRef>
+          </p:style>
+          <p:txBody>
+            <a:bodyPr rtlCol="0" anchor="ctr"/>
+            <a:lstStyle/>
+            <a:p>
+              <a:pPr algn="ctr"/>
+              <a:endParaRPr lang="zh-CN" altLang="en-US"/>
+            </a:p>
+          </p:txBody>
+        </p:sp>
+        <p:sp>
+          <p:nvSpPr>
+            <p:cNvPr id="32" name="文本框 31"/>
+            <p:cNvSpPr txBox="1"/>
+            <p:nvPr/>
+          </p:nvSpPr>
+          <p:spPr>
+            <a:xfrm>
+              <a:off x="2750648" y="5833750"/>
+              <a:ext cx="1135726" cy="369332"/>
+            </a:xfrm>
+            <a:prstGeom prst="rect">
+              <a:avLst/>
+            </a:prstGeom>
+            <a:noFill/>
+          </p:spPr>
+          <p:txBody>
+            <a:bodyPr wrap="square" rtlCol="0">
+              <a:spAutoFit/>
+            </a:bodyPr>
+            <a:lstStyle/>
+            <a:p>
+              <a:pPr algn="ctr"/>
+              <a:r>
+                <a:rPr lang="en-US" altLang="zh-CN" dirty="0" smtClean="0"/>
+                <a:t>Thread</a:t>
+              </a:r>
+              <a:endParaRPr lang="zh-CN" altLang="en-US" dirty="0"/>
+            </a:p>
+          </p:txBody>
+        </p:sp>
+        <p:sp>
+          <p:nvSpPr>
+            <p:cNvPr id="33" name="文本框 32"/>
+            <p:cNvSpPr txBox="1"/>
+            <p:nvPr/>
+          </p:nvSpPr>
+          <p:spPr>
+            <a:xfrm>
+              <a:off x="789709" y="5833750"/>
+              <a:ext cx="1135726" cy="369332"/>
+            </a:xfrm>
+            <a:prstGeom prst="rect">
+              <a:avLst/>
+            </a:prstGeom>
+            <a:noFill/>
+          </p:spPr>
+          <p:txBody>
+            <a:bodyPr wrap="square" rtlCol="0">
+              <a:spAutoFit/>
+            </a:bodyPr>
+            <a:lstStyle/>
+            <a:p>
+              <a:pPr algn="ctr"/>
+              <a:r>
+                <a:rPr lang="en-US" altLang="zh-CN" dirty="0" smtClean="0"/>
+                <a:t>Thread</a:t>
               </a:r>
               <a:endParaRPr lang="zh-CN" altLang="en-US" dirty="0"/>
             </a:p>
           </p:txBody>
         </p:sp>
       </p:grpSp>
-      <p:cxnSp>
-        <p:nvCxnSpPr>
-          <p:cNvPr id="21" name="直接箭头连接符 20"/>
-          <p:cNvCxnSpPr>
-            <a:stCxn id="4" idx="2"/>
-            <a:endCxn id="5" idx="0"/>
-          </p:cNvCxnSpPr>
-          <p:nvPr/>
-        </p:nvCxnSpPr>
-        <p:spPr>
-          <a:xfrm>
-            <a:off x="1392382" y="2369128"/>
-            <a:ext cx="11430" cy="816280"/>
-          </a:xfrm>
-          <a:prstGeom prst="straightConnector1">
-            <a:avLst/>
-          </a:prstGeom>
-          <a:ln>
-            <a:tailEnd type="triangle"/>
-          </a:ln>
-        </p:spPr>
-        <p:style>
-          <a:lnRef idx="1">
-            <a:schemeClr val="accent1"/>
-          </a:lnRef>
-          <a:fillRef idx="0">
-            <a:schemeClr val="accent1"/>
-          </a:fillRef>
-          <a:effectRef idx="0">
-            <a:schemeClr val="accent1"/>
-          </a:effectRef>
-          <a:fontRef idx="minor">
-            <a:schemeClr val="tx1"/>
-          </a:fontRef>
-        </p:style>
-      </p:cxnSp>
-      <p:cxnSp>
-        <p:nvCxnSpPr>
-          <p:cNvPr id="23" name="直接箭头连接符 22"/>
-          <p:cNvCxnSpPr>
-            <a:stCxn id="5" idx="3"/>
-            <a:endCxn id="6" idx="1"/>
-          </p:cNvCxnSpPr>
-          <p:nvPr/>
-        </p:nvCxnSpPr>
-        <p:spPr>
-          <a:xfrm flipV="1">
-            <a:off x="2006485" y="3475533"/>
-            <a:ext cx="714549" cy="3343"/>
-          </a:xfrm>
-          <a:prstGeom prst="straightConnector1">
-            <a:avLst/>
-          </a:prstGeom>
-          <a:ln>
-            <a:tailEnd type="triangle"/>
-          </a:ln>
-        </p:spPr>
-        <p:style>
-          <a:lnRef idx="1">
-            <a:schemeClr val="accent1"/>
-          </a:lnRef>
-          <a:fillRef idx="0">
-            <a:schemeClr val="accent1"/>
-          </a:fillRef>
-          <a:effectRef idx="0">
-            <a:schemeClr val="accent1"/>
-          </a:effectRef>
-          <a:fontRef idx="minor">
-            <a:schemeClr val="tx1"/>
-          </a:fontRef>
-        </p:style>
-      </p:cxnSp>
-      <p:cxnSp>
-        <p:nvCxnSpPr>
-          <p:cNvPr id="25" name="直接箭头连接符 24"/>
-          <p:cNvCxnSpPr>
-            <a:stCxn id="6" idx="2"/>
-            <a:endCxn id="7" idx="0"/>
-          </p:cNvCxnSpPr>
-          <p:nvPr/>
-        </p:nvCxnSpPr>
-        <p:spPr>
-          <a:xfrm>
-            <a:off x="3323707" y="3699976"/>
-            <a:ext cx="0" cy="762186"/>
-          </a:xfrm>
-          <a:prstGeom prst="straightConnector1">
-            <a:avLst/>
-          </a:prstGeom>
-          <a:ln>
-            <a:tailEnd type="triangle"/>
-          </a:ln>
-        </p:spPr>
-        <p:style>
-          <a:lnRef idx="1">
-            <a:schemeClr val="accent1"/>
-          </a:lnRef>
-          <a:fillRef idx="0">
-            <a:schemeClr val="accent1"/>
-          </a:fillRef>
-          <a:effectRef idx="0">
-            <a:schemeClr val="accent1"/>
-          </a:effectRef>
-          <a:fontRef idx="minor">
-            <a:schemeClr val="tx1"/>
-          </a:fontRef>
-        </p:style>
-      </p:cxnSp>
-      <p:cxnSp>
-        <p:nvCxnSpPr>
-          <p:cNvPr id="27" name="直接箭头连接符 26"/>
-          <p:cNvCxnSpPr>
-            <a:stCxn id="18" idx="2"/>
-            <a:endCxn id="13" idx="0"/>
-          </p:cNvCxnSpPr>
-          <p:nvPr/>
-        </p:nvCxnSpPr>
-        <p:spPr>
-          <a:xfrm flipH="1">
-            <a:off x="6847264" y="2475555"/>
-            <a:ext cx="5193" cy="775533"/>
-          </a:xfrm>
-          <a:prstGeom prst="straightConnector1">
-            <a:avLst/>
-          </a:prstGeom>
-          <a:ln>
-            <a:headEnd type="triangle"/>
-            <a:tailEnd type="triangle"/>
-          </a:ln>
-        </p:spPr>
-        <p:style>
-          <a:lnRef idx="1">
-            <a:schemeClr val="accent1"/>
-          </a:lnRef>
-          <a:fillRef idx="0">
-            <a:schemeClr val="accent1"/>
-          </a:fillRef>
-          <a:effectRef idx="0">
-            <a:schemeClr val="accent1"/>
-          </a:effectRef>
-          <a:fontRef idx="minor">
-            <a:schemeClr val="tx1"/>
-          </a:fontRef>
-        </p:style>
-      </p:cxnSp>
-      <p:cxnSp>
-        <p:nvCxnSpPr>
-          <p:cNvPr id="29" name="直接箭头连接符 28"/>
-          <p:cNvCxnSpPr>
-            <a:stCxn id="13" idx="2"/>
-            <a:endCxn id="14" idx="0"/>
-          </p:cNvCxnSpPr>
-          <p:nvPr/>
-        </p:nvCxnSpPr>
-        <p:spPr>
-          <a:xfrm>
-            <a:off x="6847264" y="3699975"/>
-            <a:ext cx="5195" cy="762185"/>
-          </a:xfrm>
-          <a:prstGeom prst="straightConnector1">
-            <a:avLst/>
-          </a:prstGeom>
-          <a:ln>
-            <a:headEnd type="triangle"/>
-            <a:tailEnd type="triangle"/>
-          </a:ln>
-        </p:spPr>
-        <p:style>
-          <a:lnRef idx="1">
-            <a:schemeClr val="accent1"/>
-          </a:lnRef>
-          <a:fillRef idx="0">
-            <a:schemeClr val="accent1"/>
-          </a:fillRef>
-          <a:effectRef idx="0">
-            <a:schemeClr val="accent1"/>
-          </a:effectRef>
-          <a:fontRef idx="minor">
-            <a:schemeClr val="tx1"/>
-          </a:fontRef>
-        </p:style>
-      </p:cxnSp>
-      <p:sp>
-        <p:nvSpPr>
-          <p:cNvPr id="30" name="圆角矩形 29"/>
-          <p:cNvSpPr/>
-          <p:nvPr/>
-        </p:nvSpPr>
-        <p:spPr>
-          <a:xfrm>
-            <a:off x="2496244" y="1565562"/>
-            <a:ext cx="1644535" cy="4098175"/>
-          </a:xfrm>
-          <a:prstGeom prst="roundRect">
-            <a:avLst/>
-          </a:prstGeom>
-          <a:noFill/>
-          <a:ln>
-            <a:prstDash val="dash"/>
-          </a:ln>
-        </p:spPr>
-        <p:style>
-          <a:lnRef idx="2">
-            <a:schemeClr val="accent1">
-              <a:shade val="50000"/>
-            </a:schemeClr>
-          </a:lnRef>
-          <a:fillRef idx="1">
-            <a:schemeClr val="accent1"/>
-          </a:fillRef>
-          <a:effectRef idx="0">
-            <a:schemeClr val="accent1"/>
-          </a:effectRef>
-          <a:fontRef idx="minor">
-            <a:schemeClr val="lt1"/>
-          </a:fontRef>
-        </p:style>
-        <p:txBody>
-          <a:bodyPr rtlCol="0" anchor="ctr"/>
-          <a:lstStyle/>
-          <a:p>
-            <a:pPr algn="ctr"/>
-            <a:endParaRPr lang="zh-CN" altLang="en-US"/>
-          </a:p>
-        </p:txBody>
-      </p:sp>
-      <p:sp>
-        <p:nvSpPr>
-          <p:cNvPr id="31" name="圆角矩形 30"/>
-          <p:cNvSpPr/>
-          <p:nvPr/>
-        </p:nvSpPr>
-        <p:spPr>
-          <a:xfrm>
-            <a:off x="559727" y="1565563"/>
-            <a:ext cx="1644535" cy="4098175"/>
-          </a:xfrm>
-          <a:prstGeom prst="roundRect">
-            <a:avLst/>
-          </a:prstGeom>
-          <a:noFill/>
-          <a:ln>
-            <a:prstDash val="dash"/>
-          </a:ln>
-        </p:spPr>
-        <p:style>
-          <a:lnRef idx="2">
-            <a:schemeClr val="accent1">
-              <a:shade val="50000"/>
-            </a:schemeClr>
-          </a:lnRef>
-          <a:fillRef idx="1">
-            <a:schemeClr val="accent1"/>
-          </a:fillRef>
-          <a:effectRef idx="0">
-            <a:schemeClr val="accent1"/>
-          </a:effectRef>
-          <a:fontRef idx="minor">
-            <a:schemeClr val="lt1"/>
-          </a:fontRef>
-        </p:style>
-        <p:txBody>
-          <a:bodyPr rtlCol="0" anchor="ctr"/>
-          <a:lstStyle/>
-          <a:p>
-            <a:pPr algn="ctr"/>
-            <a:endParaRPr lang="zh-CN" altLang="en-US"/>
-          </a:p>
-        </p:txBody>
-      </p:sp>
-      <p:sp>
-        <p:nvSpPr>
-          <p:cNvPr id="32" name="文本框 31"/>
-          <p:cNvSpPr txBox="1"/>
-          <p:nvPr/>
-        </p:nvSpPr>
-        <p:spPr>
-          <a:xfrm>
-            <a:off x="2750648" y="5833750"/>
-            <a:ext cx="1135726" cy="369332"/>
-          </a:xfrm>
-          <a:prstGeom prst="rect">
-            <a:avLst/>
-          </a:prstGeom>
-          <a:noFill/>
-        </p:spPr>
-        <p:txBody>
-          <a:bodyPr wrap="square" rtlCol="0">
-            <a:spAutoFit/>
-          </a:bodyPr>
-          <a:lstStyle/>
-          <a:p>
-            <a:pPr algn="ctr"/>
-            <a:r>
-              <a:rPr lang="en-US" altLang="zh-CN" dirty="0" smtClean="0"/>
-              <a:t>Thread</a:t>
-            </a:r>
-            <a:endParaRPr lang="zh-CN" altLang="en-US" dirty="0"/>
-          </a:p>
-        </p:txBody>
-      </p:sp>
-      <p:sp>
-        <p:nvSpPr>
-          <p:cNvPr id="33" name="文本框 32"/>
-          <p:cNvSpPr txBox="1"/>
-          <p:nvPr/>
-        </p:nvSpPr>
-        <p:spPr>
-          <a:xfrm>
-            <a:off x="789709" y="5833750"/>
-            <a:ext cx="1135726" cy="369332"/>
-          </a:xfrm>
-          <a:prstGeom prst="rect">
-            <a:avLst/>
-          </a:prstGeom>
-          <a:noFill/>
-        </p:spPr>
-        <p:txBody>
-          <a:bodyPr wrap="square" rtlCol="0">
-            <a:spAutoFit/>
-          </a:bodyPr>
-          <a:lstStyle/>
-          <a:p>
-            <a:pPr algn="ctr"/>
-            <a:r>
-              <a:rPr lang="en-US" altLang="zh-CN" dirty="0" smtClean="0"/>
-              <a:t>Thread</a:t>
-            </a:r>
-            <a:endParaRPr lang="zh-CN" altLang="en-US" dirty="0"/>
-          </a:p>
-        </p:txBody>
-      </p:sp>
       <p:sp>
         <p:nvSpPr>
           <p:cNvPr id="8" name="标题 7"/>
@@ -4332,451 +4378,466 @@
           </a:p>
         </p:txBody>
       </p:sp>
-      <p:sp>
-        <p:nvSpPr>
-          <p:cNvPr id="6" name="圆角矩形 5"/>
-          <p:cNvSpPr/>
+      <p:grpSp>
+        <p:nvGrpSpPr>
+          <p:cNvPr id="3" name="组合 2"/>
+          <p:cNvGrpSpPr/>
           <p:nvPr/>
-        </p:nvSpPr>
-        <p:spPr>
+        </p:nvGrpSpPr>
+        <p:grpSpPr>
           <a:xfrm>
-            <a:off x="1446413" y="1853741"/>
-            <a:ext cx="1296786" cy="407323"/>
+            <a:off x="1536468" y="1853741"/>
+            <a:ext cx="6071064" cy="3585271"/>
+            <a:chOff x="1446413" y="1853741"/>
+            <a:chExt cx="6071064" cy="3585271"/>
           </a:xfrm>
-          <a:prstGeom prst="roundRect">
-            <a:avLst/>
-          </a:prstGeom>
-        </p:spPr>
-        <p:style>
-          <a:lnRef idx="2">
-            <a:schemeClr val="accent1">
-              <a:shade val="50000"/>
-            </a:schemeClr>
-          </a:lnRef>
-          <a:fillRef idx="1">
-            <a:schemeClr val="accent1"/>
-          </a:fillRef>
-          <a:effectRef idx="0">
-            <a:schemeClr val="accent1"/>
-          </a:effectRef>
-          <a:fontRef idx="minor">
-            <a:schemeClr val="lt1"/>
-          </a:fontRef>
-        </p:style>
-        <p:txBody>
-          <a:bodyPr rtlCol="0" anchor="ctr"/>
-          <a:lstStyle/>
-          <a:p>
-            <a:pPr algn="ctr"/>
-            <a:r>
-              <a:rPr lang="en-US" altLang="zh-CN" dirty="0" err="1"/>
-              <a:t>o</a:t>
-            </a:r>
-            <a:r>
-              <a:rPr lang="en-US" altLang="zh-CN" dirty="0" err="1" smtClean="0"/>
-              <a:t>rderid</a:t>
-            </a:r>
-            <a:endParaRPr lang="en-US" altLang="zh-CN" dirty="0" smtClean="0"/>
-          </a:p>
-        </p:txBody>
-      </p:sp>
-      <p:sp>
-        <p:nvSpPr>
-          <p:cNvPr id="8" name="圆角矩形 7"/>
-          <p:cNvSpPr/>
-          <p:nvPr/>
-        </p:nvSpPr>
-        <p:spPr>
-          <a:xfrm>
-            <a:off x="1446413" y="3442715"/>
-            <a:ext cx="1296786" cy="407323"/>
-          </a:xfrm>
-          <a:prstGeom prst="roundRect">
-            <a:avLst/>
-          </a:prstGeom>
-        </p:spPr>
-        <p:style>
-          <a:lnRef idx="2">
-            <a:schemeClr val="accent1">
-              <a:shade val="50000"/>
-            </a:schemeClr>
-          </a:lnRef>
-          <a:fillRef idx="1">
-            <a:schemeClr val="accent1"/>
-          </a:fillRef>
-          <a:effectRef idx="0">
-            <a:schemeClr val="accent1"/>
-          </a:effectRef>
-          <a:fontRef idx="minor">
-            <a:schemeClr val="lt1"/>
-          </a:fontRef>
-        </p:style>
-        <p:txBody>
-          <a:bodyPr rtlCol="0" anchor="ctr"/>
-          <a:lstStyle/>
-          <a:p>
-            <a:pPr algn="ctr"/>
-            <a:r>
-              <a:rPr lang="en-US" altLang="zh-CN" dirty="0" err="1" smtClean="0"/>
-              <a:t>goodid</a:t>
-            </a:r>
-            <a:endParaRPr lang="en-US" altLang="zh-CN" dirty="0" smtClean="0"/>
-          </a:p>
-        </p:txBody>
-      </p:sp>
-      <p:sp>
-        <p:nvSpPr>
-          <p:cNvPr id="9" name="圆角矩形 8"/>
-          <p:cNvSpPr/>
-          <p:nvPr/>
-        </p:nvSpPr>
-        <p:spPr>
-          <a:xfrm>
-            <a:off x="1446413" y="5031689"/>
-            <a:ext cx="1296786" cy="407323"/>
-          </a:xfrm>
-          <a:prstGeom prst="roundRect">
-            <a:avLst/>
-          </a:prstGeom>
-        </p:spPr>
-        <p:style>
-          <a:lnRef idx="2">
-            <a:schemeClr val="accent1">
-              <a:shade val="50000"/>
-            </a:schemeClr>
-          </a:lnRef>
-          <a:fillRef idx="1">
-            <a:schemeClr val="accent1"/>
-          </a:fillRef>
-          <a:effectRef idx="0">
-            <a:schemeClr val="accent1"/>
-          </a:effectRef>
-          <a:fontRef idx="minor">
-            <a:schemeClr val="lt1"/>
-          </a:fontRef>
-        </p:style>
-        <p:txBody>
-          <a:bodyPr rtlCol="0" anchor="ctr"/>
-          <a:lstStyle/>
-          <a:p>
-            <a:pPr algn="ctr"/>
-            <a:r>
-              <a:rPr lang="en-US" altLang="zh-CN" dirty="0" err="1" smtClean="0"/>
-              <a:t>buyerid</a:t>
-            </a:r>
-            <a:endParaRPr lang="en-US" altLang="zh-CN" dirty="0" smtClean="0"/>
-          </a:p>
-        </p:txBody>
-      </p:sp>
-      <p:sp>
-        <p:nvSpPr>
-          <p:cNvPr id="11" name="圆角矩形 10"/>
-          <p:cNvSpPr/>
-          <p:nvPr/>
-        </p:nvSpPr>
-        <p:spPr>
-          <a:xfrm>
-            <a:off x="6220691" y="1853741"/>
-            <a:ext cx="1296786" cy="407323"/>
-          </a:xfrm>
-          <a:prstGeom prst="roundRect">
-            <a:avLst/>
-          </a:prstGeom>
-        </p:spPr>
-        <p:style>
-          <a:lnRef idx="2">
-            <a:schemeClr val="accent2">
-              <a:shade val="50000"/>
-            </a:schemeClr>
-          </a:lnRef>
-          <a:fillRef idx="1">
-            <a:schemeClr val="accent2"/>
-          </a:fillRef>
-          <a:effectRef idx="0">
-            <a:schemeClr val="accent2"/>
-          </a:effectRef>
-          <a:fontRef idx="minor">
-            <a:schemeClr val="lt1"/>
-          </a:fontRef>
-        </p:style>
-        <p:txBody>
-          <a:bodyPr rtlCol="0" anchor="ctr"/>
-          <a:lstStyle/>
-          <a:p>
-            <a:pPr algn="ctr"/>
-            <a:r>
-              <a:rPr lang="en-US" altLang="zh-CN" dirty="0" smtClean="0"/>
-              <a:t>order</a:t>
-            </a:r>
-          </a:p>
-        </p:txBody>
-      </p:sp>
-      <p:sp>
-        <p:nvSpPr>
-          <p:cNvPr id="12" name="圆角矩形 11"/>
-          <p:cNvSpPr/>
-          <p:nvPr/>
-        </p:nvSpPr>
-        <p:spPr>
-          <a:xfrm>
-            <a:off x="6220691" y="3442715"/>
-            <a:ext cx="1296786" cy="407323"/>
-          </a:xfrm>
-          <a:prstGeom prst="roundRect">
-            <a:avLst/>
-          </a:prstGeom>
-        </p:spPr>
-        <p:style>
-          <a:lnRef idx="2">
-            <a:schemeClr val="accent2">
-              <a:shade val="50000"/>
-            </a:schemeClr>
-          </a:lnRef>
-          <a:fillRef idx="1">
-            <a:schemeClr val="accent2"/>
-          </a:fillRef>
-          <a:effectRef idx="0">
-            <a:schemeClr val="accent2"/>
-          </a:effectRef>
-          <a:fontRef idx="minor">
-            <a:schemeClr val="lt1"/>
-          </a:fontRef>
-        </p:style>
-        <p:txBody>
-          <a:bodyPr rtlCol="0" anchor="ctr"/>
-          <a:lstStyle/>
-          <a:p>
-            <a:pPr algn="ctr"/>
-            <a:r>
-              <a:rPr lang="en-US" altLang="zh-CN" dirty="0" smtClean="0"/>
-              <a:t>good</a:t>
-            </a:r>
-          </a:p>
-        </p:txBody>
-      </p:sp>
-      <p:sp>
-        <p:nvSpPr>
-          <p:cNvPr id="13" name="圆角矩形 12"/>
-          <p:cNvSpPr/>
-          <p:nvPr/>
-        </p:nvSpPr>
-        <p:spPr>
-          <a:xfrm>
-            <a:off x="6220691" y="5031689"/>
-            <a:ext cx="1296786" cy="407323"/>
-          </a:xfrm>
-          <a:prstGeom prst="roundRect">
-            <a:avLst/>
-          </a:prstGeom>
-        </p:spPr>
-        <p:style>
-          <a:lnRef idx="2">
-            <a:schemeClr val="accent2">
-              <a:shade val="50000"/>
-            </a:schemeClr>
-          </a:lnRef>
-          <a:fillRef idx="1">
-            <a:schemeClr val="accent2"/>
-          </a:fillRef>
-          <a:effectRef idx="0">
-            <a:schemeClr val="accent2"/>
-          </a:effectRef>
-          <a:fontRef idx="minor">
-            <a:schemeClr val="lt1"/>
-          </a:fontRef>
-        </p:style>
-        <p:txBody>
-          <a:bodyPr rtlCol="0" anchor="ctr"/>
-          <a:lstStyle/>
-          <a:p>
-            <a:pPr algn="ctr"/>
-            <a:r>
-              <a:rPr lang="en-US" altLang="zh-CN" dirty="0" smtClean="0"/>
-              <a:t>buyer</a:t>
-            </a:r>
-          </a:p>
-        </p:txBody>
-      </p:sp>
-      <p:cxnSp>
-        <p:nvCxnSpPr>
-          <p:cNvPr id="17" name="直接箭头连接符 16"/>
-          <p:cNvCxnSpPr>
-            <a:stCxn id="6" idx="3"/>
-            <a:endCxn id="11" idx="1"/>
-          </p:cNvCxnSpPr>
-          <p:nvPr/>
-        </p:nvCxnSpPr>
-        <p:spPr>
-          <a:xfrm>
-            <a:off x="2743199" y="2057403"/>
-            <a:ext cx="3477492" cy="0"/>
-          </a:xfrm>
-          <a:prstGeom prst="straightConnector1">
-            <a:avLst/>
-          </a:prstGeom>
-          <a:ln w="12700">
-            <a:tailEnd type="triangle"/>
-          </a:ln>
-        </p:spPr>
-        <p:style>
-          <a:lnRef idx="1">
-            <a:schemeClr val="accent1"/>
-          </a:lnRef>
-          <a:fillRef idx="0">
-            <a:schemeClr val="accent1"/>
-          </a:fillRef>
-          <a:effectRef idx="0">
-            <a:schemeClr val="accent1"/>
-          </a:effectRef>
-          <a:fontRef idx="minor">
-            <a:schemeClr val="tx1"/>
-          </a:fontRef>
-        </p:style>
-      </p:cxnSp>
-      <p:cxnSp>
-        <p:nvCxnSpPr>
-          <p:cNvPr id="19" name="直接箭头连接符 18"/>
-          <p:cNvCxnSpPr>
-            <a:stCxn id="8" idx="3"/>
-            <a:endCxn id="12" idx="1"/>
-          </p:cNvCxnSpPr>
-          <p:nvPr/>
-        </p:nvCxnSpPr>
-        <p:spPr>
-          <a:xfrm>
-            <a:off x="2743199" y="3646377"/>
-            <a:ext cx="3477492" cy="0"/>
-          </a:xfrm>
-          <a:prstGeom prst="straightConnector1">
-            <a:avLst/>
-          </a:prstGeom>
-          <a:ln w="12700">
-            <a:tailEnd type="triangle"/>
-          </a:ln>
-        </p:spPr>
-        <p:style>
-          <a:lnRef idx="1">
-            <a:schemeClr val="accent1"/>
-          </a:lnRef>
-          <a:fillRef idx="0">
-            <a:schemeClr val="accent1"/>
-          </a:fillRef>
-          <a:effectRef idx="0">
-            <a:schemeClr val="accent1"/>
-          </a:effectRef>
-          <a:fontRef idx="minor">
-            <a:schemeClr val="tx1"/>
-          </a:fontRef>
-        </p:style>
-      </p:cxnSp>
-      <p:cxnSp>
-        <p:nvCxnSpPr>
-          <p:cNvPr id="21" name="直接箭头连接符 20"/>
-          <p:cNvCxnSpPr>
-            <a:stCxn id="9" idx="3"/>
-            <a:endCxn id="13" idx="1"/>
-          </p:cNvCxnSpPr>
-          <p:nvPr/>
-        </p:nvCxnSpPr>
-        <p:spPr>
-          <a:xfrm>
-            <a:off x="2743199" y="5235351"/>
-            <a:ext cx="3477492" cy="0"/>
-          </a:xfrm>
-          <a:prstGeom prst="straightConnector1">
-            <a:avLst/>
-          </a:prstGeom>
-          <a:ln w="12700">
-            <a:tailEnd type="triangle"/>
-          </a:ln>
-        </p:spPr>
-        <p:style>
-          <a:lnRef idx="1">
-            <a:schemeClr val="accent1"/>
-          </a:lnRef>
-          <a:fillRef idx="0">
-            <a:schemeClr val="accent1"/>
-          </a:fillRef>
-          <a:effectRef idx="0">
-            <a:schemeClr val="accent1"/>
-          </a:effectRef>
-          <a:fontRef idx="minor">
-            <a:schemeClr val="tx1"/>
-          </a:fontRef>
-        </p:style>
-      </p:cxnSp>
-      <p:cxnSp>
-        <p:nvCxnSpPr>
-          <p:cNvPr id="31" name="直接箭头连接符 30"/>
-          <p:cNvCxnSpPr>
-            <a:stCxn id="8" idx="3"/>
-            <a:endCxn id="11" idx="1"/>
-          </p:cNvCxnSpPr>
-          <p:nvPr/>
-        </p:nvCxnSpPr>
-        <p:spPr>
-          <a:xfrm flipV="1">
-            <a:off x="2743199" y="2057403"/>
-            <a:ext cx="3477492" cy="1588974"/>
-          </a:xfrm>
-          <a:prstGeom prst="straightConnector1">
-            <a:avLst/>
-          </a:prstGeom>
-          <a:ln w="12700">
-            <a:tailEnd type="triangle"/>
-          </a:ln>
-        </p:spPr>
-        <p:style>
-          <a:lnRef idx="1">
-            <a:schemeClr val="accent6"/>
-          </a:lnRef>
-          <a:fillRef idx="0">
-            <a:schemeClr val="accent6"/>
-          </a:fillRef>
-          <a:effectRef idx="0">
-            <a:schemeClr val="accent6"/>
-          </a:effectRef>
-          <a:fontRef idx="minor">
-            <a:schemeClr val="tx1"/>
-          </a:fontRef>
-        </p:style>
-      </p:cxnSp>
-      <p:cxnSp>
-        <p:nvCxnSpPr>
-          <p:cNvPr id="33" name="直接箭头连接符 32"/>
-          <p:cNvCxnSpPr>
-            <a:stCxn id="9" idx="3"/>
-            <a:endCxn id="11" idx="1"/>
-          </p:cNvCxnSpPr>
-          <p:nvPr/>
-        </p:nvCxnSpPr>
-        <p:spPr>
-          <a:xfrm flipV="1">
-            <a:off x="2743199" y="2057403"/>
-            <a:ext cx="3477492" cy="3177948"/>
-          </a:xfrm>
-          <a:prstGeom prst="straightConnector1">
-            <a:avLst/>
-          </a:prstGeom>
-          <a:ln w="12700">
-            <a:tailEnd type="triangle"/>
-          </a:ln>
-        </p:spPr>
-        <p:style>
-          <a:lnRef idx="1">
-            <a:schemeClr val="accent6"/>
-          </a:lnRef>
-          <a:fillRef idx="0">
-            <a:schemeClr val="accent6"/>
-          </a:fillRef>
-          <a:effectRef idx="0">
-            <a:schemeClr val="accent6"/>
-          </a:effectRef>
-          <a:fontRef idx="minor">
-            <a:schemeClr val="tx1"/>
-          </a:fontRef>
-        </p:style>
-      </p:cxnSp>
+        </p:grpSpPr>
+        <p:sp>
+          <p:nvSpPr>
+            <p:cNvPr id="6" name="圆角矩形 5"/>
+            <p:cNvSpPr/>
+            <p:nvPr/>
+          </p:nvSpPr>
+          <p:spPr>
+            <a:xfrm>
+              <a:off x="1446413" y="1853741"/>
+              <a:ext cx="1296786" cy="407323"/>
+            </a:xfrm>
+            <a:prstGeom prst="roundRect">
+              <a:avLst/>
+            </a:prstGeom>
+          </p:spPr>
+          <p:style>
+            <a:lnRef idx="2">
+              <a:schemeClr val="accent1">
+                <a:shade val="50000"/>
+              </a:schemeClr>
+            </a:lnRef>
+            <a:fillRef idx="1">
+              <a:schemeClr val="accent1"/>
+            </a:fillRef>
+            <a:effectRef idx="0">
+              <a:schemeClr val="accent1"/>
+            </a:effectRef>
+            <a:fontRef idx="minor">
+              <a:schemeClr val="lt1"/>
+            </a:fontRef>
+          </p:style>
+          <p:txBody>
+            <a:bodyPr rtlCol="0" anchor="ctr"/>
+            <a:lstStyle/>
+            <a:p>
+              <a:pPr algn="ctr"/>
+              <a:r>
+                <a:rPr lang="en-US" altLang="zh-CN" dirty="0" err="1"/>
+                <a:t>o</a:t>
+              </a:r>
+              <a:r>
+                <a:rPr lang="en-US" altLang="zh-CN" dirty="0" err="1" smtClean="0"/>
+                <a:t>rderid</a:t>
+              </a:r>
+              <a:endParaRPr lang="en-US" altLang="zh-CN" dirty="0" smtClean="0"/>
+            </a:p>
+          </p:txBody>
+        </p:sp>
+        <p:sp>
+          <p:nvSpPr>
+            <p:cNvPr id="8" name="圆角矩形 7"/>
+            <p:cNvSpPr/>
+            <p:nvPr/>
+          </p:nvSpPr>
+          <p:spPr>
+            <a:xfrm>
+              <a:off x="1446413" y="3442715"/>
+              <a:ext cx="1296786" cy="407323"/>
+            </a:xfrm>
+            <a:prstGeom prst="roundRect">
+              <a:avLst/>
+            </a:prstGeom>
+          </p:spPr>
+          <p:style>
+            <a:lnRef idx="2">
+              <a:schemeClr val="accent1">
+                <a:shade val="50000"/>
+              </a:schemeClr>
+            </a:lnRef>
+            <a:fillRef idx="1">
+              <a:schemeClr val="accent1"/>
+            </a:fillRef>
+            <a:effectRef idx="0">
+              <a:schemeClr val="accent1"/>
+            </a:effectRef>
+            <a:fontRef idx="minor">
+              <a:schemeClr val="lt1"/>
+            </a:fontRef>
+          </p:style>
+          <p:txBody>
+            <a:bodyPr rtlCol="0" anchor="ctr"/>
+            <a:lstStyle/>
+            <a:p>
+              <a:pPr algn="ctr"/>
+              <a:r>
+                <a:rPr lang="en-US" altLang="zh-CN" dirty="0" err="1" smtClean="0"/>
+                <a:t>goodid</a:t>
+              </a:r>
+              <a:endParaRPr lang="en-US" altLang="zh-CN" dirty="0" smtClean="0"/>
+            </a:p>
+          </p:txBody>
+        </p:sp>
+        <p:sp>
+          <p:nvSpPr>
+            <p:cNvPr id="9" name="圆角矩形 8"/>
+            <p:cNvSpPr/>
+            <p:nvPr/>
+          </p:nvSpPr>
+          <p:spPr>
+            <a:xfrm>
+              <a:off x="1446413" y="5031689"/>
+              <a:ext cx="1296786" cy="407323"/>
+            </a:xfrm>
+            <a:prstGeom prst="roundRect">
+              <a:avLst/>
+            </a:prstGeom>
+          </p:spPr>
+          <p:style>
+            <a:lnRef idx="2">
+              <a:schemeClr val="accent1">
+                <a:shade val="50000"/>
+              </a:schemeClr>
+            </a:lnRef>
+            <a:fillRef idx="1">
+              <a:schemeClr val="accent1"/>
+            </a:fillRef>
+            <a:effectRef idx="0">
+              <a:schemeClr val="accent1"/>
+            </a:effectRef>
+            <a:fontRef idx="minor">
+              <a:schemeClr val="lt1"/>
+            </a:fontRef>
+          </p:style>
+          <p:txBody>
+            <a:bodyPr rtlCol="0" anchor="ctr"/>
+            <a:lstStyle/>
+            <a:p>
+              <a:pPr algn="ctr"/>
+              <a:r>
+                <a:rPr lang="en-US" altLang="zh-CN" dirty="0" err="1" smtClean="0"/>
+                <a:t>buyerid</a:t>
+              </a:r>
+              <a:endParaRPr lang="en-US" altLang="zh-CN" dirty="0" smtClean="0"/>
+            </a:p>
+          </p:txBody>
+        </p:sp>
+        <p:sp>
+          <p:nvSpPr>
+            <p:cNvPr id="11" name="圆角矩形 10"/>
+            <p:cNvSpPr/>
+            <p:nvPr/>
+          </p:nvSpPr>
+          <p:spPr>
+            <a:xfrm>
+              <a:off x="6220691" y="1853741"/>
+              <a:ext cx="1296786" cy="407323"/>
+            </a:xfrm>
+            <a:prstGeom prst="roundRect">
+              <a:avLst/>
+            </a:prstGeom>
+          </p:spPr>
+          <p:style>
+            <a:lnRef idx="2">
+              <a:schemeClr val="accent2">
+                <a:shade val="50000"/>
+              </a:schemeClr>
+            </a:lnRef>
+            <a:fillRef idx="1">
+              <a:schemeClr val="accent2"/>
+            </a:fillRef>
+            <a:effectRef idx="0">
+              <a:schemeClr val="accent2"/>
+            </a:effectRef>
+            <a:fontRef idx="minor">
+              <a:schemeClr val="lt1"/>
+            </a:fontRef>
+          </p:style>
+          <p:txBody>
+            <a:bodyPr rtlCol="0" anchor="ctr"/>
+            <a:lstStyle/>
+            <a:p>
+              <a:pPr algn="ctr"/>
+              <a:r>
+                <a:rPr lang="en-US" altLang="zh-CN" dirty="0" smtClean="0"/>
+                <a:t>order</a:t>
+              </a:r>
+            </a:p>
+          </p:txBody>
+        </p:sp>
+        <p:sp>
+          <p:nvSpPr>
+            <p:cNvPr id="12" name="圆角矩形 11"/>
+            <p:cNvSpPr/>
+            <p:nvPr/>
+          </p:nvSpPr>
+          <p:spPr>
+            <a:xfrm>
+              <a:off x="6220691" y="3442715"/>
+              <a:ext cx="1296786" cy="407323"/>
+            </a:xfrm>
+            <a:prstGeom prst="roundRect">
+              <a:avLst/>
+            </a:prstGeom>
+          </p:spPr>
+          <p:style>
+            <a:lnRef idx="2">
+              <a:schemeClr val="accent2">
+                <a:shade val="50000"/>
+              </a:schemeClr>
+            </a:lnRef>
+            <a:fillRef idx="1">
+              <a:schemeClr val="accent2"/>
+            </a:fillRef>
+            <a:effectRef idx="0">
+              <a:schemeClr val="accent2"/>
+            </a:effectRef>
+            <a:fontRef idx="minor">
+              <a:schemeClr val="lt1"/>
+            </a:fontRef>
+          </p:style>
+          <p:txBody>
+            <a:bodyPr rtlCol="0" anchor="ctr"/>
+            <a:lstStyle/>
+            <a:p>
+              <a:pPr algn="ctr"/>
+              <a:r>
+                <a:rPr lang="en-US" altLang="zh-CN" dirty="0" smtClean="0"/>
+                <a:t>good</a:t>
+              </a:r>
+            </a:p>
+          </p:txBody>
+        </p:sp>
+        <p:sp>
+          <p:nvSpPr>
+            <p:cNvPr id="13" name="圆角矩形 12"/>
+            <p:cNvSpPr/>
+            <p:nvPr/>
+          </p:nvSpPr>
+          <p:spPr>
+            <a:xfrm>
+              <a:off x="6220691" y="5031689"/>
+              <a:ext cx="1296786" cy="407323"/>
+            </a:xfrm>
+            <a:prstGeom prst="roundRect">
+              <a:avLst/>
+            </a:prstGeom>
+          </p:spPr>
+          <p:style>
+            <a:lnRef idx="2">
+              <a:schemeClr val="accent2">
+                <a:shade val="50000"/>
+              </a:schemeClr>
+            </a:lnRef>
+            <a:fillRef idx="1">
+              <a:schemeClr val="accent2"/>
+            </a:fillRef>
+            <a:effectRef idx="0">
+              <a:schemeClr val="accent2"/>
+            </a:effectRef>
+            <a:fontRef idx="minor">
+              <a:schemeClr val="lt1"/>
+            </a:fontRef>
+          </p:style>
+          <p:txBody>
+            <a:bodyPr rtlCol="0" anchor="ctr"/>
+            <a:lstStyle/>
+            <a:p>
+              <a:pPr algn="ctr"/>
+              <a:r>
+                <a:rPr lang="en-US" altLang="zh-CN" dirty="0" smtClean="0"/>
+                <a:t>buyer</a:t>
+              </a:r>
+            </a:p>
+          </p:txBody>
+        </p:sp>
+        <p:cxnSp>
+          <p:nvCxnSpPr>
+            <p:cNvPr id="17" name="直接箭头连接符 16"/>
+            <p:cNvCxnSpPr>
+              <a:stCxn id="6" idx="3"/>
+              <a:endCxn id="11" idx="1"/>
+            </p:cNvCxnSpPr>
+            <p:nvPr/>
+          </p:nvCxnSpPr>
+          <p:spPr>
+            <a:xfrm>
+              <a:off x="2743199" y="2057403"/>
+              <a:ext cx="3477492" cy="0"/>
+            </a:xfrm>
+            <a:prstGeom prst="straightConnector1">
+              <a:avLst/>
+            </a:prstGeom>
+            <a:ln w="12700">
+              <a:tailEnd type="triangle"/>
+            </a:ln>
+          </p:spPr>
+          <p:style>
+            <a:lnRef idx="1">
+              <a:schemeClr val="accent1"/>
+            </a:lnRef>
+            <a:fillRef idx="0">
+              <a:schemeClr val="accent1"/>
+            </a:fillRef>
+            <a:effectRef idx="0">
+              <a:schemeClr val="accent1"/>
+            </a:effectRef>
+            <a:fontRef idx="minor">
+              <a:schemeClr val="tx1"/>
+            </a:fontRef>
+          </p:style>
+        </p:cxnSp>
+        <p:cxnSp>
+          <p:nvCxnSpPr>
+            <p:cNvPr id="19" name="直接箭头连接符 18"/>
+            <p:cNvCxnSpPr>
+              <a:stCxn id="8" idx="3"/>
+              <a:endCxn id="12" idx="1"/>
+            </p:cNvCxnSpPr>
+            <p:nvPr/>
+          </p:nvCxnSpPr>
+          <p:spPr>
+            <a:xfrm>
+              <a:off x="2743199" y="3646377"/>
+              <a:ext cx="3477492" cy="0"/>
+            </a:xfrm>
+            <a:prstGeom prst="straightConnector1">
+              <a:avLst/>
+            </a:prstGeom>
+            <a:ln w="12700">
+              <a:tailEnd type="triangle"/>
+            </a:ln>
+          </p:spPr>
+          <p:style>
+            <a:lnRef idx="1">
+              <a:schemeClr val="accent1"/>
+            </a:lnRef>
+            <a:fillRef idx="0">
+              <a:schemeClr val="accent1"/>
+            </a:fillRef>
+            <a:effectRef idx="0">
+              <a:schemeClr val="accent1"/>
+            </a:effectRef>
+            <a:fontRef idx="minor">
+              <a:schemeClr val="tx1"/>
+            </a:fontRef>
+          </p:style>
+        </p:cxnSp>
+        <p:cxnSp>
+          <p:nvCxnSpPr>
+            <p:cNvPr id="21" name="直接箭头连接符 20"/>
+            <p:cNvCxnSpPr>
+              <a:stCxn id="9" idx="3"/>
+              <a:endCxn id="13" idx="1"/>
+            </p:cNvCxnSpPr>
+            <p:nvPr/>
+          </p:nvCxnSpPr>
+          <p:spPr>
+            <a:xfrm>
+              <a:off x="2743199" y="5235351"/>
+              <a:ext cx="3477492" cy="0"/>
+            </a:xfrm>
+            <a:prstGeom prst="straightConnector1">
+              <a:avLst/>
+            </a:prstGeom>
+            <a:ln w="12700">
+              <a:tailEnd type="triangle"/>
+            </a:ln>
+          </p:spPr>
+          <p:style>
+            <a:lnRef idx="1">
+              <a:schemeClr val="accent1"/>
+            </a:lnRef>
+            <a:fillRef idx="0">
+              <a:schemeClr val="accent1"/>
+            </a:fillRef>
+            <a:effectRef idx="0">
+              <a:schemeClr val="accent1"/>
+            </a:effectRef>
+            <a:fontRef idx="minor">
+              <a:schemeClr val="tx1"/>
+            </a:fontRef>
+          </p:style>
+        </p:cxnSp>
+        <p:cxnSp>
+          <p:nvCxnSpPr>
+            <p:cNvPr id="31" name="直接箭头连接符 30"/>
+            <p:cNvCxnSpPr>
+              <a:stCxn id="8" idx="3"/>
+              <a:endCxn id="11" idx="1"/>
+            </p:cNvCxnSpPr>
+            <p:nvPr/>
+          </p:nvCxnSpPr>
+          <p:spPr>
+            <a:xfrm flipV="1">
+              <a:off x="2743199" y="2057403"/>
+              <a:ext cx="3477492" cy="1588974"/>
+            </a:xfrm>
+            <a:prstGeom prst="straightConnector1">
+              <a:avLst/>
+            </a:prstGeom>
+            <a:ln w="12700">
+              <a:tailEnd type="triangle"/>
+            </a:ln>
+          </p:spPr>
+          <p:style>
+            <a:lnRef idx="1">
+              <a:schemeClr val="accent6"/>
+            </a:lnRef>
+            <a:fillRef idx="0">
+              <a:schemeClr val="accent6"/>
+            </a:fillRef>
+            <a:effectRef idx="0">
+              <a:schemeClr val="accent6"/>
+            </a:effectRef>
+            <a:fontRef idx="minor">
+              <a:schemeClr val="tx1"/>
+            </a:fontRef>
+          </p:style>
+        </p:cxnSp>
+        <p:cxnSp>
+          <p:nvCxnSpPr>
+            <p:cNvPr id="33" name="直接箭头连接符 32"/>
+            <p:cNvCxnSpPr>
+              <a:stCxn id="9" idx="3"/>
+              <a:endCxn id="11" idx="1"/>
+            </p:cNvCxnSpPr>
+            <p:nvPr/>
+          </p:nvCxnSpPr>
+          <p:spPr>
+            <a:xfrm flipV="1">
+              <a:off x="2743199" y="2057403"/>
+              <a:ext cx="3477492" cy="3177948"/>
+            </a:xfrm>
+            <a:prstGeom prst="straightConnector1">
+              <a:avLst/>
+            </a:prstGeom>
+            <a:ln w="12700">
+              <a:tailEnd type="triangle"/>
+            </a:ln>
+          </p:spPr>
+          <p:style>
+            <a:lnRef idx="1">
+              <a:schemeClr val="accent6"/>
+            </a:lnRef>
+            <a:fillRef idx="0">
+              <a:schemeClr val="accent6"/>
+            </a:fillRef>
+            <a:effectRef idx="0">
+              <a:schemeClr val="accent6"/>
+            </a:effectRef>
+            <a:fontRef idx="minor">
+              <a:schemeClr val="tx1"/>
+            </a:fontRef>
+          </p:style>
+        </p:cxnSp>
+      </p:grpSp>
     </p:spTree>
     <p:extLst>
       <p:ext uri="{BB962C8B-B14F-4D97-AF65-F5344CB8AC3E}">
@@ -4913,57 +4974,462 @@
             <a:endParaRPr lang="en-US" altLang="zh-CN" dirty="0" smtClean="0"/>
           </a:p>
           <a:p>
-            <a:r>
-              <a:rPr lang="zh-CN" altLang="en-US" dirty="0" smtClean="0"/>
-              <a:t>然而，索引数据</a:t>
-            </a:r>
-            <a:r>
-              <a:rPr lang="zh-CN" altLang="en-US" dirty="0"/>
-              <a:t>量太大</a:t>
-            </a:r>
-            <a:r>
-              <a:rPr lang="zh-CN" altLang="en-US" dirty="0" smtClean="0"/>
-              <a:t>，内存不够，</a:t>
-            </a:r>
-            <a:r>
-              <a:rPr lang="zh-CN" altLang="en-US" dirty="0"/>
-              <a:t>每一</a:t>
-            </a:r>
-            <a:r>
-              <a:rPr lang="zh-CN" altLang="en-US" dirty="0" smtClean="0"/>
-              <a:t>条写磁盘</a:t>
-            </a:r>
-            <a:r>
-              <a:rPr lang="en-US" altLang="zh-CN" dirty="0" smtClean="0"/>
-              <a:t>,</a:t>
-            </a:r>
-            <a:r>
-              <a:rPr lang="zh-CN" altLang="en-US" dirty="0" smtClean="0"/>
-              <a:t>试</a:t>
-            </a:r>
-            <a:r>
-              <a:rPr lang="zh-CN" altLang="en-US" dirty="0"/>
-              <a:t>跑</a:t>
-            </a:r>
-            <a:r>
-              <a:rPr lang="zh-CN" altLang="en-US" dirty="0" smtClean="0"/>
-              <a:t>数据</a:t>
-            </a:r>
-            <a:r>
-              <a:rPr lang="zh-CN" altLang="en-US" dirty="0"/>
-              <a:t>需</a:t>
-            </a:r>
-            <a:r>
-              <a:rPr lang="zh-CN" altLang="en-US" dirty="0" smtClean="0"/>
-              <a:t>十几分钟</a:t>
-            </a:r>
-            <a:endParaRPr lang="en-US" altLang="zh-CN" dirty="0"/>
-          </a:p>
-          <a:p>
             <a:endParaRPr lang="zh-CN" altLang="en-US" dirty="0"/>
           </a:p>
         </p:txBody>
       </p:sp>
+      <p:grpSp>
+        <p:nvGrpSpPr>
+          <p:cNvPr id="20" name="组合 19"/>
+          <p:cNvGrpSpPr/>
+          <p:nvPr/>
+        </p:nvGrpSpPr>
+        <p:grpSpPr>
+          <a:xfrm>
+            <a:off x="1745676" y="4846315"/>
+            <a:ext cx="5652648" cy="906092"/>
+            <a:chOff x="955964" y="4846315"/>
+            <a:chExt cx="5652648" cy="906092"/>
+          </a:xfrm>
+        </p:grpSpPr>
+        <p:sp>
+          <p:nvSpPr>
+            <p:cNvPr id="4" name="矩形 3"/>
+            <p:cNvSpPr/>
+            <p:nvPr/>
+          </p:nvSpPr>
+          <p:spPr>
+            <a:xfrm>
+              <a:off x="955964" y="4846320"/>
+              <a:ext cx="706581" cy="906087"/>
+            </a:xfrm>
+            <a:prstGeom prst="rect">
+              <a:avLst/>
+            </a:prstGeom>
+          </p:spPr>
+          <p:style>
+            <a:lnRef idx="2">
+              <a:schemeClr val="accent1">
+                <a:shade val="50000"/>
+              </a:schemeClr>
+            </a:lnRef>
+            <a:fillRef idx="1">
+              <a:schemeClr val="accent1"/>
+            </a:fillRef>
+            <a:effectRef idx="0">
+              <a:schemeClr val="accent1"/>
+            </a:effectRef>
+            <a:fontRef idx="minor">
+              <a:schemeClr val="lt1"/>
+            </a:fontRef>
+          </p:style>
+          <p:txBody>
+            <a:bodyPr rtlCol="0" anchor="ctr"/>
+            <a:lstStyle/>
+            <a:p>
+              <a:pPr algn="ctr"/>
+              <a:endParaRPr lang="zh-CN" altLang="en-US"/>
+            </a:p>
+          </p:txBody>
+        </p:sp>
+        <p:sp>
+          <p:nvSpPr>
+            <p:cNvPr id="5" name="矩形 4"/>
+            <p:cNvSpPr/>
+            <p:nvPr/>
+          </p:nvSpPr>
+          <p:spPr>
+            <a:xfrm>
+              <a:off x="1662545" y="4846320"/>
+              <a:ext cx="706581" cy="906087"/>
+            </a:xfrm>
+            <a:prstGeom prst="rect">
+              <a:avLst/>
+            </a:prstGeom>
+          </p:spPr>
+          <p:style>
+            <a:lnRef idx="2">
+              <a:schemeClr val="accent1">
+                <a:shade val="50000"/>
+              </a:schemeClr>
+            </a:lnRef>
+            <a:fillRef idx="1">
+              <a:schemeClr val="accent1"/>
+            </a:fillRef>
+            <a:effectRef idx="0">
+              <a:schemeClr val="accent1"/>
+            </a:effectRef>
+            <a:fontRef idx="minor">
+              <a:schemeClr val="lt1"/>
+            </a:fontRef>
+          </p:style>
+          <p:txBody>
+            <a:bodyPr rtlCol="0" anchor="ctr"/>
+            <a:lstStyle/>
+            <a:p>
+              <a:pPr algn="ctr"/>
+              <a:endParaRPr lang="zh-CN" altLang="en-US"/>
+            </a:p>
+          </p:txBody>
+        </p:sp>
+        <p:sp>
+          <p:nvSpPr>
+            <p:cNvPr id="6" name="矩形 5"/>
+            <p:cNvSpPr/>
+            <p:nvPr/>
+          </p:nvSpPr>
+          <p:spPr>
+            <a:xfrm>
+              <a:off x="2369126" y="4846318"/>
+              <a:ext cx="706581" cy="906087"/>
+            </a:xfrm>
+            <a:prstGeom prst="rect">
+              <a:avLst/>
+            </a:prstGeom>
+          </p:spPr>
+          <p:style>
+            <a:lnRef idx="2">
+              <a:schemeClr val="accent1">
+                <a:shade val="50000"/>
+              </a:schemeClr>
+            </a:lnRef>
+            <a:fillRef idx="1">
+              <a:schemeClr val="accent1"/>
+            </a:fillRef>
+            <a:effectRef idx="0">
+              <a:schemeClr val="accent1"/>
+            </a:effectRef>
+            <a:fontRef idx="minor">
+              <a:schemeClr val="lt1"/>
+            </a:fontRef>
+          </p:style>
+          <p:txBody>
+            <a:bodyPr rtlCol="0" anchor="ctr"/>
+            <a:lstStyle/>
+            <a:p>
+              <a:pPr algn="ctr"/>
+              <a:endParaRPr lang="zh-CN" altLang="en-US"/>
+            </a:p>
+          </p:txBody>
+        </p:sp>
+        <p:sp>
+          <p:nvSpPr>
+            <p:cNvPr id="7" name="矩形 6"/>
+            <p:cNvSpPr/>
+            <p:nvPr/>
+          </p:nvSpPr>
+          <p:spPr>
+            <a:xfrm>
+              <a:off x="3075707" y="4846317"/>
+              <a:ext cx="706581" cy="906087"/>
+            </a:xfrm>
+            <a:prstGeom prst="rect">
+              <a:avLst/>
+            </a:prstGeom>
+          </p:spPr>
+          <p:style>
+            <a:lnRef idx="2">
+              <a:schemeClr val="accent1">
+                <a:shade val="50000"/>
+              </a:schemeClr>
+            </a:lnRef>
+            <a:fillRef idx="1">
+              <a:schemeClr val="accent1"/>
+            </a:fillRef>
+            <a:effectRef idx="0">
+              <a:schemeClr val="accent1"/>
+            </a:effectRef>
+            <a:fontRef idx="minor">
+              <a:schemeClr val="lt1"/>
+            </a:fontRef>
+          </p:style>
+          <p:txBody>
+            <a:bodyPr rtlCol="0" anchor="ctr"/>
+            <a:lstStyle/>
+            <a:p>
+              <a:pPr algn="ctr"/>
+              <a:endParaRPr lang="zh-CN" altLang="en-US"/>
+            </a:p>
+          </p:txBody>
+        </p:sp>
+        <p:sp>
+          <p:nvSpPr>
+            <p:cNvPr id="8" name="矩形 7"/>
+            <p:cNvSpPr/>
+            <p:nvPr/>
+          </p:nvSpPr>
+          <p:spPr>
+            <a:xfrm>
+              <a:off x="3782288" y="4846317"/>
+              <a:ext cx="706581" cy="906087"/>
+            </a:xfrm>
+            <a:prstGeom prst="rect">
+              <a:avLst/>
+            </a:prstGeom>
+          </p:spPr>
+          <p:style>
+            <a:lnRef idx="2">
+              <a:schemeClr val="accent1">
+                <a:shade val="50000"/>
+              </a:schemeClr>
+            </a:lnRef>
+            <a:fillRef idx="1">
+              <a:schemeClr val="accent1"/>
+            </a:fillRef>
+            <a:effectRef idx="0">
+              <a:schemeClr val="accent1"/>
+            </a:effectRef>
+            <a:fontRef idx="minor">
+              <a:schemeClr val="lt1"/>
+            </a:fontRef>
+          </p:style>
+          <p:txBody>
+            <a:bodyPr rtlCol="0" anchor="ctr"/>
+            <a:lstStyle/>
+            <a:p>
+              <a:pPr algn="ctr"/>
+              <a:endParaRPr lang="zh-CN" altLang="en-US"/>
+            </a:p>
+          </p:txBody>
+        </p:sp>
+        <p:sp>
+          <p:nvSpPr>
+            <p:cNvPr id="9" name="矩形 8"/>
+            <p:cNvSpPr/>
+            <p:nvPr/>
+          </p:nvSpPr>
+          <p:spPr>
+            <a:xfrm>
+              <a:off x="4488869" y="4846316"/>
+              <a:ext cx="706581" cy="906087"/>
+            </a:xfrm>
+            <a:prstGeom prst="rect">
+              <a:avLst/>
+            </a:prstGeom>
+          </p:spPr>
+          <p:style>
+            <a:lnRef idx="2">
+              <a:schemeClr val="accent3">
+                <a:shade val="50000"/>
+              </a:schemeClr>
+            </a:lnRef>
+            <a:fillRef idx="1">
+              <a:schemeClr val="accent3"/>
+            </a:fillRef>
+            <a:effectRef idx="0">
+              <a:schemeClr val="accent3"/>
+            </a:effectRef>
+            <a:fontRef idx="minor">
+              <a:schemeClr val="lt1"/>
+            </a:fontRef>
+          </p:style>
+          <p:txBody>
+            <a:bodyPr rtlCol="0" anchor="ctr"/>
+            <a:lstStyle/>
+            <a:p>
+              <a:pPr algn="ctr"/>
+              <a:endParaRPr lang="zh-CN" altLang="en-US"/>
+            </a:p>
+          </p:txBody>
+        </p:sp>
+        <p:sp>
+          <p:nvSpPr>
+            <p:cNvPr id="10" name="矩形 9"/>
+            <p:cNvSpPr/>
+            <p:nvPr/>
+          </p:nvSpPr>
+          <p:spPr>
+            <a:xfrm>
+              <a:off x="5195450" y="4846316"/>
+              <a:ext cx="706581" cy="906087"/>
+            </a:xfrm>
+            <a:prstGeom prst="rect">
+              <a:avLst/>
+            </a:prstGeom>
+          </p:spPr>
+          <p:style>
+            <a:lnRef idx="2">
+              <a:schemeClr val="accent3">
+                <a:shade val="50000"/>
+              </a:schemeClr>
+            </a:lnRef>
+            <a:fillRef idx="1">
+              <a:schemeClr val="accent3"/>
+            </a:fillRef>
+            <a:effectRef idx="0">
+              <a:schemeClr val="accent3"/>
+            </a:effectRef>
+            <a:fontRef idx="minor">
+              <a:schemeClr val="lt1"/>
+            </a:fontRef>
+          </p:style>
+          <p:txBody>
+            <a:bodyPr rtlCol="0" anchor="ctr"/>
+            <a:lstStyle/>
+            <a:p>
+              <a:pPr algn="ctr"/>
+              <a:endParaRPr lang="zh-CN" altLang="en-US"/>
+            </a:p>
+          </p:txBody>
+        </p:sp>
+        <p:sp>
+          <p:nvSpPr>
+            <p:cNvPr id="11" name="矩形 10"/>
+            <p:cNvSpPr/>
+            <p:nvPr/>
+          </p:nvSpPr>
+          <p:spPr>
+            <a:xfrm>
+              <a:off x="5902031" y="4846315"/>
+              <a:ext cx="706581" cy="906087"/>
+            </a:xfrm>
+            <a:prstGeom prst="rect">
+              <a:avLst/>
+            </a:prstGeom>
+            <a:solidFill>
+              <a:schemeClr val="accent3"/>
+            </a:solidFill>
+          </p:spPr>
+          <p:style>
+            <a:lnRef idx="2">
+              <a:schemeClr val="accent3">
+                <a:shade val="50000"/>
+              </a:schemeClr>
+            </a:lnRef>
+            <a:fillRef idx="1">
+              <a:schemeClr val="accent3"/>
+            </a:fillRef>
+            <a:effectRef idx="0">
+              <a:schemeClr val="accent3"/>
+            </a:effectRef>
+            <a:fontRef idx="minor">
+              <a:schemeClr val="lt1"/>
+            </a:fontRef>
+          </p:style>
+          <p:txBody>
+            <a:bodyPr rtlCol="0" anchor="ctr"/>
+            <a:lstStyle/>
+            <a:p>
+              <a:pPr algn="ctr"/>
+              <a:endParaRPr lang="zh-CN" altLang="en-US"/>
+            </a:p>
+          </p:txBody>
+        </p:sp>
+        <p:cxnSp>
+          <p:nvCxnSpPr>
+            <p:cNvPr id="15" name="曲线连接符 14"/>
+            <p:cNvCxnSpPr>
+              <a:stCxn id="5" idx="2"/>
+              <a:endCxn id="9" idx="2"/>
+            </p:cNvCxnSpPr>
+            <p:nvPr/>
+          </p:nvCxnSpPr>
+          <p:spPr>
+            <a:xfrm rot="5400000" flipH="1" flipV="1">
+              <a:off x="3428996" y="4339243"/>
+              <a:ext cx="4" cy="2826324"/>
+            </a:xfrm>
+            <a:prstGeom prst="curvedConnector3">
+              <a:avLst>
+                <a:gd name="adj1" fmla="val -5715000000"/>
+              </a:avLst>
+            </a:prstGeom>
+            <a:ln>
+              <a:tailEnd type="triangle"/>
+            </a:ln>
+          </p:spPr>
+          <p:style>
+            <a:lnRef idx="1">
+              <a:schemeClr val="accent1"/>
+            </a:lnRef>
+            <a:fillRef idx="0">
+              <a:schemeClr val="accent1"/>
+            </a:fillRef>
+            <a:effectRef idx="0">
+              <a:schemeClr val="accent1"/>
+            </a:effectRef>
+            <a:fontRef idx="minor">
+              <a:schemeClr val="tx1"/>
+            </a:fontRef>
+          </p:style>
+        </p:cxnSp>
+        <p:cxnSp>
+          <p:nvCxnSpPr>
+            <p:cNvPr id="17" name="曲线连接符 16"/>
+            <p:cNvCxnSpPr>
+              <a:stCxn id="9" idx="2"/>
+              <a:endCxn id="11" idx="2"/>
+            </p:cNvCxnSpPr>
+            <p:nvPr/>
+          </p:nvCxnSpPr>
+          <p:spPr>
+            <a:xfrm rot="5400000" flipH="1" flipV="1">
+              <a:off x="5548740" y="5045822"/>
+              <a:ext cx="1" cy="1413162"/>
+            </a:xfrm>
+            <a:prstGeom prst="curvedConnector3">
+              <a:avLst>
+                <a:gd name="adj1" fmla="val -22860000000"/>
+              </a:avLst>
+            </a:prstGeom>
+            <a:ln>
+              <a:tailEnd type="triangle"/>
+            </a:ln>
+          </p:spPr>
+          <p:style>
+            <a:lnRef idx="1">
+              <a:schemeClr val="accent1"/>
+            </a:lnRef>
+            <a:fillRef idx="0">
+              <a:schemeClr val="accent1"/>
+            </a:fillRef>
+            <a:effectRef idx="0">
+              <a:schemeClr val="accent1"/>
+            </a:effectRef>
+            <a:fontRef idx="minor">
+              <a:schemeClr val="tx1"/>
+            </a:fontRef>
+          </p:style>
+        </p:cxnSp>
+        <p:cxnSp>
+          <p:nvCxnSpPr>
+            <p:cNvPr id="19" name="曲线连接符 18"/>
+            <p:cNvCxnSpPr>
+              <a:stCxn id="8" idx="2"/>
+              <a:endCxn id="10" idx="2"/>
+            </p:cNvCxnSpPr>
+            <p:nvPr/>
+          </p:nvCxnSpPr>
+          <p:spPr>
+            <a:xfrm rot="5400000" flipH="1" flipV="1">
+              <a:off x="4842159" y="5045823"/>
+              <a:ext cx="1" cy="1413162"/>
+            </a:xfrm>
+            <a:prstGeom prst="curvedConnector3">
+              <a:avLst>
+                <a:gd name="adj1" fmla="val -22860000000"/>
+              </a:avLst>
+            </a:prstGeom>
+            <a:ln>
+              <a:tailEnd type="triangle"/>
+            </a:ln>
+          </p:spPr>
+          <p:style>
+            <a:lnRef idx="1">
+              <a:schemeClr val="accent1"/>
+            </a:lnRef>
+            <a:fillRef idx="0">
+              <a:schemeClr val="accent1"/>
+            </a:fillRef>
+            <a:effectRef idx="0">
+              <a:schemeClr val="accent1"/>
+            </a:effectRef>
+            <a:fontRef idx="minor">
+              <a:schemeClr val="tx1"/>
+            </a:fontRef>
+          </p:style>
+        </p:cxnSp>
+      </p:grpSp>
     </p:spTree>
     <p:extLst>
       <p:ext uri="{BB962C8B-B14F-4D97-AF65-F5344CB8AC3E}">
@@ -5049,7 +5515,23 @@
           <a:p>
             <a:r>
               <a:rPr lang="zh-CN" altLang="en-US" dirty="0" smtClean="0"/>
-              <a:t>单个磁盘顺序访问</a:t>
+              <a:t>单个磁盘顺序</a:t>
+            </a:r>
+            <a:r>
+              <a:rPr lang="zh-CN" altLang="en-US" dirty="0" smtClean="0"/>
+              <a:t>访问</a:t>
+            </a:r>
+            <a:endParaRPr lang="en-US" altLang="zh-CN" dirty="0" smtClean="0"/>
+          </a:p>
+          <a:p>
+            <a:pPr lvl="1"/>
+            <a:r>
+              <a:rPr lang="zh-CN" altLang="en-US" dirty="0"/>
+              <a:t>试</a:t>
+            </a:r>
+            <a:r>
+              <a:rPr lang="zh-CN" altLang="en-US" dirty="0" smtClean="0"/>
+              <a:t>跑数据索引随机写磁盘，十几分钟</a:t>
             </a:r>
             <a:endParaRPr lang="en-US" altLang="zh-CN" dirty="0" smtClean="0"/>
           </a:p>
@@ -5064,9 +5546,41 @@
             </a:r>
             <a:r>
               <a:rPr lang="zh-CN" altLang="en-US" dirty="0" smtClean="0"/>
-              <a:t>数组存储</a:t>
-            </a:r>
-            <a:endParaRPr lang="en-US" altLang="zh-CN" dirty="0" smtClean="0"/>
+              <a:t>数组</a:t>
+            </a:r>
+            <a:r>
+              <a:rPr lang="zh-CN" altLang="en-US" dirty="0" smtClean="0"/>
+              <a:t>存储</a:t>
+            </a:r>
+            <a:endParaRPr lang="en-US" altLang="zh-CN" dirty="0"/>
+          </a:p>
+          <a:p>
+            <a:pPr lvl="1"/>
+            <a:r>
+              <a:rPr lang="zh-CN" altLang="en-US" dirty="0" smtClean="0"/>
+              <a:t>两张小表索引，</a:t>
+            </a:r>
+            <a:r>
+              <a:rPr lang="en-US" altLang="zh-CN" dirty="0" err="1" smtClean="0"/>
+              <a:t>HashMap</a:t>
+            </a:r>
+            <a:r>
+              <a:rPr lang="zh-CN" altLang="en-US" dirty="0" smtClean="0"/>
+              <a:t>，</a:t>
+            </a:r>
+            <a:r>
+              <a:rPr lang="en-US" altLang="zh-CN" dirty="0" smtClean="0"/>
+              <a:t>2G</a:t>
+            </a:r>
+            <a:r>
+              <a:rPr lang="zh-CN" altLang="en-US" dirty="0" smtClean="0"/>
+              <a:t>，自己实现，</a:t>
+            </a:r>
+            <a:r>
+              <a:rPr lang="en-US" altLang="zh-CN" dirty="0" smtClean="0"/>
+              <a:t>500M</a:t>
+            </a:r>
+            <a:endParaRPr lang="en-US" altLang="zh-CN" dirty="0"/>
           </a:p>
           <a:p>
             <a:r>
@@ -5075,7 +5589,27 @@
             </a:r>
             <a:r>
               <a:rPr lang="zh-CN" altLang="en-US" dirty="0" smtClean="0"/>
-              <a:t>索引大小</a:t>
+              <a:t>索引</a:t>
+            </a:r>
+            <a:r>
+              <a:rPr lang="zh-CN" altLang="en-US" dirty="0" smtClean="0"/>
+              <a:t>大小</a:t>
+            </a:r>
+            <a:endParaRPr lang="en-US" altLang="zh-CN" dirty="0" smtClean="0"/>
+          </a:p>
+          <a:p>
+            <a:pPr lvl="1"/>
+            <a:r>
+              <a:rPr lang="zh-CN" altLang="en-US" dirty="0" smtClean="0"/>
+              <a:t>根据数据特点，减少无用的</a:t>
+            </a:r>
+            <a:r>
+              <a:rPr lang="en-US" altLang="zh-CN" dirty="0" smtClean="0"/>
+              <a:t>byte</a:t>
+            </a:r>
+            <a:r>
+              <a:rPr lang="zh-CN" altLang="en-US" dirty="0" smtClean="0"/>
+              <a:t>消耗</a:t>
             </a:r>
             <a:endParaRPr lang="zh-CN" altLang="en-US" dirty="0"/>
           </a:p>
@@ -5533,7 +6067,7 @@
   <a:extraClrSchemeLst/>
   <a:extLst>
     <a:ext uri="{05A4C25C-085E-4340-85A3-A5531E510DB2}">
-      <thm15:themeFamily xmlns:thm15="http://schemas.microsoft.com/office/thememl/2012/main" xmlns="" name="Office Theme" id="{62F939B6-93AF-4DB8-9C6B-D6C7DFDC589F}" vid="{4A3C46E8-61CC-4603-A589-7422A47A8E4A}"/>
+      <thm15:themeFamily xmlns:thm15="http://schemas.microsoft.com/office/thememl/2012/main" name="Office Theme" id="{62F939B6-93AF-4DB8-9C6B-D6C7DFDC589F}" vid="{4A3C46E8-61CC-4603-A589-7422A47A8E4A}"/>
     </a:ext>
   </a:extLst>
 </a:theme>

--- a/doc/中间件答辩yfy.pptx
+++ b/doc/中间件答辩yfy.pptx
@@ -5,15 +5,26 @@
     <p:sldMasterId id="2147483660" r:id="rId1"/>
   </p:sldMasterIdLst>
   <p:sldIdLst>
-    <p:sldId id="256" r:id="rId2"/>
-    <p:sldId id="259" r:id="rId3"/>
-    <p:sldId id="258" r:id="rId4"/>
-    <p:sldId id="260" r:id="rId5"/>
-    <p:sldId id="261" r:id="rId6"/>
-    <p:sldId id="262" r:id="rId7"/>
-    <p:sldId id="265" r:id="rId8"/>
-    <p:sldId id="263" r:id="rId9"/>
-    <p:sldId id="264" r:id="rId10"/>
+    <p:sldId id="259" r:id="rId2"/>
+    <p:sldId id="271" r:id="rId3"/>
+    <p:sldId id="276" r:id="rId4"/>
+    <p:sldId id="272" r:id="rId5"/>
+    <p:sldId id="275" r:id="rId6"/>
+    <p:sldId id="258" r:id="rId7"/>
+    <p:sldId id="260" r:id="rId8"/>
+    <p:sldId id="261" r:id="rId9"/>
+    <p:sldId id="262" r:id="rId10"/>
+    <p:sldId id="265" r:id="rId11"/>
+    <p:sldId id="268" r:id="rId12"/>
+    <p:sldId id="263" r:id="rId13"/>
+    <p:sldId id="264" r:id="rId14"/>
+    <p:sldId id="266" r:id="rId15"/>
+    <p:sldId id="267" r:id="rId16"/>
+    <p:sldId id="269" r:id="rId17"/>
+    <p:sldId id="270" r:id="rId18"/>
+    <p:sldId id="273" r:id="rId19"/>
+    <p:sldId id="274" r:id="rId20"/>
+    <p:sldId id="277" r:id="rId21"/>
   </p:sldIdLst>
   <p:sldSz cx="9144000" cy="6858000" type="screen4x3"/>
   <p:notesSz cx="6858000" cy="9144000"/>
@@ -262,7 +273,7 @@
           <a:p>
             <a:fld id="{BC7094FB-9734-4561-977A-B28B43943978}" type="datetimeFigureOut">
               <a:rPr lang="zh-CN" altLang="en-US" smtClean="0"/>
-              <a:t>2016/8/9</a:t>
+              <a:t>2016/8/10</a:t>
             </a:fld>
             <a:endParaRPr lang="zh-CN" altLang="en-US"/>
           </a:p>
@@ -432,7 +443,7 @@
           <a:p>
             <a:fld id="{BC7094FB-9734-4561-977A-B28B43943978}" type="datetimeFigureOut">
               <a:rPr lang="zh-CN" altLang="en-US" smtClean="0"/>
-              <a:t>2016/8/9</a:t>
+              <a:t>2016/8/10</a:t>
             </a:fld>
             <a:endParaRPr lang="zh-CN" altLang="en-US"/>
           </a:p>
@@ -612,7 +623,7 @@
           <a:p>
             <a:fld id="{BC7094FB-9734-4561-977A-B28B43943978}" type="datetimeFigureOut">
               <a:rPr lang="zh-CN" altLang="en-US" smtClean="0"/>
-              <a:t>2016/8/9</a:t>
+              <a:t>2016/8/10</a:t>
             </a:fld>
             <a:endParaRPr lang="zh-CN" altLang="en-US"/>
           </a:p>
@@ -760,7 +771,7 @@
         </p:nvSpPr>
         <p:spPr>
           <a:xfrm>
-            <a:off x="628650" y="365126"/>
+            <a:off x="628650" y="326051"/>
             <a:ext cx="7886700" cy="861889"/>
           </a:xfrm>
         </p:spPr>
@@ -795,8 +806,8 @@
         </p:nvSpPr>
         <p:spPr>
           <a:xfrm>
-            <a:off x="628650" y="1391138"/>
-            <a:ext cx="7886700" cy="4785825"/>
+            <a:off x="628650" y="1305170"/>
+            <a:ext cx="7886700" cy="4871794"/>
           </a:xfrm>
         </p:spPr>
         <p:txBody>
@@ -888,7 +899,7 @@
           <a:p>
             <a:fld id="{BC7094FB-9734-4561-977A-B28B43943978}" type="datetimeFigureOut">
               <a:rPr lang="zh-CN" altLang="en-US" smtClean="0"/>
-              <a:t>2016/8/9</a:t>
+              <a:t>2016/8/10</a:t>
             </a:fld>
             <a:endParaRPr lang="zh-CN" altLang="en-US"/>
           </a:p>
@@ -1190,7 +1201,7 @@
           <a:p>
             <a:fld id="{BC7094FB-9734-4561-977A-B28B43943978}" type="datetimeFigureOut">
               <a:rPr lang="zh-CN" altLang="en-US" smtClean="0"/>
-              <a:t>2016/8/9</a:t>
+              <a:t>2016/8/10</a:t>
             </a:fld>
             <a:endParaRPr lang="zh-CN" altLang="en-US"/>
           </a:p>
@@ -1422,7 +1433,7 @@
           <a:p>
             <a:fld id="{BC7094FB-9734-4561-977A-B28B43943978}" type="datetimeFigureOut">
               <a:rPr lang="zh-CN" altLang="en-US" smtClean="0"/>
-              <a:t>2016/8/9</a:t>
+              <a:t>2016/8/10</a:t>
             </a:fld>
             <a:endParaRPr lang="zh-CN" altLang="en-US"/>
           </a:p>
@@ -1789,7 +1800,7 @@
           <a:p>
             <a:fld id="{BC7094FB-9734-4561-977A-B28B43943978}" type="datetimeFigureOut">
               <a:rPr lang="zh-CN" altLang="en-US" smtClean="0"/>
-              <a:t>2016/8/9</a:t>
+              <a:t>2016/8/10</a:t>
             </a:fld>
             <a:endParaRPr lang="zh-CN" altLang="en-US"/>
           </a:p>
@@ -1907,7 +1918,7 @@
           <a:p>
             <a:fld id="{BC7094FB-9734-4561-977A-B28B43943978}" type="datetimeFigureOut">
               <a:rPr lang="zh-CN" altLang="en-US" smtClean="0"/>
-              <a:t>2016/8/9</a:t>
+              <a:t>2016/8/10</a:t>
             </a:fld>
             <a:endParaRPr lang="zh-CN" altLang="en-US"/>
           </a:p>
@@ -2002,7 +2013,7 @@
           <a:p>
             <a:fld id="{BC7094FB-9734-4561-977A-B28B43943978}" type="datetimeFigureOut">
               <a:rPr lang="zh-CN" altLang="en-US" smtClean="0"/>
-              <a:t>2016/8/9</a:t>
+              <a:t>2016/8/10</a:t>
             </a:fld>
             <a:endParaRPr lang="zh-CN" altLang="en-US"/>
           </a:p>
@@ -2279,7 +2290,7 @@
           <a:p>
             <a:fld id="{BC7094FB-9734-4561-977A-B28B43943978}" type="datetimeFigureOut">
               <a:rPr lang="zh-CN" altLang="en-US" smtClean="0"/>
-              <a:t>2016/8/9</a:t>
+              <a:t>2016/8/10</a:t>
             </a:fld>
             <a:endParaRPr lang="zh-CN" altLang="en-US"/>
           </a:p>
@@ -2536,7 +2547,7 @@
           <a:p>
             <a:fld id="{BC7094FB-9734-4561-977A-B28B43943978}" type="datetimeFigureOut">
               <a:rPr lang="zh-CN" altLang="en-US" smtClean="0"/>
-              <a:t>2016/8/9</a:t>
+              <a:t>2016/8/10</a:t>
             </a:fld>
             <a:endParaRPr lang="zh-CN" altLang="en-US"/>
           </a:p>
@@ -2749,7 +2760,7 @@
           <a:p>
             <a:fld id="{BC7094FB-9734-4561-977A-B28B43943978}" type="datetimeFigureOut">
               <a:rPr lang="zh-CN" altLang="en-US" smtClean="0"/>
-              <a:t>2016/8/9</a:t>
+              <a:t>2016/8/10</a:t>
             </a:fld>
             <a:endParaRPr lang="zh-CN" altLang="en-US"/>
           </a:p>
@@ -3157,46 +3168,2068 @@
       </p:grpSpPr>
       <p:sp>
         <p:nvSpPr>
-          <p:cNvPr id="2" name="标题 1"/>
-          <p:cNvSpPr>
-            <a:spLocks noGrp="1"/>
-          </p:cNvSpPr>
-          <p:nvPr>
-            <p:ph type="ctrTitle"/>
-          </p:nvPr>
-        </p:nvSpPr>
-        <p:spPr/>
-        <p:txBody>
-          <a:bodyPr/>
+          <p:cNvPr id="11" name="Shape 11"/>
+          <p:cNvSpPr/>
+          <p:nvPr/>
+        </p:nvSpPr>
+        <p:spPr>
+          <a:xfrm>
+            <a:off x="633659" y="1548356"/>
+            <a:ext cx="7876683" cy="688908"/>
+          </a:xfrm>
+          <a:prstGeom prst="rect">
+            <a:avLst/>
+          </a:prstGeom>
+          <a:ln w="12700">
+            <a:miter lim="400000"/>
+          </a:ln>
+          <a:extLst>
+            <a:ext uri="{C572A759-6A51-4108-AA02-DFA0A04FC94B}">
+              <ma14:wrappingTextBoxFlag xmlns="" xmlns:ma14="http://schemas.microsoft.com/office/mac/drawingml/2011/main" val="1"/>
+            </a:ext>
+          </a:extLst>
+        </p:spPr>
+        <p:txBody>
+          <a:bodyPr wrap="square" lIns="35719" tIns="35719" rIns="35719" bIns="35719" anchor="ctr">
+            <a:spAutoFit/>
+          </a:bodyPr>
+          <a:lstStyle>
+            <a:lvl1pPr>
+              <a:defRPr sz="5700" u="sng">
+                <a:solidFill>
+                  <a:srgbClr val="FFFFFF"/>
+                </a:solidFill>
+                <a:latin typeface="造字工房朗宋（非商用）常规体"/>
+                <a:ea typeface="造字工房朗宋（非商用）常规体"/>
+                <a:cs typeface="造字工房朗宋（非商用）常规体"/>
+                <a:sym typeface="造字工房朗宋（非商用）常规体"/>
+              </a:defRPr>
+            </a:lvl1pPr>
+          </a:lstStyle>
+          <a:p>
+            <a:pPr lvl="0" algn="ctr">
+              <a:defRPr sz="1800" u="none">
+                <a:solidFill>
+                  <a:srgbClr val="000000"/>
+                </a:solidFill>
+              </a:defRPr>
+            </a:pPr>
+            <a:r>
+              <a:rPr lang="zh-CN" altLang="en-US" sz="4008" b="1" u="none" dirty="0">
+                <a:solidFill>
+                  <a:schemeClr val="bg2"/>
+                </a:solidFill>
+                <a:latin typeface="微软雅黑" panose="020B0503020204020204" pitchFamily="34" charset="-122"/>
+                <a:ea typeface="微软雅黑" panose="020B0503020204020204" pitchFamily="34" charset="-122"/>
+              </a:rPr>
+              <a:t>海量</a:t>
+            </a:r>
+            <a:r>
+              <a:rPr lang="zh-CN" altLang="en-US" sz="4008" b="1" u="none" dirty="0" smtClean="0">
+                <a:solidFill>
+                  <a:schemeClr val="bg2"/>
+                </a:solidFill>
+                <a:latin typeface="微软雅黑" panose="020B0503020204020204" pitchFamily="34" charset="-122"/>
+                <a:ea typeface="微软雅黑" panose="020B0503020204020204" pitchFamily="34" charset="-122"/>
+              </a:rPr>
+              <a:t>数据处理经验分享</a:t>
+            </a:r>
+            <a:endParaRPr sz="4008" b="1" u="none" dirty="0">
+              <a:solidFill>
+                <a:schemeClr val="bg2"/>
+              </a:solidFill>
+              <a:latin typeface="微软雅黑" panose="020B0503020204020204" pitchFamily="34" charset="-122"/>
+              <a:ea typeface="微软雅黑" panose="020B0503020204020204" pitchFamily="34" charset="-122"/>
+            </a:endParaRPr>
+          </a:p>
+        </p:txBody>
+      </p:sp>
+      <p:sp>
+        <p:nvSpPr>
+          <p:cNvPr id="2" name="文本框 1"/>
+          <p:cNvSpPr txBox="1"/>
+          <p:nvPr/>
+        </p:nvSpPr>
+        <p:spPr>
+          <a:xfrm>
+            <a:off x="2552008" y="2593574"/>
+            <a:ext cx="4039985" cy="646331"/>
+          </a:xfrm>
+          <a:prstGeom prst="rect">
+            <a:avLst/>
+          </a:prstGeom>
+          <a:noFill/>
+        </p:spPr>
+        <p:txBody>
+          <a:bodyPr wrap="square" rtlCol="0">
+            <a:spAutoFit/>
+          </a:bodyPr>
           <a:lstStyle/>
           <a:p>
-            <a:endParaRPr lang="zh-CN" altLang="en-US"/>
-          </a:p>
-        </p:txBody>
-      </p:sp>
-      <p:sp>
-        <p:nvSpPr>
-          <p:cNvPr id="3" name="副标题 2"/>
-          <p:cNvSpPr>
-            <a:spLocks noGrp="1"/>
-          </p:cNvSpPr>
-          <p:nvPr>
-            <p:ph type="subTitle" idx="1"/>
-          </p:nvPr>
-        </p:nvSpPr>
-        <p:spPr/>
-        <p:txBody>
-          <a:bodyPr/>
-          <a:lstStyle/>
-          <a:p>
-            <a:endParaRPr lang="zh-CN" altLang="en-US"/>
+            <a:pPr algn="ctr"/>
+            <a:r>
+              <a:rPr lang="zh-CN" altLang="en-US" dirty="0">
+                <a:solidFill>
+                  <a:schemeClr val="bg2"/>
+                </a:solidFill>
+                <a:ea typeface="幼圆" panose="02010509060101010101" pitchFamily="49" charset="-122"/>
+              </a:rPr>
+              <a:t>队</a:t>
+            </a:r>
+            <a:r>
+              <a:rPr lang="zh-CN" altLang="en-US" dirty="0" smtClean="0">
+                <a:solidFill>
+                  <a:schemeClr val="bg2"/>
+                </a:solidFill>
+                <a:ea typeface="幼圆" panose="02010509060101010101" pitchFamily="49" charset="-122"/>
+              </a:rPr>
+              <a:t>名：</a:t>
+            </a:r>
+            <a:r>
+              <a:rPr lang="en-US" altLang="zh-CN" dirty="0" err="1" smtClean="0">
+                <a:solidFill>
+                  <a:schemeClr val="bg2"/>
+                </a:solidFill>
+                <a:ea typeface="幼圆" panose="02010509060101010101" pitchFamily="49" charset="-122"/>
+              </a:rPr>
+              <a:t>yfy</a:t>
+            </a:r>
+            <a:r>
+              <a:rPr lang="en-US" altLang="zh-CN" dirty="0" smtClean="0">
+                <a:solidFill>
+                  <a:schemeClr val="bg2"/>
+                </a:solidFill>
+                <a:ea typeface="幼圆" panose="02010509060101010101" pitchFamily="49" charset="-122"/>
+              </a:rPr>
+              <a:t>    </a:t>
+            </a:r>
+            <a:r>
+              <a:rPr lang="zh-CN" altLang="en-US" dirty="0" smtClean="0">
+                <a:solidFill>
+                  <a:schemeClr val="bg2"/>
+                </a:solidFill>
+                <a:ea typeface="幼圆" panose="02010509060101010101" pitchFamily="49" charset="-122"/>
+              </a:rPr>
+              <a:t>成员：俞飞樾</a:t>
+            </a:r>
+            <a:endParaRPr lang="en-US" altLang="zh-CN" dirty="0" smtClean="0">
+              <a:solidFill>
+                <a:schemeClr val="bg2"/>
+              </a:solidFill>
+              <a:ea typeface="幼圆" panose="02010509060101010101" pitchFamily="49" charset="-122"/>
+            </a:endParaRPr>
+          </a:p>
+          <a:p>
+            <a:pPr algn="ctr"/>
+            <a:r>
+              <a:rPr lang="en-US" altLang="zh-CN" dirty="0" smtClean="0">
+                <a:solidFill>
+                  <a:schemeClr val="bg2"/>
+                </a:solidFill>
+                <a:ea typeface="幼圆" panose="02010509060101010101" pitchFamily="49" charset="-122"/>
+              </a:rPr>
+              <a:t>2016.8</a:t>
+            </a:r>
+            <a:endParaRPr lang="zh-CN" altLang="en-US" dirty="0">
+              <a:solidFill>
+                <a:schemeClr val="bg2"/>
+              </a:solidFill>
+              <a:ea typeface="幼圆" panose="02010509060101010101" pitchFamily="49" charset="-122"/>
+            </a:endParaRPr>
           </a:p>
         </p:txBody>
       </p:sp>
     </p:spTree>
     <p:extLst>
       <p:ext uri="{BB962C8B-B14F-4D97-AF65-F5344CB8AC3E}">
-        <p14:creationId xmlns:p14="http://schemas.microsoft.com/office/powerpoint/2010/main" val="2472923622"/>
+        <p14:creationId xmlns:p14="http://schemas.microsoft.com/office/powerpoint/2010/main" val="3889745074"/>
+      </p:ext>
+    </p:extLst>
+  </p:cSld>
+  <p:clrMapOvr>
+    <a:masterClrMapping/>
+  </p:clrMapOvr>
+  <p:transition spd="med"/>
+  <p:timing>
+    <p:tnLst>
+      <p:par>
+        <p:cTn id="1" dur="indefinite" restart="never" nodeType="tmRoot"/>
+      </p:par>
+    </p:tnLst>
+  </p:timing>
+</p:sld>
+</file>
+
+<file path=ppt/slides/slide10.xml><?xml version="1.0" encoding="utf-8"?>
+<p:sld xmlns:a="http://schemas.openxmlformats.org/drawingml/2006/main" xmlns:r="http://schemas.openxmlformats.org/officeDocument/2006/relationships" xmlns:p="http://schemas.openxmlformats.org/presentationml/2006/main">
+  <p:cSld>
+    <p:spTree>
+      <p:nvGrpSpPr>
+        <p:cNvPr id="1" name=""/>
+        <p:cNvGrpSpPr/>
+        <p:nvPr/>
+      </p:nvGrpSpPr>
+      <p:grpSpPr>
+        <a:xfrm>
+          <a:off x="0" y="0"/>
+          <a:ext cx="0" cy="0"/>
+          <a:chOff x="0" y="0"/>
+          <a:chExt cx="0" cy="0"/>
+        </a:xfrm>
+      </p:grpSpPr>
+      <p:sp>
+        <p:nvSpPr>
+          <p:cNvPr id="2" name="标题 1"/>
+          <p:cNvSpPr>
+            <a:spLocks noGrp="1"/>
+          </p:cNvSpPr>
+          <p:nvPr>
+            <p:ph type="title"/>
+          </p:nvPr>
+        </p:nvSpPr>
+        <p:spPr/>
+        <p:txBody>
+          <a:bodyPr/>
+          <a:lstStyle/>
+          <a:p>
+            <a:r>
+              <a:rPr lang="zh-CN" altLang="en-US" dirty="0" smtClean="0"/>
+              <a:t>索引设计原则</a:t>
+            </a:r>
+            <a:endParaRPr lang="zh-CN" altLang="en-US" dirty="0"/>
+          </a:p>
+        </p:txBody>
+      </p:sp>
+      <p:sp>
+        <p:nvSpPr>
+          <p:cNvPr id="3" name="内容占位符 2"/>
+          <p:cNvSpPr>
+            <a:spLocks noGrp="1"/>
+          </p:cNvSpPr>
+          <p:nvPr>
+            <p:ph idx="1"/>
+          </p:nvPr>
+        </p:nvSpPr>
+        <p:spPr/>
+        <p:txBody>
+          <a:bodyPr/>
+          <a:lstStyle/>
+          <a:p>
+            <a:r>
+              <a:rPr lang="zh-CN" altLang="en-US" dirty="0" smtClean="0"/>
+              <a:t>单个磁盘顺序访问</a:t>
+            </a:r>
+            <a:endParaRPr lang="en-US" altLang="zh-CN" dirty="0" smtClean="0"/>
+          </a:p>
+          <a:p>
+            <a:pPr lvl="1"/>
+            <a:r>
+              <a:rPr lang="zh-CN" altLang="en-US" dirty="0" smtClean="0"/>
+              <a:t>测试试跑数据索引随机写磁盘，十几分钟</a:t>
+            </a:r>
+            <a:endParaRPr lang="en-US" altLang="zh-CN" dirty="0" smtClean="0"/>
+          </a:p>
+          <a:p>
+            <a:pPr lvl="1"/>
+            <a:r>
+              <a:rPr lang="zh-CN" altLang="en-US" dirty="0" smtClean="0"/>
+              <a:t>先放内存，再写磁盘，放不下则拆分索引</a:t>
+            </a:r>
+            <a:endParaRPr lang="en-US" altLang="zh-CN" dirty="0" smtClean="0"/>
+          </a:p>
+          <a:p>
+            <a:r>
+              <a:rPr lang="zh-CN" altLang="en-US" dirty="0" smtClean="0"/>
+              <a:t>只用</a:t>
+            </a:r>
+            <a:r>
+              <a:rPr lang="en-US" altLang="zh-CN" dirty="0" smtClean="0"/>
+              <a:t>byte</a:t>
+            </a:r>
+            <a:r>
+              <a:rPr lang="zh-CN" altLang="en-US" dirty="0" smtClean="0"/>
+              <a:t>数组存储</a:t>
+            </a:r>
+            <a:endParaRPr lang="en-US" altLang="zh-CN" dirty="0"/>
+          </a:p>
+          <a:p>
+            <a:pPr lvl="1"/>
+            <a:r>
+              <a:rPr lang="zh-CN" altLang="en-US" dirty="0"/>
+              <a:t>商品</a:t>
+            </a:r>
+            <a:r>
+              <a:rPr lang="zh-CN" altLang="en-US" dirty="0" smtClean="0"/>
+              <a:t>表和买家表索引</a:t>
+            </a:r>
+            <a:r>
+              <a:rPr lang="zh-CN" altLang="en-US" dirty="0" smtClean="0"/>
+              <a:t>，</a:t>
+            </a:r>
+            <a:r>
+              <a:rPr lang="en-US" altLang="zh-CN" dirty="0" err="1" smtClean="0"/>
+              <a:t>HashMap</a:t>
+            </a:r>
+            <a:r>
+              <a:rPr lang="zh-CN" altLang="en-US" dirty="0" smtClean="0"/>
+              <a:t>，</a:t>
+            </a:r>
+            <a:r>
+              <a:rPr lang="en-US" altLang="zh-CN" dirty="0" smtClean="0"/>
+              <a:t>2G</a:t>
+            </a:r>
+            <a:r>
+              <a:rPr lang="zh-CN" altLang="en-US" dirty="0" smtClean="0"/>
+              <a:t>，自己实现，</a:t>
+            </a:r>
+            <a:r>
+              <a:rPr lang="en-US" altLang="zh-CN" dirty="0" smtClean="0"/>
+              <a:t>500M</a:t>
+            </a:r>
+            <a:endParaRPr lang="en-US" altLang="zh-CN" dirty="0"/>
+          </a:p>
+          <a:p>
+            <a:r>
+              <a:rPr lang="zh-CN" altLang="en-US" dirty="0"/>
+              <a:t>压缩</a:t>
+            </a:r>
+            <a:r>
+              <a:rPr lang="zh-CN" altLang="en-US" dirty="0" smtClean="0"/>
+              <a:t>索引大小</a:t>
+            </a:r>
+            <a:endParaRPr lang="en-US" altLang="zh-CN" dirty="0" smtClean="0"/>
+          </a:p>
+          <a:p>
+            <a:pPr lvl="1"/>
+            <a:r>
+              <a:rPr lang="zh-CN" altLang="en-US" dirty="0" smtClean="0"/>
+              <a:t>根据数据特点，减少无用的</a:t>
+            </a:r>
+            <a:r>
+              <a:rPr lang="en-US" altLang="zh-CN" dirty="0" smtClean="0"/>
+              <a:t>byte</a:t>
+            </a:r>
+            <a:r>
+              <a:rPr lang="zh-CN" altLang="en-US" dirty="0" smtClean="0"/>
+              <a:t>消耗</a:t>
+            </a:r>
+            <a:endParaRPr lang="en-US" altLang="zh-CN" dirty="0" smtClean="0"/>
+          </a:p>
+        </p:txBody>
+      </p:sp>
+    </p:spTree>
+    <p:extLst>
+      <p:ext uri="{BB962C8B-B14F-4D97-AF65-F5344CB8AC3E}">
+        <p14:creationId xmlns:p14="http://schemas.microsoft.com/office/powerpoint/2010/main" val="3585663968"/>
+      </p:ext>
+    </p:extLst>
+  </p:cSld>
+  <p:clrMapOvr>
+    <a:masterClrMapping/>
+  </p:clrMapOvr>
+  <p:timing>
+    <p:tnLst>
+      <p:par>
+        <p:cTn id="1" dur="indefinite" restart="never" nodeType="tmRoot"/>
+      </p:par>
+    </p:tnLst>
+  </p:timing>
+</p:sld>
+</file>
+
+<file path=ppt/slides/slide11.xml><?xml version="1.0" encoding="utf-8"?>
+<p:sld xmlns:a="http://schemas.openxmlformats.org/drawingml/2006/main" xmlns:r="http://schemas.openxmlformats.org/officeDocument/2006/relationships" xmlns:p="http://schemas.openxmlformats.org/presentationml/2006/main">
+  <p:cSld>
+    <p:spTree>
+      <p:nvGrpSpPr>
+        <p:cNvPr id="1" name=""/>
+        <p:cNvGrpSpPr/>
+        <p:nvPr/>
+      </p:nvGrpSpPr>
+      <p:grpSpPr>
+        <a:xfrm>
+          <a:off x="0" y="0"/>
+          <a:ext cx="0" cy="0"/>
+          <a:chOff x="0" y="0"/>
+          <a:chExt cx="0" cy="0"/>
+        </a:xfrm>
+      </p:grpSpPr>
+      <p:sp>
+        <p:nvSpPr>
+          <p:cNvPr id="2" name="标题 1"/>
+          <p:cNvSpPr>
+            <a:spLocks noGrp="1"/>
+          </p:cNvSpPr>
+          <p:nvPr>
+            <p:ph type="title"/>
+          </p:nvPr>
+        </p:nvSpPr>
+        <p:spPr/>
+        <p:txBody>
+          <a:bodyPr/>
+          <a:lstStyle/>
+          <a:p>
+            <a:r>
+              <a:rPr lang="zh-CN" altLang="en-US" dirty="0" smtClean="0"/>
+              <a:t>构建过程</a:t>
+            </a:r>
+            <a:endParaRPr lang="zh-CN" altLang="en-US" dirty="0"/>
+          </a:p>
+        </p:txBody>
+      </p:sp>
+      <p:sp>
+        <p:nvSpPr>
+          <p:cNvPr id="3" name="内容占位符 2"/>
+          <p:cNvSpPr>
+            <a:spLocks noGrp="1"/>
+          </p:cNvSpPr>
+          <p:nvPr>
+            <p:ph idx="1"/>
+          </p:nvPr>
+        </p:nvSpPr>
+        <p:spPr/>
+        <p:txBody>
+          <a:bodyPr/>
+          <a:lstStyle/>
+          <a:p>
+            <a:r>
+              <a:rPr lang="en-US" altLang="zh-CN" dirty="0" smtClean="0"/>
+              <a:t>order</a:t>
+            </a:r>
+            <a:r>
+              <a:rPr lang="zh-CN" altLang="en-US" dirty="0" smtClean="0"/>
+              <a:t>表读</a:t>
+            </a:r>
+            <a:r>
+              <a:rPr lang="en-US" altLang="zh-CN" dirty="0" smtClean="0"/>
+              <a:t>3</a:t>
+            </a:r>
+            <a:r>
+              <a:rPr lang="zh-CN" altLang="en-US" dirty="0" smtClean="0"/>
+              <a:t>遍，</a:t>
+            </a:r>
+            <a:endParaRPr lang="en-US" altLang="zh-CN" dirty="0" smtClean="0"/>
+          </a:p>
+          <a:p>
+            <a:pPr lvl="1"/>
+            <a:r>
+              <a:rPr lang="en-US" altLang="zh-CN" dirty="0" smtClean="0"/>
+              <a:t>o2o, </a:t>
+            </a:r>
+            <a:r>
+              <a:rPr lang="en-US" altLang="zh-CN" dirty="0" err="1" smtClean="0"/>
+              <a:t>entrySize</a:t>
+            </a:r>
+            <a:r>
+              <a:rPr lang="en-US" altLang="zh-CN" dirty="0" smtClean="0"/>
+              <a:t> = 10, key, </a:t>
+            </a:r>
+            <a:r>
+              <a:rPr lang="en-US" altLang="zh-CN" dirty="0" err="1" smtClean="0"/>
+              <a:t>fileId</a:t>
+            </a:r>
+            <a:r>
+              <a:rPr lang="en-US" altLang="zh-CN" dirty="0" smtClean="0"/>
+              <a:t>, </a:t>
+            </a:r>
+            <a:r>
+              <a:rPr lang="en-US" altLang="zh-CN" dirty="0" err="1" smtClean="0"/>
+              <a:t>fileOff</a:t>
+            </a:r>
+            <a:endParaRPr lang="en-US" altLang="zh-CN" dirty="0" smtClean="0"/>
+          </a:p>
+          <a:p>
+            <a:pPr lvl="1"/>
+            <a:r>
+              <a:rPr lang="en-US" altLang="zh-CN" dirty="0"/>
+              <a:t>g</a:t>
+            </a:r>
+            <a:r>
+              <a:rPr lang="en-US" altLang="zh-CN" dirty="0" smtClean="0"/>
+              <a:t>2o, </a:t>
+            </a:r>
+            <a:r>
+              <a:rPr lang="en-US" altLang="zh-CN" dirty="0" err="1" smtClean="0"/>
+              <a:t>entrySize</a:t>
+            </a:r>
+            <a:r>
+              <a:rPr lang="en-US" altLang="zh-CN" dirty="0" smtClean="0"/>
+              <a:t> </a:t>
+            </a:r>
+            <a:r>
+              <a:rPr lang="en-US" altLang="zh-CN" dirty="0"/>
+              <a:t>= </a:t>
+            </a:r>
+            <a:r>
+              <a:rPr lang="en-US" altLang="zh-CN" dirty="0" smtClean="0"/>
+              <a:t>5, </a:t>
+            </a:r>
+            <a:r>
+              <a:rPr lang="en-US" altLang="zh-CN" dirty="0" err="1" smtClean="0"/>
+              <a:t>fileId</a:t>
+            </a:r>
+            <a:r>
+              <a:rPr lang="en-US" altLang="zh-CN" dirty="0" smtClean="0"/>
+              <a:t>, </a:t>
+            </a:r>
+            <a:r>
+              <a:rPr lang="en-US" altLang="zh-CN" dirty="0" err="1" smtClean="0"/>
+              <a:t>fileOff</a:t>
+            </a:r>
+            <a:endParaRPr lang="en-US" altLang="zh-CN" dirty="0" smtClean="0"/>
+          </a:p>
+          <a:p>
+            <a:pPr lvl="1"/>
+            <a:r>
+              <a:rPr lang="en-US" altLang="zh-CN" dirty="0"/>
+              <a:t>b</a:t>
+            </a:r>
+            <a:r>
+              <a:rPr lang="en-US" altLang="zh-CN" dirty="0" smtClean="0"/>
+              <a:t>2o, </a:t>
+            </a:r>
+            <a:r>
+              <a:rPr lang="en-US" altLang="zh-CN" dirty="0" err="1" smtClean="0"/>
+              <a:t>entrySize</a:t>
+            </a:r>
+            <a:r>
+              <a:rPr lang="en-US" altLang="zh-CN" dirty="0" smtClean="0"/>
+              <a:t> </a:t>
+            </a:r>
+            <a:r>
+              <a:rPr lang="en-US" altLang="zh-CN" dirty="0"/>
+              <a:t>= </a:t>
+            </a:r>
+            <a:r>
+              <a:rPr lang="en-US" altLang="zh-CN" dirty="0" smtClean="0"/>
+              <a:t>5, </a:t>
+            </a:r>
+            <a:r>
+              <a:rPr lang="en-US" altLang="zh-CN" dirty="0" err="1" smtClean="0"/>
+              <a:t>fileId</a:t>
+            </a:r>
+            <a:r>
+              <a:rPr lang="en-US" altLang="zh-CN" dirty="0" smtClean="0"/>
+              <a:t>, </a:t>
+            </a:r>
+            <a:r>
+              <a:rPr lang="en-US" altLang="zh-CN" dirty="0" err="1" smtClean="0"/>
+              <a:t>fileOff</a:t>
+            </a:r>
+            <a:endParaRPr lang="en-US" altLang="zh-CN" dirty="0" smtClean="0"/>
+          </a:p>
+          <a:p>
+            <a:r>
+              <a:rPr lang="en-US" altLang="zh-CN" dirty="0" smtClean="0"/>
+              <a:t>good</a:t>
+            </a:r>
+            <a:r>
+              <a:rPr lang="zh-CN" altLang="en-US" dirty="0" smtClean="0"/>
+              <a:t>表</a:t>
+            </a:r>
+            <a:endParaRPr lang="en-US" altLang="zh-CN" dirty="0" smtClean="0"/>
+          </a:p>
+          <a:p>
+            <a:pPr lvl="1"/>
+            <a:r>
+              <a:rPr lang="en-US" altLang="zh-CN" dirty="0" smtClean="0"/>
+              <a:t>g2g, </a:t>
+            </a:r>
+            <a:r>
+              <a:rPr lang="en-US" altLang="zh-CN" dirty="0" err="1" smtClean="0"/>
+              <a:t>entrySize</a:t>
+            </a:r>
+            <a:r>
+              <a:rPr lang="en-US" altLang="zh-CN" dirty="0" smtClean="0"/>
+              <a:t> </a:t>
+            </a:r>
+            <a:r>
+              <a:rPr lang="en-US" altLang="zh-CN" dirty="0"/>
+              <a:t>= </a:t>
+            </a:r>
+            <a:r>
+              <a:rPr lang="en-US" altLang="zh-CN" dirty="0" smtClean="0"/>
+              <a:t>29, key, </a:t>
+            </a:r>
+            <a:r>
+              <a:rPr lang="en-US" altLang="zh-CN" dirty="0" err="1" smtClean="0"/>
+              <a:t>fileId</a:t>
+            </a:r>
+            <a:r>
+              <a:rPr lang="en-US" altLang="zh-CN" dirty="0" smtClean="0"/>
+              <a:t>, </a:t>
+            </a:r>
+            <a:r>
+              <a:rPr lang="en-US" altLang="zh-CN" dirty="0" err="1" smtClean="0"/>
+              <a:t>fileOff</a:t>
+            </a:r>
+            <a:r>
+              <a:rPr lang="en-US" altLang="zh-CN" dirty="0" smtClean="0"/>
+              <a:t>, </a:t>
+            </a:r>
+            <a:r>
+              <a:rPr lang="en-US" altLang="zh-CN" dirty="0" err="1" smtClean="0"/>
+              <a:t>keyId</a:t>
+            </a:r>
+            <a:endParaRPr lang="en-US" altLang="zh-CN" dirty="0" smtClean="0"/>
+          </a:p>
+          <a:p>
+            <a:r>
+              <a:rPr lang="en-US" altLang="zh-CN" dirty="0" smtClean="0"/>
+              <a:t>buyer</a:t>
+            </a:r>
+            <a:r>
+              <a:rPr lang="zh-CN" altLang="en-US" dirty="0" smtClean="0"/>
+              <a:t>表</a:t>
+            </a:r>
+            <a:endParaRPr lang="en-US" altLang="zh-CN" dirty="0" smtClean="0"/>
+          </a:p>
+          <a:p>
+            <a:pPr lvl="1"/>
+            <a:r>
+              <a:rPr lang="en-US" altLang="zh-CN" dirty="0" smtClean="0"/>
+              <a:t>b2b, </a:t>
+            </a:r>
+            <a:r>
+              <a:rPr lang="en-US" altLang="zh-CN" dirty="0" err="1" smtClean="0"/>
+              <a:t>entrySize</a:t>
+            </a:r>
+            <a:r>
+              <a:rPr lang="en-US" altLang="zh-CN" dirty="0" smtClean="0"/>
+              <a:t> </a:t>
+            </a:r>
+            <a:r>
+              <a:rPr lang="en-US" altLang="zh-CN" dirty="0"/>
+              <a:t>= </a:t>
+            </a:r>
+            <a:r>
+              <a:rPr lang="en-US" altLang="zh-CN" dirty="0" smtClean="0"/>
+              <a:t>29, </a:t>
+            </a:r>
+            <a:r>
+              <a:rPr lang="en-US" altLang="zh-CN" dirty="0"/>
+              <a:t>key, </a:t>
+            </a:r>
+            <a:r>
+              <a:rPr lang="en-US" altLang="zh-CN" dirty="0" err="1"/>
+              <a:t>fileId</a:t>
+            </a:r>
+            <a:r>
+              <a:rPr lang="en-US" altLang="zh-CN" dirty="0"/>
+              <a:t>, </a:t>
+            </a:r>
+            <a:r>
+              <a:rPr lang="en-US" altLang="zh-CN" dirty="0" err="1"/>
+              <a:t>fileOff</a:t>
+            </a:r>
+            <a:r>
+              <a:rPr lang="en-US" altLang="zh-CN" dirty="0"/>
+              <a:t>, </a:t>
+            </a:r>
+            <a:r>
+              <a:rPr lang="en-US" altLang="zh-CN" dirty="0" err="1" smtClean="0"/>
+              <a:t>keyId</a:t>
+            </a:r>
+            <a:endParaRPr lang="en-US" altLang="zh-CN" dirty="0"/>
+          </a:p>
+          <a:p>
+            <a:pPr lvl="1"/>
+            <a:endParaRPr lang="en-US" altLang="zh-CN" dirty="0"/>
+          </a:p>
+        </p:txBody>
+      </p:sp>
+    </p:spTree>
+    <p:extLst>
+      <p:ext uri="{BB962C8B-B14F-4D97-AF65-F5344CB8AC3E}">
+        <p14:creationId xmlns:p14="http://schemas.microsoft.com/office/powerpoint/2010/main" val="1493982788"/>
+      </p:ext>
+    </p:extLst>
+  </p:cSld>
+  <p:clrMapOvr>
+    <a:masterClrMapping/>
+  </p:clrMapOvr>
+  <p:timing>
+    <p:tnLst>
+      <p:par>
+        <p:cTn id="1" dur="indefinite" restart="never" nodeType="tmRoot"/>
+      </p:par>
+    </p:tnLst>
+  </p:timing>
+</p:sld>
+</file>
+
+<file path=ppt/slides/slide12.xml><?xml version="1.0" encoding="utf-8"?>
+<p:sld xmlns:a="http://schemas.openxmlformats.org/drawingml/2006/main" xmlns:r="http://schemas.openxmlformats.org/officeDocument/2006/relationships" xmlns:p="http://schemas.openxmlformats.org/presentationml/2006/main">
+  <p:cSld>
+    <p:spTree>
+      <p:nvGrpSpPr>
+        <p:cNvPr id="1" name=""/>
+        <p:cNvGrpSpPr/>
+        <p:nvPr/>
+      </p:nvGrpSpPr>
+      <p:grpSpPr>
+        <a:xfrm>
+          <a:off x="0" y="0"/>
+          <a:ext cx="0" cy="0"/>
+          <a:chOff x="0" y="0"/>
+          <a:chExt cx="0" cy="0"/>
+        </a:xfrm>
+      </p:grpSpPr>
+      <p:sp>
+        <p:nvSpPr>
+          <p:cNvPr id="2" name="标题 1"/>
+          <p:cNvSpPr>
+            <a:spLocks noGrp="1"/>
+          </p:cNvSpPr>
+          <p:nvPr>
+            <p:ph type="title"/>
+          </p:nvPr>
+        </p:nvSpPr>
+        <p:spPr/>
+        <p:txBody>
+          <a:bodyPr/>
+          <a:lstStyle/>
+          <a:p>
+            <a:r>
+              <a:rPr lang="zh-CN" altLang="en-US" dirty="0" smtClean="0"/>
+              <a:t>目录</a:t>
+            </a:r>
+            <a:endParaRPr lang="zh-CN" altLang="en-US" dirty="0"/>
+          </a:p>
+        </p:txBody>
+      </p:sp>
+      <p:sp>
+        <p:nvSpPr>
+          <p:cNvPr id="3" name="内容占位符 2"/>
+          <p:cNvSpPr>
+            <a:spLocks noGrp="1"/>
+          </p:cNvSpPr>
+          <p:nvPr>
+            <p:ph idx="1"/>
+          </p:nvPr>
+        </p:nvSpPr>
+        <p:spPr/>
+        <p:txBody>
+          <a:bodyPr/>
+          <a:lstStyle/>
+          <a:p>
+            <a:r>
+              <a:rPr lang="zh-CN" altLang="en-US" dirty="0" smtClean="0">
+                <a:solidFill>
+                  <a:schemeClr val="bg1">
+                    <a:lumMod val="75000"/>
+                  </a:schemeClr>
+                </a:solidFill>
+              </a:rPr>
+              <a:t>概述</a:t>
+            </a:r>
+            <a:endParaRPr lang="en-US" altLang="zh-CN" dirty="0" smtClean="0">
+              <a:solidFill>
+                <a:schemeClr val="bg1">
+                  <a:lumMod val="75000"/>
+                </a:schemeClr>
+              </a:solidFill>
+            </a:endParaRPr>
+          </a:p>
+          <a:p>
+            <a:r>
+              <a:rPr lang="zh-CN" altLang="en-US" dirty="0" smtClean="0">
+                <a:solidFill>
+                  <a:schemeClr val="bg1">
+                    <a:lumMod val="75000"/>
+                  </a:schemeClr>
+                </a:solidFill>
+              </a:rPr>
+              <a:t>解决</a:t>
+            </a:r>
+            <a:r>
+              <a:rPr lang="zh-CN" altLang="en-US" dirty="0" smtClean="0">
+                <a:solidFill>
+                  <a:schemeClr val="bg1">
+                    <a:lumMod val="75000"/>
+                  </a:schemeClr>
+                </a:solidFill>
+              </a:rPr>
+              <a:t>方案</a:t>
+            </a:r>
+            <a:endParaRPr lang="en-US" altLang="zh-CN" dirty="0" smtClean="0">
+              <a:solidFill>
+                <a:schemeClr val="bg1">
+                  <a:lumMod val="75000"/>
+                </a:schemeClr>
+              </a:solidFill>
+            </a:endParaRPr>
+          </a:p>
+          <a:p>
+            <a:r>
+              <a:rPr lang="zh-CN" altLang="en-US" dirty="0" smtClean="0"/>
+              <a:t>改进过程</a:t>
+            </a:r>
+            <a:endParaRPr lang="en-US" altLang="zh-CN" dirty="0" smtClean="0"/>
+          </a:p>
+          <a:p>
+            <a:r>
+              <a:rPr lang="zh-CN" altLang="en-US" dirty="0">
+                <a:solidFill>
+                  <a:schemeClr val="bg1">
+                    <a:lumMod val="75000"/>
+                  </a:schemeClr>
+                </a:solidFill>
+              </a:rPr>
+              <a:t>难点</a:t>
+            </a:r>
+            <a:r>
+              <a:rPr lang="zh-CN" altLang="en-US" dirty="0" smtClean="0">
+                <a:solidFill>
+                  <a:schemeClr val="bg1">
+                    <a:lumMod val="75000"/>
+                  </a:schemeClr>
+                </a:solidFill>
+              </a:rPr>
+              <a:t>解决</a:t>
+            </a:r>
+            <a:endParaRPr lang="en-US" altLang="zh-CN" dirty="0" smtClean="0">
+              <a:solidFill>
+                <a:schemeClr val="bg1">
+                  <a:lumMod val="75000"/>
+                </a:schemeClr>
+              </a:solidFill>
+            </a:endParaRPr>
+          </a:p>
+          <a:p>
+            <a:r>
+              <a:rPr lang="zh-CN" altLang="en-US" dirty="0">
+                <a:solidFill>
+                  <a:schemeClr val="bg1">
+                    <a:lumMod val="75000"/>
+                  </a:schemeClr>
+                </a:solidFill>
+              </a:rPr>
+              <a:t>亮点展示</a:t>
+            </a:r>
+          </a:p>
+          <a:p>
+            <a:endParaRPr lang="zh-CN" altLang="en-US" dirty="0"/>
+          </a:p>
+        </p:txBody>
+      </p:sp>
+    </p:spTree>
+    <p:extLst>
+      <p:ext uri="{BB962C8B-B14F-4D97-AF65-F5344CB8AC3E}">
+        <p14:creationId xmlns:p14="http://schemas.microsoft.com/office/powerpoint/2010/main" val="3571157570"/>
+      </p:ext>
+    </p:extLst>
+  </p:cSld>
+  <p:clrMapOvr>
+    <a:masterClrMapping/>
+  </p:clrMapOvr>
+  <p:timing>
+    <p:tnLst>
+      <p:par>
+        <p:cTn id="1" dur="indefinite" restart="never" nodeType="tmRoot"/>
+      </p:par>
+    </p:tnLst>
+  </p:timing>
+</p:sld>
+</file>
+
+<file path=ppt/slides/slide13.xml><?xml version="1.0" encoding="utf-8"?>
+<p:sld xmlns:a="http://schemas.openxmlformats.org/drawingml/2006/main" xmlns:r="http://schemas.openxmlformats.org/officeDocument/2006/relationships" xmlns:p="http://schemas.openxmlformats.org/presentationml/2006/main">
+  <p:cSld>
+    <p:spTree>
+      <p:nvGrpSpPr>
+        <p:cNvPr id="1" name=""/>
+        <p:cNvGrpSpPr/>
+        <p:nvPr/>
+      </p:nvGrpSpPr>
+      <p:grpSpPr>
+        <a:xfrm>
+          <a:off x="0" y="0"/>
+          <a:ext cx="0" cy="0"/>
+          <a:chOff x="0" y="0"/>
+          <a:chExt cx="0" cy="0"/>
+        </a:xfrm>
+      </p:grpSpPr>
+      <p:sp>
+        <p:nvSpPr>
+          <p:cNvPr id="2" name="标题 1"/>
+          <p:cNvSpPr>
+            <a:spLocks noGrp="1"/>
+          </p:cNvSpPr>
+          <p:nvPr>
+            <p:ph type="title"/>
+          </p:nvPr>
+        </p:nvSpPr>
+        <p:spPr/>
+        <p:txBody>
+          <a:bodyPr/>
+          <a:lstStyle/>
+          <a:p>
+            <a:r>
+              <a:rPr lang="zh-CN" altLang="en-US" dirty="0" smtClean="0"/>
+              <a:t>索引合并</a:t>
+            </a:r>
+            <a:endParaRPr lang="zh-CN" altLang="en-US" dirty="0"/>
+          </a:p>
+        </p:txBody>
+      </p:sp>
+      <p:sp>
+        <p:nvSpPr>
+          <p:cNvPr id="3" name="内容占位符 2"/>
+          <p:cNvSpPr>
+            <a:spLocks noGrp="1"/>
+          </p:cNvSpPr>
+          <p:nvPr>
+            <p:ph idx="1"/>
+          </p:nvPr>
+        </p:nvSpPr>
+        <p:spPr/>
+        <p:txBody>
+          <a:bodyPr/>
+          <a:lstStyle/>
+          <a:p>
+            <a:r>
+              <a:rPr lang="zh-CN" altLang="en-US" dirty="0" smtClean="0"/>
+              <a:t>因内存有限，故对索引进行了拆分</a:t>
+            </a:r>
+            <a:endParaRPr lang="en-US" altLang="zh-CN" dirty="0" smtClean="0"/>
+          </a:p>
+          <a:p>
+            <a:pPr lvl="1"/>
+            <a:r>
+              <a:rPr lang="zh-CN" altLang="en-US" dirty="0" smtClean="0"/>
+              <a:t>查询时可能访问多个部分索引</a:t>
+            </a:r>
+            <a:endParaRPr lang="en-US" altLang="zh-CN" dirty="0" smtClean="0"/>
+          </a:p>
+          <a:p>
+            <a:r>
+              <a:rPr lang="zh-CN" altLang="en-US" dirty="0" smtClean="0"/>
+              <a:t>后发现</a:t>
+            </a:r>
+            <a:r>
+              <a:rPr lang="en-US" altLang="zh-CN" dirty="0" smtClean="0"/>
+              <a:t>g2o, b2o</a:t>
+            </a:r>
+            <a:r>
+              <a:rPr lang="zh-CN" altLang="en-US" dirty="0" smtClean="0"/>
+              <a:t>可以不拆分，需多次读</a:t>
+            </a:r>
+            <a:r>
+              <a:rPr lang="en-US" altLang="zh-CN" dirty="0" smtClean="0"/>
+              <a:t>order</a:t>
+            </a:r>
+            <a:r>
+              <a:rPr lang="zh-CN" altLang="en-US" dirty="0" smtClean="0"/>
+              <a:t>表，需牺牲查询平均访问次数，溢出桶增加</a:t>
+            </a:r>
+            <a:endParaRPr lang="en-US" altLang="zh-CN" dirty="0" smtClean="0"/>
+          </a:p>
+          <a:p>
+            <a:r>
+              <a:rPr lang="en-US" altLang="zh-CN" dirty="0" smtClean="0"/>
+              <a:t>7</a:t>
+            </a:r>
+            <a:r>
+              <a:rPr lang="zh-CN" altLang="en-US" dirty="0" smtClean="0"/>
+              <a:t>万 </a:t>
+            </a:r>
+            <a:r>
+              <a:rPr lang="en-US" altLang="zh-CN" dirty="0" smtClean="0"/>
+              <a:t>-&gt; 9</a:t>
+            </a:r>
+            <a:r>
+              <a:rPr lang="zh-CN" altLang="en-US" dirty="0" smtClean="0"/>
+              <a:t>万</a:t>
+            </a:r>
+            <a:endParaRPr lang="zh-CN" altLang="en-US" dirty="0"/>
+          </a:p>
+        </p:txBody>
+      </p:sp>
+    </p:spTree>
+    <p:extLst>
+      <p:ext uri="{BB962C8B-B14F-4D97-AF65-F5344CB8AC3E}">
+        <p14:creationId xmlns:p14="http://schemas.microsoft.com/office/powerpoint/2010/main" val="3670459859"/>
+      </p:ext>
+    </p:extLst>
+  </p:cSld>
+  <p:clrMapOvr>
+    <a:masterClrMapping/>
+  </p:clrMapOvr>
+  <p:timing>
+    <p:tnLst>
+      <p:par>
+        <p:cTn id="1" dur="indefinite" restart="never" nodeType="tmRoot"/>
+      </p:par>
+    </p:tnLst>
+  </p:timing>
+</p:sld>
+</file>
+
+<file path=ppt/slides/slide14.xml><?xml version="1.0" encoding="utf-8"?>
+<p:sld xmlns:a="http://schemas.openxmlformats.org/drawingml/2006/main" xmlns:r="http://schemas.openxmlformats.org/officeDocument/2006/relationships" xmlns:p="http://schemas.openxmlformats.org/presentationml/2006/main">
+  <p:cSld>
+    <p:spTree>
+      <p:nvGrpSpPr>
+        <p:cNvPr id="1" name=""/>
+        <p:cNvGrpSpPr/>
+        <p:nvPr/>
+      </p:nvGrpSpPr>
+      <p:grpSpPr>
+        <a:xfrm>
+          <a:off x="0" y="0"/>
+          <a:ext cx="0" cy="0"/>
+          <a:chOff x="0" y="0"/>
+          <a:chExt cx="0" cy="0"/>
+        </a:xfrm>
+      </p:grpSpPr>
+      <p:sp>
+        <p:nvSpPr>
+          <p:cNvPr id="2" name="标题 1"/>
+          <p:cNvSpPr>
+            <a:spLocks noGrp="1"/>
+          </p:cNvSpPr>
+          <p:nvPr>
+            <p:ph type="title"/>
+          </p:nvPr>
+        </p:nvSpPr>
+        <p:spPr/>
+        <p:txBody>
+          <a:bodyPr/>
+          <a:lstStyle/>
+          <a:p>
+            <a:r>
+              <a:rPr lang="zh-CN" altLang="en-US" dirty="0" smtClean="0"/>
+              <a:t>数据重组</a:t>
+            </a:r>
+            <a:endParaRPr lang="zh-CN" altLang="en-US" dirty="0"/>
+          </a:p>
+        </p:txBody>
+      </p:sp>
+      <p:sp>
+        <p:nvSpPr>
+          <p:cNvPr id="3" name="内容占位符 2"/>
+          <p:cNvSpPr>
+            <a:spLocks noGrp="1"/>
+          </p:cNvSpPr>
+          <p:nvPr>
+            <p:ph idx="1"/>
+          </p:nvPr>
+        </p:nvSpPr>
+        <p:spPr/>
+        <p:txBody>
+          <a:bodyPr/>
+          <a:lstStyle/>
+          <a:p>
+            <a:r>
+              <a:rPr lang="zh-CN" altLang="en-US" dirty="0" smtClean="0"/>
+              <a:t>范围查询，访问大量随机订单数据</a:t>
+            </a:r>
+            <a:endParaRPr lang="en-US" altLang="zh-CN" dirty="0" smtClean="0"/>
+          </a:p>
+          <a:p>
+            <a:r>
+              <a:rPr lang="zh-CN" altLang="en-US" dirty="0" smtClean="0"/>
+              <a:t>存在热点数据，将已读入的订单写在一起，下次查询可一次读出</a:t>
+            </a:r>
+            <a:endParaRPr lang="en-US" altLang="zh-CN" dirty="0" smtClean="0"/>
+          </a:p>
+          <a:p>
+            <a:r>
+              <a:rPr lang="en-US" altLang="zh-CN" dirty="0" smtClean="0"/>
+              <a:t>b2o</a:t>
+            </a:r>
+            <a:r>
+              <a:rPr lang="zh-CN" altLang="en-US" dirty="0" smtClean="0"/>
+              <a:t>，</a:t>
+            </a:r>
+            <a:r>
+              <a:rPr lang="en-US" altLang="zh-CN" dirty="0" smtClean="0"/>
+              <a:t>9</a:t>
+            </a:r>
+            <a:r>
+              <a:rPr lang="zh-CN" altLang="en-US" dirty="0" smtClean="0"/>
+              <a:t>万 </a:t>
+            </a:r>
+            <a:r>
+              <a:rPr lang="en-US" altLang="zh-CN" dirty="0" smtClean="0"/>
+              <a:t>-&gt; 10</a:t>
+            </a:r>
+            <a:r>
+              <a:rPr lang="zh-CN" altLang="en-US" dirty="0" smtClean="0"/>
+              <a:t>万</a:t>
+            </a:r>
+            <a:endParaRPr lang="en-US" altLang="zh-CN" dirty="0" smtClean="0"/>
+          </a:p>
+          <a:p>
+            <a:r>
+              <a:rPr lang="en-US" altLang="zh-CN" dirty="0"/>
+              <a:t>g</a:t>
+            </a:r>
+            <a:r>
+              <a:rPr lang="en-US" altLang="zh-CN" dirty="0" smtClean="0"/>
+              <a:t>2o</a:t>
+            </a:r>
+            <a:r>
+              <a:rPr lang="zh-CN" altLang="en-US" dirty="0" smtClean="0"/>
+              <a:t>，</a:t>
+            </a:r>
+            <a:r>
+              <a:rPr lang="en-US" altLang="zh-CN" dirty="0" smtClean="0"/>
+              <a:t>10</a:t>
+            </a:r>
+            <a:r>
+              <a:rPr lang="zh-CN" altLang="en-US" dirty="0" smtClean="0"/>
+              <a:t>万 </a:t>
+            </a:r>
+            <a:r>
+              <a:rPr lang="en-US" altLang="zh-CN" dirty="0" smtClean="0"/>
+              <a:t>-&gt; 11</a:t>
+            </a:r>
+            <a:r>
+              <a:rPr lang="zh-CN" altLang="en-US" dirty="0" smtClean="0"/>
+              <a:t>万</a:t>
+            </a:r>
+            <a:endParaRPr lang="en-US" altLang="zh-CN" dirty="0" smtClean="0"/>
+          </a:p>
+          <a:p>
+            <a:r>
+              <a:rPr lang="zh-CN" altLang="en-US" dirty="0" smtClean="0"/>
+              <a:t>同时读写，一致性，不需额外加锁，普通查询同步机制，保证索引修改原子性</a:t>
+            </a:r>
+            <a:endParaRPr lang="en-US" altLang="zh-CN" dirty="0" smtClean="0"/>
+          </a:p>
+          <a:p>
+            <a:r>
+              <a:rPr lang="zh-CN" altLang="en-US" dirty="0" smtClean="0"/>
+              <a:t>实现存在冗余操作，兼容之前的接口，实现</a:t>
+            </a:r>
+            <a:r>
+              <a:rPr lang="zh-CN" altLang="en-US" dirty="0" smtClean="0"/>
+              <a:t>简单，提升不大的可能因素</a:t>
+            </a:r>
+            <a:endParaRPr lang="en-US" altLang="zh-CN" dirty="0" smtClean="0"/>
+          </a:p>
+        </p:txBody>
+      </p:sp>
+    </p:spTree>
+    <p:extLst>
+      <p:ext uri="{BB962C8B-B14F-4D97-AF65-F5344CB8AC3E}">
+        <p14:creationId xmlns:p14="http://schemas.microsoft.com/office/powerpoint/2010/main" val="1973040403"/>
+      </p:ext>
+    </p:extLst>
+  </p:cSld>
+  <p:clrMapOvr>
+    <a:masterClrMapping/>
+  </p:clrMapOvr>
+  <p:timing>
+    <p:tnLst>
+      <p:par>
+        <p:cTn id="1" dur="indefinite" restart="never" nodeType="tmRoot"/>
+      </p:par>
+    </p:tnLst>
+  </p:timing>
+</p:sld>
+</file>
+
+<file path=ppt/slides/slide15.xml><?xml version="1.0" encoding="utf-8"?>
+<p:sld xmlns:a="http://schemas.openxmlformats.org/drawingml/2006/main" xmlns:r="http://schemas.openxmlformats.org/officeDocument/2006/relationships" xmlns:p="http://schemas.openxmlformats.org/presentationml/2006/main">
+  <p:cSld>
+    <p:spTree>
+      <p:nvGrpSpPr>
+        <p:cNvPr id="1" name=""/>
+        <p:cNvGrpSpPr/>
+        <p:nvPr/>
+      </p:nvGrpSpPr>
+      <p:grpSpPr>
+        <a:xfrm>
+          <a:off x="0" y="0"/>
+          <a:ext cx="0" cy="0"/>
+          <a:chOff x="0" y="0"/>
+          <a:chExt cx="0" cy="0"/>
+        </a:xfrm>
+      </p:grpSpPr>
+      <p:sp>
+        <p:nvSpPr>
+          <p:cNvPr id="2" name="标题 1"/>
+          <p:cNvSpPr>
+            <a:spLocks noGrp="1"/>
+          </p:cNvSpPr>
+          <p:nvPr>
+            <p:ph type="title"/>
+          </p:nvPr>
+        </p:nvSpPr>
+        <p:spPr/>
+        <p:txBody>
+          <a:bodyPr/>
+          <a:lstStyle/>
+          <a:p>
+            <a:r>
+              <a:rPr lang="zh-CN" altLang="en-US" dirty="0" smtClean="0"/>
+              <a:t>索引位置</a:t>
+            </a:r>
+            <a:endParaRPr lang="zh-CN" altLang="en-US" dirty="0"/>
+          </a:p>
+        </p:txBody>
+      </p:sp>
+      <p:sp>
+        <p:nvSpPr>
+          <p:cNvPr id="3" name="内容占位符 2"/>
+          <p:cNvSpPr>
+            <a:spLocks noGrp="1"/>
+          </p:cNvSpPr>
+          <p:nvPr>
+            <p:ph idx="1"/>
+          </p:nvPr>
+        </p:nvSpPr>
+        <p:spPr/>
+        <p:txBody>
+          <a:bodyPr/>
+          <a:lstStyle/>
+          <a:p>
+            <a:r>
+              <a:rPr lang="zh-CN" altLang="en-US" dirty="0" smtClean="0"/>
+              <a:t>堆内</a:t>
+            </a:r>
+            <a:endParaRPr lang="en-US" altLang="zh-CN" dirty="0" smtClean="0"/>
+          </a:p>
+          <a:p>
+            <a:pPr lvl="1"/>
+            <a:r>
+              <a:rPr lang="en-US" altLang="zh-CN" dirty="0"/>
+              <a:t>g</a:t>
+            </a:r>
+            <a:r>
+              <a:rPr lang="en-US" altLang="zh-CN" dirty="0" smtClean="0"/>
+              <a:t>2g, b2b, 500M</a:t>
+            </a:r>
+          </a:p>
+          <a:p>
+            <a:r>
+              <a:rPr lang="zh-CN" altLang="en-US" dirty="0" smtClean="0"/>
+              <a:t>堆外（新增）</a:t>
+            </a:r>
+            <a:endParaRPr lang="en-US" altLang="zh-CN" dirty="0" smtClean="0"/>
+          </a:p>
+          <a:p>
+            <a:pPr lvl="1"/>
+            <a:r>
+              <a:rPr lang="en-US" altLang="zh-CN" dirty="0" smtClean="0"/>
+              <a:t>(½)o2o, 2.7G</a:t>
+            </a:r>
+          </a:p>
+          <a:p>
+            <a:r>
+              <a:rPr lang="zh-CN" altLang="en-US" dirty="0" smtClean="0"/>
+              <a:t>磁盘</a:t>
+            </a:r>
+            <a:endParaRPr lang="en-US" altLang="zh-CN" dirty="0" smtClean="0"/>
+          </a:p>
+          <a:p>
+            <a:pPr lvl="1"/>
+            <a:r>
+              <a:rPr lang="zh-CN" altLang="en-US" dirty="0" smtClean="0"/>
+              <a:t>剩余索引</a:t>
+            </a:r>
+            <a:endParaRPr lang="en-US" altLang="zh-CN" dirty="0" smtClean="0"/>
+          </a:p>
+          <a:p>
+            <a:r>
+              <a:rPr lang="en-US" altLang="zh-CN" dirty="0" smtClean="0"/>
+              <a:t>11</a:t>
+            </a:r>
+            <a:r>
+              <a:rPr lang="zh-CN" altLang="en-US" dirty="0" smtClean="0"/>
+              <a:t>万 </a:t>
+            </a:r>
+            <a:r>
+              <a:rPr lang="en-US" altLang="zh-CN" dirty="0" smtClean="0"/>
+              <a:t>-&gt; 18</a:t>
+            </a:r>
+            <a:r>
+              <a:rPr lang="zh-CN" altLang="en-US" dirty="0" smtClean="0"/>
+              <a:t>万</a:t>
+            </a:r>
+            <a:endParaRPr lang="en-US" altLang="zh-CN" dirty="0" smtClean="0"/>
+          </a:p>
+          <a:p>
+            <a:r>
+              <a:rPr lang="zh-CN" altLang="en-US" dirty="0" smtClean="0"/>
+              <a:t>对缓存的判断战略失误，（收益</a:t>
+            </a:r>
+            <a:r>
+              <a:rPr lang="en-US" altLang="zh-CN" dirty="0" smtClean="0"/>
+              <a:t>/</a:t>
+            </a:r>
+            <a:r>
+              <a:rPr lang="zh-CN" altLang="en-US" dirty="0" smtClean="0"/>
+              <a:t>成本）远高于预期，这是倒数第</a:t>
+            </a:r>
+            <a:r>
+              <a:rPr lang="en-US" altLang="zh-CN" dirty="0" smtClean="0"/>
+              <a:t>2</a:t>
+            </a:r>
+            <a:r>
+              <a:rPr lang="zh-CN" altLang="en-US" dirty="0" smtClean="0"/>
+              <a:t>次提交</a:t>
+            </a:r>
+            <a:endParaRPr lang="en-US" altLang="zh-CN" dirty="0" smtClean="0"/>
+          </a:p>
+          <a:p>
+            <a:endParaRPr lang="en-US" altLang="zh-CN" dirty="0" smtClean="0"/>
+          </a:p>
+        </p:txBody>
+      </p:sp>
+    </p:spTree>
+    <p:extLst>
+      <p:ext uri="{BB962C8B-B14F-4D97-AF65-F5344CB8AC3E}">
+        <p14:creationId xmlns:p14="http://schemas.microsoft.com/office/powerpoint/2010/main" val="1515010226"/>
+      </p:ext>
+    </p:extLst>
+  </p:cSld>
+  <p:clrMapOvr>
+    <a:masterClrMapping/>
+  </p:clrMapOvr>
+  <p:timing>
+    <p:tnLst>
+      <p:par>
+        <p:cTn id="1" dur="indefinite" restart="never" nodeType="tmRoot"/>
+      </p:par>
+    </p:tnLst>
+  </p:timing>
+</p:sld>
+</file>
+
+<file path=ppt/slides/slide16.xml><?xml version="1.0" encoding="utf-8"?>
+<p:sld xmlns:a="http://schemas.openxmlformats.org/drawingml/2006/main" xmlns:r="http://schemas.openxmlformats.org/officeDocument/2006/relationships" xmlns:p="http://schemas.openxmlformats.org/presentationml/2006/main">
+  <p:cSld>
+    <p:spTree>
+      <p:nvGrpSpPr>
+        <p:cNvPr id="1" name=""/>
+        <p:cNvGrpSpPr/>
+        <p:nvPr/>
+      </p:nvGrpSpPr>
+      <p:grpSpPr>
+        <a:xfrm>
+          <a:off x="0" y="0"/>
+          <a:ext cx="0" cy="0"/>
+          <a:chOff x="0" y="0"/>
+          <a:chExt cx="0" cy="0"/>
+        </a:xfrm>
+      </p:grpSpPr>
+      <p:sp>
+        <p:nvSpPr>
+          <p:cNvPr id="2" name="标题 1"/>
+          <p:cNvSpPr>
+            <a:spLocks noGrp="1"/>
+          </p:cNvSpPr>
+          <p:nvPr>
+            <p:ph type="title"/>
+          </p:nvPr>
+        </p:nvSpPr>
+        <p:spPr/>
+        <p:txBody>
+          <a:bodyPr/>
+          <a:lstStyle/>
+          <a:p>
+            <a:r>
+              <a:rPr lang="zh-CN" altLang="en-US" dirty="0" smtClean="0"/>
+              <a:t>目录</a:t>
+            </a:r>
+            <a:endParaRPr lang="zh-CN" altLang="en-US" dirty="0"/>
+          </a:p>
+        </p:txBody>
+      </p:sp>
+      <p:sp>
+        <p:nvSpPr>
+          <p:cNvPr id="3" name="内容占位符 2"/>
+          <p:cNvSpPr>
+            <a:spLocks noGrp="1"/>
+          </p:cNvSpPr>
+          <p:nvPr>
+            <p:ph idx="1"/>
+          </p:nvPr>
+        </p:nvSpPr>
+        <p:spPr/>
+        <p:txBody>
+          <a:bodyPr/>
+          <a:lstStyle/>
+          <a:p>
+            <a:r>
+              <a:rPr lang="zh-CN" altLang="en-US" dirty="0" smtClean="0">
+                <a:solidFill>
+                  <a:schemeClr val="bg1">
+                    <a:lumMod val="75000"/>
+                  </a:schemeClr>
+                </a:solidFill>
+              </a:rPr>
+              <a:t>概述</a:t>
+            </a:r>
+            <a:endParaRPr lang="en-US" altLang="zh-CN" dirty="0" smtClean="0">
+              <a:solidFill>
+                <a:schemeClr val="bg1">
+                  <a:lumMod val="75000"/>
+                </a:schemeClr>
+              </a:solidFill>
+            </a:endParaRPr>
+          </a:p>
+          <a:p>
+            <a:r>
+              <a:rPr lang="zh-CN" altLang="en-US" dirty="0" smtClean="0">
+                <a:solidFill>
+                  <a:schemeClr val="bg1">
+                    <a:lumMod val="75000"/>
+                  </a:schemeClr>
+                </a:solidFill>
+              </a:rPr>
+              <a:t>解决</a:t>
+            </a:r>
+            <a:r>
+              <a:rPr lang="zh-CN" altLang="en-US" dirty="0" smtClean="0">
+                <a:solidFill>
+                  <a:schemeClr val="bg1">
+                    <a:lumMod val="75000"/>
+                  </a:schemeClr>
+                </a:solidFill>
+              </a:rPr>
+              <a:t>方案</a:t>
+            </a:r>
+            <a:endParaRPr lang="en-US" altLang="zh-CN" dirty="0" smtClean="0">
+              <a:solidFill>
+                <a:schemeClr val="bg1">
+                  <a:lumMod val="75000"/>
+                </a:schemeClr>
+              </a:solidFill>
+            </a:endParaRPr>
+          </a:p>
+          <a:p>
+            <a:r>
+              <a:rPr lang="zh-CN" altLang="en-US" dirty="0" smtClean="0">
+                <a:solidFill>
+                  <a:schemeClr val="bg1">
+                    <a:lumMod val="75000"/>
+                  </a:schemeClr>
+                </a:solidFill>
+              </a:rPr>
+              <a:t>改进过程</a:t>
+            </a:r>
+            <a:endParaRPr lang="en-US" altLang="zh-CN" dirty="0" smtClean="0">
+              <a:solidFill>
+                <a:schemeClr val="bg1">
+                  <a:lumMod val="75000"/>
+                </a:schemeClr>
+              </a:solidFill>
+            </a:endParaRPr>
+          </a:p>
+          <a:p>
+            <a:r>
+              <a:rPr lang="zh-CN" altLang="en-US" dirty="0"/>
+              <a:t>难点</a:t>
+            </a:r>
+            <a:r>
+              <a:rPr lang="zh-CN" altLang="en-US" dirty="0" smtClean="0"/>
+              <a:t>解决</a:t>
+            </a:r>
+            <a:endParaRPr lang="en-US" altLang="zh-CN" dirty="0" smtClean="0"/>
+          </a:p>
+          <a:p>
+            <a:r>
+              <a:rPr lang="zh-CN" altLang="en-US" dirty="0">
+                <a:solidFill>
+                  <a:schemeClr val="bg1">
+                    <a:lumMod val="75000"/>
+                  </a:schemeClr>
+                </a:solidFill>
+              </a:rPr>
+              <a:t>亮点展示</a:t>
+            </a:r>
+          </a:p>
+          <a:p>
+            <a:endParaRPr lang="zh-CN" altLang="en-US" dirty="0"/>
+          </a:p>
+        </p:txBody>
+      </p:sp>
+    </p:spTree>
+    <p:extLst>
+      <p:ext uri="{BB962C8B-B14F-4D97-AF65-F5344CB8AC3E}">
+        <p14:creationId xmlns:p14="http://schemas.microsoft.com/office/powerpoint/2010/main" val="3638043955"/>
+      </p:ext>
+    </p:extLst>
+  </p:cSld>
+  <p:clrMapOvr>
+    <a:masterClrMapping/>
+  </p:clrMapOvr>
+  <p:timing>
+    <p:tnLst>
+      <p:par>
+        <p:cTn id="1" dur="indefinite" restart="never" nodeType="tmRoot"/>
+      </p:par>
+    </p:tnLst>
+  </p:timing>
+</p:sld>
+</file>
+
+<file path=ppt/slides/slide17.xml><?xml version="1.0" encoding="utf-8"?>
+<p:sld xmlns:a="http://schemas.openxmlformats.org/drawingml/2006/main" xmlns:r="http://schemas.openxmlformats.org/officeDocument/2006/relationships" xmlns:p="http://schemas.openxmlformats.org/presentationml/2006/main">
+  <p:cSld>
+    <p:spTree>
+      <p:nvGrpSpPr>
+        <p:cNvPr id="1" name=""/>
+        <p:cNvGrpSpPr/>
+        <p:nvPr/>
+      </p:nvGrpSpPr>
+      <p:grpSpPr>
+        <a:xfrm>
+          <a:off x="0" y="0"/>
+          <a:ext cx="0" cy="0"/>
+          <a:chOff x="0" y="0"/>
+          <a:chExt cx="0" cy="0"/>
+        </a:xfrm>
+      </p:grpSpPr>
+      <p:sp>
+        <p:nvSpPr>
+          <p:cNvPr id="2" name="标题 1"/>
+          <p:cNvSpPr>
+            <a:spLocks noGrp="1"/>
+          </p:cNvSpPr>
+          <p:nvPr>
+            <p:ph type="title"/>
+          </p:nvPr>
+        </p:nvSpPr>
+        <p:spPr/>
+        <p:txBody>
+          <a:bodyPr/>
+          <a:lstStyle/>
+          <a:p>
+            <a:r>
+              <a:rPr lang="zh-CN" altLang="en-US" dirty="0" smtClean="0"/>
+              <a:t>构建过程</a:t>
+            </a:r>
+            <a:endParaRPr lang="zh-CN" altLang="en-US" dirty="0"/>
+          </a:p>
+        </p:txBody>
+      </p:sp>
+      <p:sp>
+        <p:nvSpPr>
+          <p:cNvPr id="3" name="内容占位符 2"/>
+          <p:cNvSpPr>
+            <a:spLocks noGrp="1"/>
+          </p:cNvSpPr>
+          <p:nvPr>
+            <p:ph idx="1"/>
+          </p:nvPr>
+        </p:nvSpPr>
+        <p:spPr/>
+        <p:txBody>
+          <a:bodyPr>
+            <a:noAutofit/>
+          </a:bodyPr>
+          <a:lstStyle/>
+          <a:p>
+            <a:r>
+              <a:rPr lang="en-US" altLang="zh-CN" dirty="0" smtClean="0"/>
+              <a:t>11</a:t>
+            </a:r>
+            <a:r>
+              <a:rPr lang="zh-CN" altLang="en-US" dirty="0" smtClean="0"/>
+              <a:t>号到</a:t>
+            </a:r>
+            <a:r>
+              <a:rPr lang="en-US" altLang="zh-CN" dirty="0" smtClean="0"/>
+              <a:t>29</a:t>
+            </a:r>
+            <a:r>
+              <a:rPr lang="zh-CN" altLang="en-US" dirty="0" smtClean="0"/>
+              <a:t>号，一直在构建</a:t>
+            </a:r>
+            <a:endParaRPr lang="en-US" altLang="zh-CN" dirty="0" smtClean="0"/>
+          </a:p>
+          <a:p>
+            <a:r>
+              <a:rPr lang="zh-CN" altLang="en-US" dirty="0" smtClean="0"/>
+              <a:t>失败的尝试</a:t>
+            </a:r>
+            <a:endParaRPr lang="en-US" altLang="zh-CN" dirty="0" smtClean="0"/>
+          </a:p>
+          <a:p>
+            <a:pPr lvl="1"/>
+            <a:r>
+              <a:rPr lang="zh-CN" altLang="en-US" dirty="0" smtClean="0"/>
+              <a:t>读，处理，写，单线程</a:t>
+            </a:r>
+            <a:endParaRPr lang="en-US" altLang="zh-CN" dirty="0" smtClean="0"/>
+          </a:p>
+          <a:p>
+            <a:pPr lvl="1"/>
+            <a:r>
+              <a:rPr lang="zh-CN" altLang="en-US" dirty="0" smtClean="0"/>
+              <a:t>索引分成很多小文件</a:t>
+            </a:r>
+            <a:endParaRPr lang="en-US" altLang="zh-CN" dirty="0" smtClean="0"/>
+          </a:p>
+          <a:p>
+            <a:pPr lvl="2"/>
+            <a:r>
+              <a:rPr lang="zh-CN" altLang="en-US" dirty="0"/>
+              <a:t>经</a:t>
+            </a:r>
+            <a:r>
+              <a:rPr lang="zh-CN" altLang="en-US" dirty="0" smtClean="0"/>
+              <a:t>测试，发现大文件速度慢</a:t>
+            </a:r>
+            <a:endParaRPr lang="en-US" altLang="zh-CN" dirty="0" smtClean="0"/>
+          </a:p>
+          <a:p>
+            <a:pPr lvl="1"/>
+            <a:r>
+              <a:rPr lang="zh-CN" altLang="en-US" dirty="0" smtClean="0"/>
+              <a:t>写缓冲，请求有序</a:t>
+            </a:r>
+            <a:r>
+              <a:rPr lang="zh-CN" altLang="en-US" dirty="0" smtClean="0"/>
+              <a:t>排放，开线程一直写，</a:t>
+            </a:r>
+            <a:r>
+              <a:rPr lang="zh-CN" altLang="en-US" dirty="0" smtClean="0"/>
+              <a:t>复杂的同步</a:t>
+            </a:r>
+            <a:endParaRPr lang="en-US" altLang="zh-CN" dirty="0" smtClean="0"/>
+          </a:p>
+          <a:p>
+            <a:pPr lvl="2"/>
+            <a:r>
+              <a:rPr lang="zh-CN" altLang="en-US" dirty="0" smtClean="0"/>
+              <a:t>请求保存内容，</a:t>
+            </a:r>
+            <a:r>
+              <a:rPr lang="en-US" altLang="zh-CN" dirty="0" err="1" smtClean="0"/>
+              <a:t>gc</a:t>
+            </a:r>
+            <a:r>
+              <a:rPr lang="zh-CN" altLang="en-US" dirty="0" smtClean="0"/>
+              <a:t>导致</a:t>
+            </a:r>
+            <a:r>
+              <a:rPr lang="en-US" altLang="zh-CN" dirty="0" err="1" smtClean="0"/>
+              <a:t>cpu</a:t>
+            </a:r>
+            <a:r>
+              <a:rPr lang="zh-CN" altLang="en-US" dirty="0" smtClean="0"/>
+              <a:t>满载</a:t>
+            </a:r>
+            <a:endParaRPr lang="en-US" altLang="zh-CN" dirty="0" smtClean="0"/>
+          </a:p>
+          <a:p>
+            <a:pPr lvl="2"/>
+            <a:r>
+              <a:rPr lang="zh-CN" altLang="en-US" dirty="0" smtClean="0"/>
+              <a:t>写缓冲每个桶自带</a:t>
+            </a:r>
+            <a:r>
+              <a:rPr lang="zh-CN" altLang="en-US" dirty="0"/>
+              <a:t>缓冲</a:t>
+            </a:r>
+            <a:r>
+              <a:rPr lang="zh-CN" altLang="en-US" dirty="0" smtClean="0"/>
+              <a:t>，局部填满导致全局等待</a:t>
+            </a:r>
+            <a:endParaRPr lang="en-US" altLang="zh-CN" dirty="0" smtClean="0"/>
+          </a:p>
+          <a:p>
+            <a:pPr lvl="2"/>
+            <a:r>
+              <a:rPr lang="zh-CN" altLang="en-US" dirty="0" smtClean="0"/>
+              <a:t>读写冲突，非顺序访问</a:t>
+            </a:r>
+            <a:endParaRPr lang="en-US" altLang="zh-CN" dirty="0" smtClean="0"/>
+          </a:p>
+          <a:p>
+            <a:r>
+              <a:rPr lang="zh-CN" altLang="en-US" dirty="0" smtClean="0"/>
+              <a:t>成功的尝试</a:t>
+            </a:r>
+            <a:endParaRPr lang="en-US" altLang="zh-CN" dirty="0" smtClean="0"/>
+          </a:p>
+          <a:p>
+            <a:pPr lvl="1"/>
+            <a:r>
+              <a:rPr lang="zh-CN" altLang="en-US" dirty="0"/>
+              <a:t>索引设计</a:t>
+            </a:r>
+            <a:r>
+              <a:rPr lang="zh-CN" altLang="en-US" dirty="0" smtClean="0"/>
+              <a:t>原则</a:t>
+            </a:r>
+            <a:endParaRPr lang="en-US" altLang="zh-CN" dirty="0" smtClean="0"/>
+          </a:p>
+          <a:p>
+            <a:pPr lvl="1"/>
+            <a:r>
+              <a:rPr lang="zh-CN" altLang="en-US" dirty="0" smtClean="0"/>
+              <a:t>回归简单</a:t>
+            </a:r>
+            <a:endParaRPr lang="zh-CN" altLang="en-US" dirty="0"/>
+          </a:p>
+        </p:txBody>
+      </p:sp>
+    </p:spTree>
+    <p:extLst>
+      <p:ext uri="{BB962C8B-B14F-4D97-AF65-F5344CB8AC3E}">
+        <p14:creationId xmlns:p14="http://schemas.microsoft.com/office/powerpoint/2010/main" val="2222464864"/>
+      </p:ext>
+    </p:extLst>
+  </p:cSld>
+  <p:clrMapOvr>
+    <a:masterClrMapping/>
+  </p:clrMapOvr>
+  <p:timing>
+    <p:tnLst>
+      <p:par>
+        <p:cTn id="1" dur="indefinite" restart="never" nodeType="tmRoot"/>
+      </p:par>
+    </p:tnLst>
+  </p:timing>
+</p:sld>
+</file>
+
+<file path=ppt/slides/slide18.xml><?xml version="1.0" encoding="utf-8"?>
+<p:sld xmlns:a="http://schemas.openxmlformats.org/drawingml/2006/main" xmlns:r="http://schemas.openxmlformats.org/officeDocument/2006/relationships" xmlns:p="http://schemas.openxmlformats.org/presentationml/2006/main">
+  <p:cSld>
+    <p:spTree>
+      <p:nvGrpSpPr>
+        <p:cNvPr id="1" name=""/>
+        <p:cNvGrpSpPr/>
+        <p:nvPr/>
+      </p:nvGrpSpPr>
+      <p:grpSpPr>
+        <a:xfrm>
+          <a:off x="0" y="0"/>
+          <a:ext cx="0" cy="0"/>
+          <a:chOff x="0" y="0"/>
+          <a:chExt cx="0" cy="0"/>
+        </a:xfrm>
+      </p:grpSpPr>
+      <p:sp>
+        <p:nvSpPr>
+          <p:cNvPr id="2" name="标题 1"/>
+          <p:cNvSpPr>
+            <a:spLocks noGrp="1"/>
+          </p:cNvSpPr>
+          <p:nvPr>
+            <p:ph type="title"/>
+          </p:nvPr>
+        </p:nvSpPr>
+        <p:spPr/>
+        <p:txBody>
+          <a:bodyPr/>
+          <a:lstStyle/>
+          <a:p>
+            <a:r>
+              <a:rPr lang="zh-CN" altLang="en-US" dirty="0" smtClean="0"/>
+              <a:t>目录</a:t>
+            </a:r>
+            <a:endParaRPr lang="zh-CN" altLang="en-US" dirty="0"/>
+          </a:p>
+        </p:txBody>
+      </p:sp>
+      <p:sp>
+        <p:nvSpPr>
+          <p:cNvPr id="3" name="内容占位符 2"/>
+          <p:cNvSpPr>
+            <a:spLocks noGrp="1"/>
+          </p:cNvSpPr>
+          <p:nvPr>
+            <p:ph idx="1"/>
+          </p:nvPr>
+        </p:nvSpPr>
+        <p:spPr/>
+        <p:txBody>
+          <a:bodyPr/>
+          <a:lstStyle/>
+          <a:p>
+            <a:r>
+              <a:rPr lang="zh-CN" altLang="en-US" dirty="0" smtClean="0">
+                <a:solidFill>
+                  <a:schemeClr val="bg1">
+                    <a:lumMod val="75000"/>
+                  </a:schemeClr>
+                </a:solidFill>
+              </a:rPr>
+              <a:t>概述</a:t>
+            </a:r>
+            <a:endParaRPr lang="en-US" altLang="zh-CN" dirty="0" smtClean="0">
+              <a:solidFill>
+                <a:schemeClr val="bg1">
+                  <a:lumMod val="75000"/>
+                </a:schemeClr>
+              </a:solidFill>
+            </a:endParaRPr>
+          </a:p>
+          <a:p>
+            <a:r>
+              <a:rPr lang="zh-CN" altLang="en-US" dirty="0" smtClean="0">
+                <a:solidFill>
+                  <a:schemeClr val="bg1">
+                    <a:lumMod val="75000"/>
+                  </a:schemeClr>
+                </a:solidFill>
+              </a:rPr>
+              <a:t>解决</a:t>
+            </a:r>
+            <a:r>
+              <a:rPr lang="zh-CN" altLang="en-US" dirty="0" smtClean="0">
+                <a:solidFill>
+                  <a:schemeClr val="bg1">
+                    <a:lumMod val="75000"/>
+                  </a:schemeClr>
+                </a:solidFill>
+              </a:rPr>
+              <a:t>方案</a:t>
+            </a:r>
+            <a:endParaRPr lang="en-US" altLang="zh-CN" dirty="0" smtClean="0">
+              <a:solidFill>
+                <a:schemeClr val="bg1">
+                  <a:lumMod val="75000"/>
+                </a:schemeClr>
+              </a:solidFill>
+            </a:endParaRPr>
+          </a:p>
+          <a:p>
+            <a:r>
+              <a:rPr lang="zh-CN" altLang="en-US" dirty="0" smtClean="0">
+                <a:solidFill>
+                  <a:schemeClr val="bg1">
+                    <a:lumMod val="75000"/>
+                  </a:schemeClr>
+                </a:solidFill>
+              </a:rPr>
+              <a:t>改进过程</a:t>
+            </a:r>
+            <a:endParaRPr lang="en-US" altLang="zh-CN" dirty="0" smtClean="0">
+              <a:solidFill>
+                <a:schemeClr val="bg1">
+                  <a:lumMod val="75000"/>
+                </a:schemeClr>
+              </a:solidFill>
+            </a:endParaRPr>
+          </a:p>
+          <a:p>
+            <a:r>
+              <a:rPr lang="zh-CN" altLang="en-US" dirty="0">
+                <a:solidFill>
+                  <a:schemeClr val="bg1">
+                    <a:lumMod val="75000"/>
+                  </a:schemeClr>
+                </a:solidFill>
+              </a:rPr>
+              <a:t>难点</a:t>
+            </a:r>
+            <a:r>
+              <a:rPr lang="zh-CN" altLang="en-US" dirty="0" smtClean="0">
+                <a:solidFill>
+                  <a:schemeClr val="bg1">
+                    <a:lumMod val="75000"/>
+                  </a:schemeClr>
+                </a:solidFill>
+              </a:rPr>
+              <a:t>解决</a:t>
+            </a:r>
+            <a:endParaRPr lang="en-US" altLang="zh-CN" dirty="0" smtClean="0">
+              <a:solidFill>
+                <a:schemeClr val="bg1">
+                  <a:lumMod val="75000"/>
+                </a:schemeClr>
+              </a:solidFill>
+            </a:endParaRPr>
+          </a:p>
+          <a:p>
+            <a:r>
+              <a:rPr lang="zh-CN" altLang="en-US" dirty="0"/>
+              <a:t>亮点展示</a:t>
+            </a:r>
+          </a:p>
+          <a:p>
+            <a:endParaRPr lang="zh-CN" altLang="en-US" dirty="0"/>
+          </a:p>
+        </p:txBody>
+      </p:sp>
+    </p:spTree>
+    <p:extLst>
+      <p:ext uri="{BB962C8B-B14F-4D97-AF65-F5344CB8AC3E}">
+        <p14:creationId xmlns:p14="http://schemas.microsoft.com/office/powerpoint/2010/main" val="2986625406"/>
+      </p:ext>
+    </p:extLst>
+  </p:cSld>
+  <p:clrMapOvr>
+    <a:masterClrMapping/>
+  </p:clrMapOvr>
+  <p:timing>
+    <p:tnLst>
+      <p:par>
+        <p:cTn id="1" dur="indefinite" restart="never" nodeType="tmRoot"/>
+      </p:par>
+    </p:tnLst>
+  </p:timing>
+</p:sld>
+</file>
+
+<file path=ppt/slides/slide19.xml><?xml version="1.0" encoding="utf-8"?>
+<p:sld xmlns:a="http://schemas.openxmlformats.org/drawingml/2006/main" xmlns:r="http://schemas.openxmlformats.org/officeDocument/2006/relationships" xmlns:p="http://schemas.openxmlformats.org/presentationml/2006/main">
+  <p:cSld>
+    <p:spTree>
+      <p:nvGrpSpPr>
+        <p:cNvPr id="1" name=""/>
+        <p:cNvGrpSpPr/>
+        <p:nvPr/>
+      </p:nvGrpSpPr>
+      <p:grpSpPr>
+        <a:xfrm>
+          <a:off x="0" y="0"/>
+          <a:ext cx="0" cy="0"/>
+          <a:chOff x="0" y="0"/>
+          <a:chExt cx="0" cy="0"/>
+        </a:xfrm>
+      </p:grpSpPr>
+      <p:sp>
+        <p:nvSpPr>
+          <p:cNvPr id="2" name="标题 1"/>
+          <p:cNvSpPr>
+            <a:spLocks noGrp="1"/>
+          </p:cNvSpPr>
+          <p:nvPr>
+            <p:ph type="title"/>
+          </p:nvPr>
+        </p:nvSpPr>
+        <p:spPr/>
+        <p:txBody>
+          <a:bodyPr/>
+          <a:lstStyle/>
+          <a:p>
+            <a:r>
+              <a:rPr lang="zh-CN" altLang="en-US" dirty="0" smtClean="0"/>
+              <a:t>亮点展示</a:t>
+            </a:r>
+            <a:endParaRPr lang="zh-CN" altLang="en-US" dirty="0"/>
+          </a:p>
+        </p:txBody>
+      </p:sp>
+      <p:sp>
+        <p:nvSpPr>
+          <p:cNvPr id="3" name="内容占位符 2"/>
+          <p:cNvSpPr>
+            <a:spLocks noGrp="1"/>
+          </p:cNvSpPr>
+          <p:nvPr>
+            <p:ph idx="1"/>
+          </p:nvPr>
+        </p:nvSpPr>
+        <p:spPr/>
+        <p:txBody>
+          <a:bodyPr/>
+          <a:lstStyle/>
+          <a:p>
+            <a:r>
+              <a:rPr lang="zh-CN" altLang="en-US" dirty="0" smtClean="0"/>
+              <a:t>自己实现的</a:t>
+            </a:r>
+            <a:r>
+              <a:rPr lang="en-US" altLang="zh-CN" dirty="0" err="1" smtClean="0"/>
+              <a:t>HashMap</a:t>
+            </a:r>
+            <a:r>
+              <a:rPr lang="zh-CN" altLang="en-US" dirty="0" smtClean="0"/>
+              <a:t>比</a:t>
+            </a:r>
+            <a:r>
+              <a:rPr lang="en-US" altLang="zh-CN" dirty="0"/>
+              <a:t>J</a:t>
+            </a:r>
+            <a:r>
+              <a:rPr lang="en-US" altLang="zh-CN" dirty="0" smtClean="0"/>
+              <a:t>ava</a:t>
+            </a:r>
+            <a:r>
+              <a:rPr lang="zh-CN" altLang="en-US" dirty="0" smtClean="0"/>
+              <a:t>自带的在本项目</a:t>
+            </a:r>
+            <a:r>
+              <a:rPr lang="en-US" altLang="zh-CN" dirty="0" smtClean="0"/>
+              <a:t>benchmark</a:t>
+            </a:r>
+            <a:r>
+              <a:rPr lang="zh-CN" altLang="en-US" dirty="0" smtClean="0"/>
+              <a:t>上好太多，</a:t>
+            </a:r>
+            <a:r>
+              <a:rPr lang="en-US" altLang="zh-CN" dirty="0" smtClean="0"/>
+              <a:t>1/4</a:t>
+            </a:r>
+            <a:r>
+              <a:rPr lang="zh-CN" altLang="en-US" dirty="0" smtClean="0"/>
+              <a:t>空间消耗</a:t>
+            </a:r>
+            <a:endParaRPr lang="en-US" altLang="zh-CN" dirty="0" smtClean="0"/>
+          </a:p>
+          <a:p>
+            <a:r>
+              <a:rPr lang="zh-CN" altLang="en-US" dirty="0" smtClean="0"/>
+              <a:t>实现简单，纯手写，</a:t>
+            </a:r>
+            <a:r>
+              <a:rPr lang="en-US" altLang="zh-CN" dirty="0" smtClean="0"/>
+              <a:t>1748</a:t>
+            </a:r>
+            <a:r>
+              <a:rPr lang="zh-CN" altLang="en-US" dirty="0" smtClean="0"/>
+              <a:t>行代码</a:t>
+            </a:r>
+            <a:endParaRPr lang="en-US" altLang="zh-CN" dirty="0" smtClean="0"/>
+          </a:p>
+          <a:p>
+            <a:r>
+              <a:rPr lang="zh-CN" altLang="en-US" dirty="0" smtClean="0"/>
+              <a:t>单人承包所有工作</a:t>
+            </a:r>
+            <a:endParaRPr lang="en-US" altLang="zh-CN" dirty="0" smtClean="0"/>
+          </a:p>
+          <a:p>
+            <a:r>
+              <a:rPr lang="zh-CN" altLang="en-US" dirty="0"/>
+              <a:t>构建快速，稳定</a:t>
+            </a:r>
+            <a:r>
+              <a:rPr lang="en-US" altLang="zh-CN" dirty="0"/>
+              <a:t>3000s</a:t>
+            </a:r>
+            <a:r>
+              <a:rPr lang="zh-CN" altLang="en-US" dirty="0" smtClean="0"/>
+              <a:t>以内</a:t>
+            </a:r>
+            <a:endParaRPr lang="en-US" altLang="zh-CN" dirty="0" smtClean="0"/>
+          </a:p>
+          <a:p>
+            <a:r>
+              <a:rPr lang="zh-CN" altLang="en-US" dirty="0" smtClean="0"/>
+              <a:t>代码结构良好，自如使用接口，抽象类，继承等特性，代码复用性好，可扩展，灵活</a:t>
+            </a:r>
+            <a:endParaRPr lang="en-US" altLang="zh-CN" dirty="0" smtClean="0"/>
+          </a:p>
+          <a:p>
+            <a:r>
+              <a:rPr lang="zh-CN" altLang="en-US" dirty="0" smtClean="0"/>
+              <a:t>测试驱动，高质量的测试代码，自有成绩以来，所有改动均正确</a:t>
+            </a:r>
+            <a:endParaRPr lang="en-US" altLang="zh-CN" dirty="0" smtClean="0"/>
+          </a:p>
+          <a:p>
+            <a:endParaRPr lang="en-US" altLang="zh-CN" dirty="0" smtClean="0"/>
+          </a:p>
+        </p:txBody>
+      </p:sp>
+    </p:spTree>
+    <p:extLst>
+      <p:ext uri="{BB962C8B-B14F-4D97-AF65-F5344CB8AC3E}">
+        <p14:creationId xmlns:p14="http://schemas.microsoft.com/office/powerpoint/2010/main" val="1142889247"/>
       </p:ext>
     </p:extLst>
   </p:cSld>
@@ -3232,68 +5265,142 @@
       </p:grpSpPr>
       <p:sp>
         <p:nvSpPr>
-          <p:cNvPr id="11" name="Shape 11"/>
-          <p:cNvSpPr/>
-          <p:nvPr/>
-        </p:nvSpPr>
-        <p:spPr>
-          <a:xfrm>
-            <a:off x="3444055" y="2105304"/>
-            <a:ext cx="2130391" cy="688908"/>
-          </a:xfrm>
-          <a:prstGeom prst="rect">
-            <a:avLst/>
-          </a:prstGeom>
-          <a:ln w="12700">
-            <a:miter lim="400000"/>
-          </a:ln>
-          <a:extLst>
-            <a:ext uri="{C572A759-6A51-4108-AA02-DFA0A04FC94B}">
-              <ma14:wrappingTextBoxFlag xmlns="" xmlns:ma14="http://schemas.microsoft.com/office/mac/drawingml/2011/main" val="1"/>
-            </a:ext>
-          </a:extLst>
-        </p:spPr>
-        <p:txBody>
-          <a:bodyPr wrap="none" lIns="35719" tIns="35719" rIns="35719" bIns="35719" anchor="ctr">
-            <a:spAutoFit/>
-          </a:bodyPr>
-          <a:lstStyle>
-            <a:lvl1pPr>
-              <a:defRPr sz="5700" u="sng">
+          <p:cNvPr id="2" name="标题 1"/>
+          <p:cNvSpPr>
+            <a:spLocks noGrp="1"/>
+          </p:cNvSpPr>
+          <p:nvPr>
+            <p:ph type="title"/>
+          </p:nvPr>
+        </p:nvSpPr>
+        <p:spPr/>
+        <p:txBody>
+          <a:bodyPr/>
+          <a:lstStyle/>
+          <a:p>
+            <a:r>
+              <a:rPr lang="zh-CN" altLang="en-US" dirty="0" smtClean="0"/>
+              <a:t>目录</a:t>
+            </a:r>
+            <a:endParaRPr lang="zh-CN" altLang="en-US" dirty="0"/>
+          </a:p>
+        </p:txBody>
+      </p:sp>
+      <p:sp>
+        <p:nvSpPr>
+          <p:cNvPr id="3" name="内容占位符 2"/>
+          <p:cNvSpPr>
+            <a:spLocks noGrp="1"/>
+          </p:cNvSpPr>
+          <p:nvPr>
+            <p:ph idx="1"/>
+          </p:nvPr>
+        </p:nvSpPr>
+        <p:spPr/>
+        <p:txBody>
+          <a:bodyPr/>
+          <a:lstStyle/>
+          <a:p>
+            <a:r>
+              <a:rPr lang="zh-CN" altLang="en-US" dirty="0" smtClean="0"/>
+              <a:t>概述</a:t>
+            </a:r>
+            <a:endParaRPr lang="en-US" altLang="zh-CN" dirty="0" smtClean="0"/>
+          </a:p>
+          <a:p>
+            <a:r>
+              <a:rPr lang="zh-CN" altLang="en-US" dirty="0" smtClean="0">
                 <a:solidFill>
-                  <a:srgbClr val="FFFFFF"/>
+                  <a:schemeClr val="bg1">
+                    <a:lumMod val="75000"/>
+                  </a:schemeClr>
                 </a:solidFill>
-                <a:latin typeface="造字工房朗宋（非商用）常规体"/>
-                <a:ea typeface="造字工房朗宋（非商用）常规体"/>
-                <a:cs typeface="造字工房朗宋（非商用）常规体"/>
-                <a:sym typeface="造字工房朗宋（非商用）常规体"/>
-              </a:defRPr>
-            </a:lvl1pPr>
-          </a:lstStyle>
-          <a:p>
-            <a:pPr lvl="0">
-              <a:defRPr sz="1800" u="none">
+              </a:rPr>
+              <a:t>解决</a:t>
+            </a:r>
+            <a:r>
+              <a:rPr lang="zh-CN" altLang="en-US" dirty="0" smtClean="0">
                 <a:solidFill>
-                  <a:srgbClr val="000000"/>
+                  <a:schemeClr val="bg1">
+                    <a:lumMod val="75000"/>
+                  </a:schemeClr>
                 </a:solidFill>
-              </a:defRPr>
-            </a:pPr>
-            <a:r>
-              <a:rPr sz="4008" b="1" u="none" dirty="0" err="1">
+              </a:rPr>
+              <a:t>方案</a:t>
+            </a:r>
+            <a:endParaRPr lang="en-US" altLang="zh-CN" dirty="0" smtClean="0">
+              <a:solidFill>
+                <a:schemeClr val="bg1">
+                  <a:lumMod val="75000"/>
+                </a:schemeClr>
+              </a:solidFill>
+            </a:endParaRPr>
+          </a:p>
+          <a:p>
+            <a:r>
+              <a:rPr lang="zh-CN" altLang="en-US" dirty="0" smtClean="0">
                 <a:solidFill>
-                  <a:schemeClr val="bg2"/>
+                  <a:schemeClr val="bg1">
+                    <a:lumMod val="75000"/>
+                  </a:schemeClr>
                 </a:solidFill>
-                <a:latin typeface="微软雅黑" panose="020B0503020204020204" pitchFamily="34" charset="-122"/>
-                <a:ea typeface="微软雅黑" panose="020B0503020204020204" pitchFamily="34" charset="-122"/>
               </a:rPr>
-              <a:t>答辩标题</a:t>
-            </a:r>
-            <a:endParaRPr sz="4008" b="1" u="none" dirty="0">
+              <a:t>改进过程</a:t>
+            </a:r>
+            <a:endParaRPr lang="en-US" altLang="zh-CN" dirty="0" smtClean="0">
               <a:solidFill>
-                <a:schemeClr val="bg2"/>
+                <a:schemeClr val="bg1">
+                  <a:lumMod val="75000"/>
+                </a:schemeClr>
               </a:solidFill>
-              <a:latin typeface="微软雅黑" panose="020B0503020204020204" pitchFamily="34" charset="-122"/>
-              <a:ea typeface="微软雅黑" panose="020B0503020204020204" pitchFamily="34" charset="-122"/>
+            </a:endParaRPr>
+          </a:p>
+          <a:p>
+            <a:r>
+              <a:rPr lang="zh-CN" altLang="en-US" dirty="0" smtClean="0">
+                <a:solidFill>
+                  <a:schemeClr val="bg1">
+                    <a:lumMod val="75000"/>
+                  </a:schemeClr>
+                </a:solidFill>
+              </a:rPr>
+              <a:t>难点</a:t>
+            </a:r>
+            <a:r>
+              <a:rPr lang="zh-CN" altLang="en-US" dirty="0" smtClean="0">
+                <a:solidFill>
+                  <a:schemeClr val="bg1">
+                    <a:lumMod val="75000"/>
+                  </a:schemeClr>
+                </a:solidFill>
+              </a:rPr>
+              <a:t>解决</a:t>
+            </a:r>
+            <a:endParaRPr lang="en-US" altLang="zh-CN" dirty="0" smtClean="0">
+              <a:solidFill>
+                <a:schemeClr val="bg1">
+                  <a:lumMod val="75000"/>
+                </a:schemeClr>
+              </a:solidFill>
+            </a:endParaRPr>
+          </a:p>
+          <a:p>
+            <a:r>
+              <a:rPr lang="zh-CN" altLang="en-US" dirty="0" smtClean="0">
+                <a:solidFill>
+                  <a:schemeClr val="bg1">
+                    <a:lumMod val="75000"/>
+                  </a:schemeClr>
+                </a:solidFill>
+              </a:rPr>
+              <a:t>亮点展示</a:t>
+            </a:r>
+            <a:endParaRPr lang="zh-CN" altLang="en-US" dirty="0">
+              <a:solidFill>
+                <a:schemeClr val="bg1">
+                  <a:lumMod val="75000"/>
+                </a:schemeClr>
+              </a:solidFill>
             </a:endParaRPr>
           </a:p>
         </p:txBody>
@@ -3301,14 +5408,13 @@
     </p:spTree>
     <p:extLst>
       <p:ext uri="{BB962C8B-B14F-4D97-AF65-F5344CB8AC3E}">
-        <p14:creationId xmlns:p14="http://schemas.microsoft.com/office/powerpoint/2010/main" val="3889745074"/>
+        <p14:creationId xmlns:p14="http://schemas.microsoft.com/office/powerpoint/2010/main" val="1552328335"/>
       </p:ext>
     </p:extLst>
   </p:cSld>
   <p:clrMapOvr>
     <a:masterClrMapping/>
   </p:clrMapOvr>
-  <p:transition spd="med"/>
   <p:timing>
     <p:tnLst>
       <p:par>
@@ -3316,6 +5422,74 @@
       </p:par>
     </p:tnLst>
   </p:timing>
+</p:sld>
+</file>
+
+<file path=ppt/slides/slide20.xml><?xml version="1.0" encoding="utf-8"?>
+<p:sld xmlns:a="http://schemas.openxmlformats.org/drawingml/2006/main" xmlns:r="http://schemas.openxmlformats.org/officeDocument/2006/relationships" xmlns:p="http://schemas.openxmlformats.org/presentationml/2006/main">
+  <p:cSld>
+    <p:spTree>
+      <p:nvGrpSpPr>
+        <p:cNvPr id="1" name=""/>
+        <p:cNvGrpSpPr/>
+        <p:nvPr/>
+      </p:nvGrpSpPr>
+      <p:grpSpPr>
+        <a:xfrm>
+          <a:off x="0" y="0"/>
+          <a:ext cx="0" cy="0"/>
+          <a:chOff x="0" y="0"/>
+          <a:chExt cx="0" cy="0"/>
+        </a:xfrm>
+      </p:grpSpPr>
+      <p:sp>
+        <p:nvSpPr>
+          <p:cNvPr id="2" name="标题 1"/>
+          <p:cNvSpPr>
+            <a:spLocks noGrp="1"/>
+          </p:cNvSpPr>
+          <p:nvPr>
+            <p:ph type="title"/>
+          </p:nvPr>
+        </p:nvSpPr>
+        <p:spPr/>
+        <p:txBody>
+          <a:bodyPr/>
+          <a:lstStyle/>
+          <a:p>
+            <a:endParaRPr lang="zh-CN" altLang="en-US"/>
+          </a:p>
+        </p:txBody>
+      </p:sp>
+      <p:sp>
+        <p:nvSpPr>
+          <p:cNvPr id="3" name="内容占位符 2"/>
+          <p:cNvSpPr>
+            <a:spLocks noGrp="1"/>
+          </p:cNvSpPr>
+          <p:nvPr>
+            <p:ph idx="1"/>
+          </p:nvPr>
+        </p:nvSpPr>
+        <p:spPr/>
+        <p:txBody>
+          <a:bodyPr/>
+          <a:lstStyle/>
+          <a:p>
+            <a:endParaRPr lang="zh-CN" altLang="en-US"/>
+          </a:p>
+        </p:txBody>
+      </p:sp>
+    </p:spTree>
+    <p:extLst>
+      <p:ext uri="{BB962C8B-B14F-4D97-AF65-F5344CB8AC3E}">
+        <p14:creationId xmlns:p14="http://schemas.microsoft.com/office/powerpoint/2010/main" val="2539271879"/>
+      </p:ext>
+    </p:extLst>
+  </p:cSld>
+  <p:clrMapOvr>
+    <a:masterClrMapping/>
+  </p:clrMapOvr>
 </p:sld>
 </file>
 
@@ -3353,7 +5527,7 @@
           <a:p>
             <a:r>
               <a:rPr lang="zh-CN" altLang="en-US" dirty="0" smtClean="0"/>
-              <a:t>目录</a:t>
+              <a:t>需求</a:t>
             </a:r>
             <a:endParaRPr lang="zh-CN" altLang="en-US" dirty="0"/>
           </a:p>
@@ -3376,7 +5550,412 @@
           <a:p>
             <a:r>
               <a:rPr lang="zh-CN" altLang="en-US" dirty="0" smtClean="0"/>
-              <a:t>解决方案</a:t>
+              <a:t>针对</a:t>
+            </a:r>
+            <a:r>
+              <a:rPr lang="zh-CN" altLang="en-US" dirty="0"/>
+              <a:t>百</a:t>
+            </a:r>
+            <a:r>
+              <a:rPr lang="en-US" altLang="zh-CN" dirty="0"/>
+              <a:t>G</a:t>
+            </a:r>
+            <a:r>
+              <a:rPr lang="zh-CN" altLang="en-US" dirty="0"/>
+              <a:t>级别</a:t>
+            </a:r>
+            <a:r>
+              <a:rPr lang="zh-CN" altLang="en-US" dirty="0" smtClean="0"/>
+              <a:t>订单信息，商品信息，买家信息，不得使用现有数据库代码，实现各种查询</a:t>
+            </a:r>
+            <a:endParaRPr lang="en-US" altLang="zh-CN" dirty="0" smtClean="0"/>
+          </a:p>
+          <a:p>
+            <a:r>
+              <a:rPr lang="zh-CN" altLang="en-US" dirty="0"/>
+              <a:t>提供交易</a:t>
+            </a:r>
+            <a:r>
+              <a:rPr lang="en-US" altLang="zh-CN" dirty="0"/>
+              <a:t>ID</a:t>
+            </a:r>
+            <a:r>
+              <a:rPr lang="zh-CN" altLang="en-US" dirty="0"/>
+              <a:t>，查询某次交易的某些</a:t>
+            </a:r>
+            <a:r>
+              <a:rPr lang="zh-CN" altLang="en-US" dirty="0" smtClean="0"/>
+              <a:t>属性</a:t>
+            </a:r>
+            <a:endParaRPr lang="en-US" altLang="zh-CN" dirty="0" smtClean="0"/>
+          </a:p>
+          <a:p>
+            <a:r>
+              <a:rPr lang="zh-CN" altLang="en-US" dirty="0"/>
+              <a:t>查询某位买家某个时间范围内的所有交易</a:t>
+            </a:r>
+            <a:r>
+              <a:rPr lang="zh-CN" altLang="en-US" dirty="0" smtClean="0"/>
+              <a:t>信息</a:t>
+            </a:r>
+            <a:endParaRPr lang="en-US" altLang="zh-CN" dirty="0" smtClean="0"/>
+          </a:p>
+          <a:p>
+            <a:r>
+              <a:rPr lang="zh-CN" altLang="en-US" dirty="0"/>
+              <a:t>查询某位买家某个时间范围内的所有交易</a:t>
+            </a:r>
+            <a:r>
+              <a:rPr lang="zh-CN" altLang="en-US" dirty="0" smtClean="0"/>
+              <a:t>信息</a:t>
+            </a:r>
+            <a:endParaRPr lang="en-US" altLang="zh-CN" dirty="0" smtClean="0"/>
+          </a:p>
+          <a:p>
+            <a:r>
+              <a:rPr lang="zh-CN" altLang="en-US" dirty="0"/>
+              <a:t>对某个商品的所有交易信息进行求和</a:t>
+            </a:r>
+            <a:endParaRPr lang="en-US" altLang="zh-CN" dirty="0" smtClean="0"/>
+          </a:p>
+        </p:txBody>
+      </p:sp>
+    </p:spTree>
+    <p:extLst>
+      <p:ext uri="{BB962C8B-B14F-4D97-AF65-F5344CB8AC3E}">
+        <p14:creationId xmlns:p14="http://schemas.microsoft.com/office/powerpoint/2010/main" val="1046471218"/>
+      </p:ext>
+    </p:extLst>
+  </p:cSld>
+  <p:clrMapOvr>
+    <a:masterClrMapping/>
+  </p:clrMapOvr>
+</p:sld>
+</file>
+
+<file path=ppt/slides/slide4.xml><?xml version="1.0" encoding="utf-8"?>
+<p:sld xmlns:a="http://schemas.openxmlformats.org/drawingml/2006/main" xmlns:r="http://schemas.openxmlformats.org/officeDocument/2006/relationships" xmlns:p="http://schemas.openxmlformats.org/presentationml/2006/main">
+  <p:cSld>
+    <p:spTree>
+      <p:nvGrpSpPr>
+        <p:cNvPr id="1" name=""/>
+        <p:cNvGrpSpPr/>
+        <p:nvPr/>
+      </p:nvGrpSpPr>
+      <p:grpSpPr>
+        <a:xfrm>
+          <a:off x="0" y="0"/>
+          <a:ext cx="0" cy="0"/>
+          <a:chOff x="0" y="0"/>
+          <a:chExt cx="0" cy="0"/>
+        </a:xfrm>
+      </p:grpSpPr>
+      <p:sp>
+        <p:nvSpPr>
+          <p:cNvPr id="2" name="标题 1"/>
+          <p:cNvSpPr>
+            <a:spLocks noGrp="1"/>
+          </p:cNvSpPr>
+          <p:nvPr>
+            <p:ph type="title"/>
+          </p:nvPr>
+        </p:nvSpPr>
+        <p:spPr/>
+        <p:txBody>
+          <a:bodyPr/>
+          <a:lstStyle/>
+          <a:p>
+            <a:r>
+              <a:rPr lang="zh-CN" altLang="en-US" dirty="0" smtClean="0"/>
+              <a:t>完成</a:t>
+            </a:r>
+            <a:endParaRPr lang="zh-CN" altLang="en-US" dirty="0"/>
+          </a:p>
+        </p:txBody>
+      </p:sp>
+      <p:sp>
+        <p:nvSpPr>
+          <p:cNvPr id="3" name="内容占位符 2"/>
+          <p:cNvSpPr>
+            <a:spLocks noGrp="1"/>
+          </p:cNvSpPr>
+          <p:nvPr>
+            <p:ph idx="1"/>
+          </p:nvPr>
+        </p:nvSpPr>
+        <p:spPr/>
+        <p:txBody>
+          <a:bodyPr/>
+          <a:lstStyle/>
+          <a:p>
+            <a:r>
+              <a:rPr lang="zh-CN" altLang="en-US" dirty="0" smtClean="0"/>
+              <a:t>索引构建</a:t>
+            </a:r>
+            <a:endParaRPr lang="en-US" altLang="zh-CN" dirty="0" smtClean="0"/>
+          </a:p>
+          <a:p>
+            <a:r>
+              <a:rPr lang="zh-CN" altLang="en-US" dirty="0" smtClean="0"/>
+              <a:t>单条记录查询</a:t>
+            </a:r>
+            <a:endParaRPr lang="en-US" altLang="zh-CN" dirty="0" smtClean="0"/>
+          </a:p>
+          <a:p>
+            <a:r>
+              <a:rPr lang="zh-CN" altLang="en-US" dirty="0" smtClean="0"/>
+              <a:t>范围查询</a:t>
+            </a:r>
+            <a:endParaRPr lang="en-US" altLang="zh-CN" dirty="0" smtClean="0"/>
+          </a:p>
+          <a:p>
+            <a:r>
+              <a:rPr lang="zh-CN" altLang="en-US" dirty="0" smtClean="0"/>
+              <a:t>查询排序</a:t>
+            </a:r>
+            <a:endParaRPr lang="en-US" altLang="zh-CN" dirty="0" smtClean="0"/>
+          </a:p>
+          <a:p>
+            <a:r>
+              <a:rPr lang="zh-CN" altLang="en-US" dirty="0" smtClean="0"/>
+              <a:t>查询求和</a:t>
+            </a:r>
+            <a:endParaRPr lang="en-US" altLang="zh-CN" dirty="0" smtClean="0"/>
+          </a:p>
+          <a:p>
+            <a:r>
+              <a:rPr lang="en-US" altLang="zh-CN" dirty="0" smtClean="0"/>
+              <a:t>join</a:t>
+            </a:r>
+            <a:r>
+              <a:rPr lang="zh-CN" altLang="en-US" dirty="0" smtClean="0"/>
+              <a:t>功能</a:t>
+            </a:r>
+            <a:endParaRPr lang="en-US" altLang="zh-CN" dirty="0" smtClean="0"/>
+          </a:p>
+          <a:p>
+            <a:r>
+              <a:rPr lang="zh-CN" altLang="en-US" dirty="0" smtClean="0"/>
+              <a:t>支持并发查询</a:t>
+            </a:r>
+            <a:endParaRPr lang="en-US" altLang="zh-CN" dirty="0" smtClean="0"/>
+          </a:p>
+        </p:txBody>
+      </p:sp>
+    </p:spTree>
+    <p:extLst>
+      <p:ext uri="{BB962C8B-B14F-4D97-AF65-F5344CB8AC3E}">
+        <p14:creationId xmlns:p14="http://schemas.microsoft.com/office/powerpoint/2010/main" val="2131054778"/>
+      </p:ext>
+    </p:extLst>
+  </p:cSld>
+  <p:clrMapOvr>
+    <a:masterClrMapping/>
+  </p:clrMapOvr>
+</p:sld>
+</file>
+
+<file path=ppt/slides/slide5.xml><?xml version="1.0" encoding="utf-8"?>
+<p:sld xmlns:a="http://schemas.openxmlformats.org/drawingml/2006/main" xmlns:r="http://schemas.openxmlformats.org/officeDocument/2006/relationships" xmlns:p="http://schemas.openxmlformats.org/presentationml/2006/main">
+  <p:cSld>
+    <p:spTree>
+      <p:nvGrpSpPr>
+        <p:cNvPr id="1" name=""/>
+        <p:cNvGrpSpPr/>
+        <p:nvPr/>
+      </p:nvGrpSpPr>
+      <p:grpSpPr>
+        <a:xfrm>
+          <a:off x="0" y="0"/>
+          <a:ext cx="0" cy="0"/>
+          <a:chOff x="0" y="0"/>
+          <a:chExt cx="0" cy="0"/>
+        </a:xfrm>
+      </p:grpSpPr>
+      <p:sp>
+        <p:nvSpPr>
+          <p:cNvPr id="2" name="标题 1"/>
+          <p:cNvSpPr>
+            <a:spLocks noGrp="1"/>
+          </p:cNvSpPr>
+          <p:nvPr>
+            <p:ph type="title"/>
+          </p:nvPr>
+        </p:nvSpPr>
+        <p:spPr/>
+        <p:txBody>
+          <a:bodyPr/>
+          <a:lstStyle/>
+          <a:p>
+            <a:r>
+              <a:rPr lang="zh-CN" altLang="en-US" dirty="0"/>
+              <a:t>结果</a:t>
+            </a:r>
+          </a:p>
+        </p:txBody>
+      </p:sp>
+      <p:sp>
+        <p:nvSpPr>
+          <p:cNvPr id="3" name="内容占位符 2"/>
+          <p:cNvSpPr>
+            <a:spLocks noGrp="1"/>
+          </p:cNvSpPr>
+          <p:nvPr>
+            <p:ph idx="1"/>
+          </p:nvPr>
+        </p:nvSpPr>
+        <p:spPr/>
+        <p:txBody>
+          <a:bodyPr/>
+          <a:lstStyle/>
+          <a:p>
+            <a:r>
+              <a:rPr lang="en-US" altLang="zh-CN" dirty="0" smtClean="0"/>
+              <a:t>1946</a:t>
+            </a:r>
+            <a:r>
+              <a:rPr lang="zh-CN" altLang="en-US" dirty="0" smtClean="0"/>
+              <a:t>支参赛队</a:t>
+            </a:r>
+            <a:endParaRPr lang="en-US" altLang="zh-CN" dirty="0" smtClean="0"/>
+          </a:p>
+          <a:p>
+            <a:r>
+              <a:rPr lang="zh-CN" altLang="en-US" dirty="0" smtClean="0"/>
+              <a:t>第</a:t>
+            </a:r>
+            <a:r>
+              <a:rPr lang="en-US" altLang="zh-CN" dirty="0" smtClean="0"/>
+              <a:t>7</a:t>
+            </a:r>
+            <a:r>
+              <a:rPr lang="zh-CN" altLang="en-US" dirty="0" smtClean="0"/>
+              <a:t>名</a:t>
+            </a:r>
+            <a:endParaRPr lang="en-US" altLang="zh-CN" dirty="0" smtClean="0"/>
+          </a:p>
+          <a:p>
+            <a:r>
+              <a:rPr lang="zh-CN" altLang="en-US" dirty="0" smtClean="0"/>
+              <a:t>最好成绩，建立索引</a:t>
+            </a:r>
+            <a:r>
+              <a:rPr lang="en-US" altLang="zh-CN" dirty="0" smtClean="0"/>
+              <a:t>2955122ms</a:t>
+            </a:r>
+            <a:r>
+              <a:rPr lang="zh-CN" altLang="en-US" dirty="0" smtClean="0"/>
+              <a:t>，一小时查询量</a:t>
+            </a:r>
+            <a:r>
+              <a:rPr lang="en-US" altLang="zh-CN" dirty="0" smtClean="0"/>
+              <a:t>181238</a:t>
+            </a:r>
+            <a:r>
+              <a:rPr lang="zh-CN" altLang="en-US" dirty="0" smtClean="0"/>
+              <a:t>次，平均响应时间</a:t>
+            </a:r>
+            <a:r>
+              <a:rPr lang="en-US" altLang="zh-CN" dirty="0" smtClean="0"/>
+              <a:t>19.86ms</a:t>
+            </a:r>
+          </a:p>
+        </p:txBody>
+      </p:sp>
+    </p:spTree>
+    <p:extLst>
+      <p:ext uri="{BB962C8B-B14F-4D97-AF65-F5344CB8AC3E}">
+        <p14:creationId xmlns:p14="http://schemas.microsoft.com/office/powerpoint/2010/main" val="3825600825"/>
+      </p:ext>
+    </p:extLst>
+  </p:cSld>
+  <p:clrMapOvr>
+    <a:masterClrMapping/>
+  </p:clrMapOvr>
+</p:sld>
+</file>
+
+<file path=ppt/slides/slide6.xml><?xml version="1.0" encoding="utf-8"?>
+<p:sld xmlns:a="http://schemas.openxmlformats.org/drawingml/2006/main" xmlns:r="http://schemas.openxmlformats.org/officeDocument/2006/relationships" xmlns:p="http://schemas.openxmlformats.org/presentationml/2006/main">
+  <p:cSld>
+    <p:spTree>
+      <p:nvGrpSpPr>
+        <p:cNvPr id="1" name=""/>
+        <p:cNvGrpSpPr/>
+        <p:nvPr/>
+      </p:nvGrpSpPr>
+      <p:grpSpPr>
+        <a:xfrm>
+          <a:off x="0" y="0"/>
+          <a:ext cx="0" cy="0"/>
+          <a:chOff x="0" y="0"/>
+          <a:chExt cx="0" cy="0"/>
+        </a:xfrm>
+      </p:grpSpPr>
+      <p:sp>
+        <p:nvSpPr>
+          <p:cNvPr id="2" name="标题 1"/>
+          <p:cNvSpPr>
+            <a:spLocks noGrp="1"/>
+          </p:cNvSpPr>
+          <p:nvPr>
+            <p:ph type="title"/>
+          </p:nvPr>
+        </p:nvSpPr>
+        <p:spPr/>
+        <p:txBody>
+          <a:bodyPr/>
+          <a:lstStyle/>
+          <a:p>
+            <a:r>
+              <a:rPr lang="zh-CN" altLang="en-US" dirty="0" smtClean="0"/>
+              <a:t>目录</a:t>
+            </a:r>
+            <a:endParaRPr lang="zh-CN" altLang="en-US" dirty="0"/>
+          </a:p>
+        </p:txBody>
+      </p:sp>
+      <p:sp>
+        <p:nvSpPr>
+          <p:cNvPr id="3" name="内容占位符 2"/>
+          <p:cNvSpPr>
+            <a:spLocks noGrp="1"/>
+          </p:cNvSpPr>
+          <p:nvPr>
+            <p:ph idx="1"/>
+          </p:nvPr>
+        </p:nvSpPr>
+        <p:spPr/>
+        <p:txBody>
+          <a:bodyPr/>
+          <a:lstStyle/>
+          <a:p>
+            <a:r>
+              <a:rPr lang="zh-CN" altLang="en-US" dirty="0" smtClean="0">
+                <a:solidFill>
+                  <a:schemeClr val="bg1">
+                    <a:lumMod val="75000"/>
+                  </a:schemeClr>
+                </a:solidFill>
+              </a:rPr>
+              <a:t>概述</a:t>
+            </a:r>
+            <a:endParaRPr lang="en-US" altLang="zh-CN" dirty="0" smtClean="0">
+              <a:solidFill>
+                <a:schemeClr val="bg1">
+                  <a:lumMod val="75000"/>
+                </a:schemeClr>
+              </a:solidFill>
+            </a:endParaRPr>
+          </a:p>
+          <a:p>
+            <a:r>
+              <a:rPr lang="zh-CN" altLang="en-US" dirty="0" smtClean="0"/>
+              <a:t>解决</a:t>
+            </a:r>
+            <a:r>
+              <a:rPr lang="zh-CN" altLang="en-US" dirty="0" smtClean="0"/>
+              <a:t>方案</a:t>
             </a:r>
             <a:endParaRPr lang="en-US" altLang="zh-CN" dirty="0" smtClean="0"/>
           </a:p>
@@ -3391,6 +5970,56 @@
               </a:rPr>
               <a:t>改进过程</a:t>
             </a:r>
+            <a:endParaRPr lang="en-US" altLang="zh-CN" dirty="0" smtClean="0">
+              <a:solidFill>
+                <a:schemeClr val="bg1">
+                  <a:lumMod val="75000"/>
+                </a:schemeClr>
+              </a:solidFill>
+            </a:endParaRPr>
+          </a:p>
+          <a:p>
+            <a:r>
+              <a:rPr lang="zh-CN" altLang="en-US" dirty="0" smtClean="0">
+                <a:solidFill>
+                  <a:schemeClr val="bg1">
+                    <a:lumMod val="75000"/>
+                  </a:schemeClr>
+                </a:solidFill>
+              </a:rPr>
+              <a:t>难点</a:t>
+            </a:r>
+            <a:r>
+              <a:rPr lang="zh-CN" altLang="en-US" dirty="0" smtClean="0">
+                <a:solidFill>
+                  <a:schemeClr val="bg1">
+                    <a:lumMod val="75000"/>
+                  </a:schemeClr>
+                </a:solidFill>
+              </a:rPr>
+              <a:t>解决</a:t>
+            </a:r>
+            <a:endParaRPr lang="en-US" altLang="zh-CN" dirty="0" smtClean="0">
+              <a:solidFill>
+                <a:schemeClr val="bg1">
+                  <a:lumMod val="75000"/>
+                </a:schemeClr>
+              </a:solidFill>
+            </a:endParaRPr>
+          </a:p>
+          <a:p>
+            <a:r>
+              <a:rPr lang="zh-CN" altLang="en-US" dirty="0">
+                <a:solidFill>
+                  <a:schemeClr val="bg1">
+                    <a:lumMod val="75000"/>
+                  </a:schemeClr>
+                </a:solidFill>
+              </a:rPr>
+              <a:t>亮点展示</a:t>
+            </a:r>
+          </a:p>
+          <a:p>
             <a:endParaRPr lang="zh-CN" altLang="en-US" dirty="0">
               <a:solidFill>
                 <a:schemeClr val="bg1">
@@ -3421,7 +6050,7 @@
 </p:sld>
 </file>
 
-<file path=ppt/slides/slide4.xml><?xml version="1.0" encoding="utf-8"?>
+<file path=ppt/slides/slide7.xml><?xml version="1.0" encoding="utf-8"?>
 <p:sld xmlns:a="http://schemas.openxmlformats.org/drawingml/2006/main" xmlns:r="http://schemas.openxmlformats.org/officeDocument/2006/relationships" xmlns:p="http://schemas.openxmlformats.org/presentationml/2006/main">
   <p:cSld>
     <p:spTree>
@@ -4338,7 +6967,7 @@
 </p:sld>
 </file>
 
-<file path=ppt/slides/slide5.xml><?xml version="1.0" encoding="utf-8"?>
+<file path=ppt/slides/slide8.xml><?xml version="1.0" encoding="utf-8"?>
 <p:sld xmlns:a="http://schemas.openxmlformats.org/drawingml/2006/main" xmlns:r="http://schemas.openxmlformats.org/officeDocument/2006/relationships" xmlns:p="http://schemas.openxmlformats.org/presentationml/2006/main">
   <p:cSld>
     <p:spTree>
@@ -4858,7 +7487,7 @@
 </p:sld>
 </file>
 
-<file path=ppt/slides/slide6.xml><?xml version="1.0" encoding="utf-8"?>
+<file path=ppt/slides/slide9.xml><?xml version="1.0" encoding="utf-8"?>
 <p:sld xmlns:a="http://schemas.openxmlformats.org/drawingml/2006/main" xmlns:r="http://schemas.openxmlformats.org/officeDocument/2006/relationships" xmlns:p="http://schemas.openxmlformats.org/presentationml/2006/main">
   <p:cSld>
     <p:spTree>
@@ -4923,6 +7552,29 @@
             </a:r>
             <a:r>
               <a:rPr lang="en-US" altLang="zh-CN" dirty="0" smtClean="0"/>
+              <a:t>o2o</a:t>
+            </a:r>
+            <a:r>
+              <a:rPr lang="zh-CN" altLang="en-US" dirty="0" smtClean="0"/>
+              <a:t>，</a:t>
+            </a:r>
+            <a:r>
+              <a:rPr lang="en-US" altLang="zh-CN" dirty="0" smtClean="0"/>
+              <a:t>g2g</a:t>
+            </a:r>
+            <a:r>
+              <a:rPr lang="zh-CN" altLang="en-US" dirty="0" smtClean="0"/>
+              <a:t>，</a:t>
+            </a:r>
+            <a:r>
+              <a:rPr lang="en-US" altLang="zh-CN" dirty="0" smtClean="0"/>
+              <a:t>b2b</a:t>
+            </a:r>
+            <a:endParaRPr lang="en-US" altLang="zh-CN" dirty="0"/>
+          </a:p>
+          <a:p>
+            <a:r>
+              <a:rPr lang="en-US" altLang="zh-CN" dirty="0" smtClean="0"/>
               <a:t>2</a:t>
             </a:r>
             <a:r>
@@ -4935,9 +7587,20 @@
             </a:r>
             <a:r>
               <a:rPr lang="zh-CN" altLang="en-US" dirty="0" smtClean="0"/>
-              <a:t>对多的索引</a:t>
-            </a:r>
-            <a:endParaRPr lang="en-US" altLang="zh-CN" dirty="0" smtClean="0"/>
+              <a:t>对多的索引，</a:t>
+            </a:r>
+            <a:r>
+              <a:rPr lang="en-US" altLang="zh-CN" dirty="0" smtClean="0"/>
+              <a:t>g2o</a:t>
+            </a:r>
+            <a:r>
+              <a:rPr lang="zh-CN" altLang="en-US" dirty="0" smtClean="0"/>
+              <a:t>，</a:t>
+            </a:r>
+            <a:r>
+              <a:rPr lang="en-US" altLang="zh-CN" dirty="0" smtClean="0"/>
+              <a:t>b2o</a:t>
+            </a:r>
           </a:p>
           <a:p>
             <a:r>
@@ -5450,368 +8113,6 @@
 </p:sld>
 </file>
 
-<file path=ppt/slides/slide7.xml><?xml version="1.0" encoding="utf-8"?>
-<p:sld xmlns:a="http://schemas.openxmlformats.org/drawingml/2006/main" xmlns:r="http://schemas.openxmlformats.org/officeDocument/2006/relationships" xmlns:p="http://schemas.openxmlformats.org/presentationml/2006/main">
-  <p:cSld>
-    <p:spTree>
-      <p:nvGrpSpPr>
-        <p:cNvPr id="1" name=""/>
-        <p:cNvGrpSpPr/>
-        <p:nvPr/>
-      </p:nvGrpSpPr>
-      <p:grpSpPr>
-        <a:xfrm>
-          <a:off x="0" y="0"/>
-          <a:ext cx="0" cy="0"/>
-          <a:chOff x="0" y="0"/>
-          <a:chExt cx="0" cy="0"/>
-        </a:xfrm>
-      </p:grpSpPr>
-      <p:sp>
-        <p:nvSpPr>
-          <p:cNvPr id="2" name="标题 1"/>
-          <p:cNvSpPr>
-            <a:spLocks noGrp="1"/>
-          </p:cNvSpPr>
-          <p:nvPr>
-            <p:ph type="title"/>
-          </p:nvPr>
-        </p:nvSpPr>
-        <p:spPr/>
-        <p:txBody>
-          <a:bodyPr/>
-          <a:lstStyle/>
-          <a:p>
-            <a:r>
-              <a:rPr lang="zh-CN" altLang="en-US" dirty="0" smtClean="0"/>
-              <a:t>索引设计</a:t>
-            </a:r>
-            <a:r>
-              <a:rPr lang="en-US" altLang="zh-CN" dirty="0" smtClean="0"/>
-              <a:t>-</a:t>
-            </a:r>
-            <a:r>
-              <a:rPr lang="zh-CN" altLang="en-US" dirty="0" smtClean="0"/>
-              <a:t>原则</a:t>
-            </a:r>
-            <a:endParaRPr lang="zh-CN" altLang="en-US" dirty="0"/>
-          </a:p>
-        </p:txBody>
-      </p:sp>
-      <p:sp>
-        <p:nvSpPr>
-          <p:cNvPr id="3" name="内容占位符 2"/>
-          <p:cNvSpPr>
-            <a:spLocks noGrp="1"/>
-          </p:cNvSpPr>
-          <p:nvPr>
-            <p:ph idx="1"/>
-          </p:nvPr>
-        </p:nvSpPr>
-        <p:spPr/>
-        <p:txBody>
-          <a:bodyPr/>
-          <a:lstStyle/>
-          <a:p>
-            <a:r>
-              <a:rPr lang="zh-CN" altLang="en-US" dirty="0" smtClean="0"/>
-              <a:t>单个磁盘顺序</a:t>
-            </a:r>
-            <a:r>
-              <a:rPr lang="zh-CN" altLang="en-US" dirty="0" smtClean="0"/>
-              <a:t>访问</a:t>
-            </a:r>
-            <a:endParaRPr lang="en-US" altLang="zh-CN" dirty="0" smtClean="0"/>
-          </a:p>
-          <a:p>
-            <a:pPr lvl="1"/>
-            <a:r>
-              <a:rPr lang="zh-CN" altLang="en-US" dirty="0"/>
-              <a:t>试</a:t>
-            </a:r>
-            <a:r>
-              <a:rPr lang="zh-CN" altLang="en-US" dirty="0" smtClean="0"/>
-              <a:t>跑数据索引随机写磁盘，十几分钟</a:t>
-            </a:r>
-            <a:endParaRPr lang="en-US" altLang="zh-CN" dirty="0" smtClean="0"/>
-          </a:p>
-          <a:p>
-            <a:r>
-              <a:rPr lang="zh-CN" altLang="en-US" dirty="0" smtClean="0"/>
-              <a:t>只用</a:t>
-            </a:r>
-            <a:r>
-              <a:rPr lang="en-US" altLang="zh-CN" dirty="0" smtClean="0"/>
-              <a:t>byte</a:t>
-            </a:r>
-            <a:r>
-              <a:rPr lang="zh-CN" altLang="en-US" dirty="0" smtClean="0"/>
-              <a:t>数组</a:t>
-            </a:r>
-            <a:r>
-              <a:rPr lang="zh-CN" altLang="en-US" dirty="0" smtClean="0"/>
-              <a:t>存储</a:t>
-            </a:r>
-            <a:endParaRPr lang="en-US" altLang="zh-CN" dirty="0"/>
-          </a:p>
-          <a:p>
-            <a:pPr lvl="1"/>
-            <a:r>
-              <a:rPr lang="zh-CN" altLang="en-US" dirty="0" smtClean="0"/>
-              <a:t>两张小表索引，</a:t>
-            </a:r>
-            <a:r>
-              <a:rPr lang="en-US" altLang="zh-CN" dirty="0" err="1" smtClean="0"/>
-              <a:t>HashMap</a:t>
-            </a:r>
-            <a:r>
-              <a:rPr lang="zh-CN" altLang="en-US" dirty="0" smtClean="0"/>
-              <a:t>，</a:t>
-            </a:r>
-            <a:r>
-              <a:rPr lang="en-US" altLang="zh-CN" dirty="0" smtClean="0"/>
-              <a:t>2G</a:t>
-            </a:r>
-            <a:r>
-              <a:rPr lang="zh-CN" altLang="en-US" dirty="0" smtClean="0"/>
-              <a:t>，自己实现，</a:t>
-            </a:r>
-            <a:r>
-              <a:rPr lang="en-US" altLang="zh-CN" dirty="0" smtClean="0"/>
-              <a:t>500M</a:t>
-            </a:r>
-            <a:endParaRPr lang="en-US" altLang="zh-CN" dirty="0"/>
-          </a:p>
-          <a:p>
-            <a:r>
-              <a:rPr lang="zh-CN" altLang="en-US" dirty="0"/>
-              <a:t>压缩</a:t>
-            </a:r>
-            <a:r>
-              <a:rPr lang="zh-CN" altLang="en-US" dirty="0" smtClean="0"/>
-              <a:t>索引</a:t>
-            </a:r>
-            <a:r>
-              <a:rPr lang="zh-CN" altLang="en-US" dirty="0" smtClean="0"/>
-              <a:t>大小</a:t>
-            </a:r>
-            <a:endParaRPr lang="en-US" altLang="zh-CN" dirty="0" smtClean="0"/>
-          </a:p>
-          <a:p>
-            <a:pPr lvl="1"/>
-            <a:r>
-              <a:rPr lang="zh-CN" altLang="en-US" dirty="0" smtClean="0"/>
-              <a:t>根据数据特点，减少无用的</a:t>
-            </a:r>
-            <a:r>
-              <a:rPr lang="en-US" altLang="zh-CN" dirty="0" smtClean="0"/>
-              <a:t>byte</a:t>
-            </a:r>
-            <a:r>
-              <a:rPr lang="zh-CN" altLang="en-US" dirty="0" smtClean="0"/>
-              <a:t>消耗</a:t>
-            </a:r>
-            <a:endParaRPr lang="zh-CN" altLang="en-US" dirty="0"/>
-          </a:p>
-        </p:txBody>
-      </p:sp>
-    </p:spTree>
-    <p:extLst>
-      <p:ext uri="{BB962C8B-B14F-4D97-AF65-F5344CB8AC3E}">
-        <p14:creationId xmlns:p14="http://schemas.microsoft.com/office/powerpoint/2010/main" val="3585663968"/>
-      </p:ext>
-    </p:extLst>
-  </p:cSld>
-  <p:clrMapOvr>
-    <a:masterClrMapping/>
-  </p:clrMapOvr>
-  <p:timing>
-    <p:tnLst>
-      <p:par>
-        <p:cTn id="1" dur="indefinite" restart="never" nodeType="tmRoot"/>
-      </p:par>
-    </p:tnLst>
-  </p:timing>
-</p:sld>
-</file>
-
-<file path=ppt/slides/slide8.xml><?xml version="1.0" encoding="utf-8"?>
-<p:sld xmlns:a="http://schemas.openxmlformats.org/drawingml/2006/main" xmlns:r="http://schemas.openxmlformats.org/officeDocument/2006/relationships" xmlns:p="http://schemas.openxmlformats.org/presentationml/2006/main">
-  <p:cSld>
-    <p:spTree>
-      <p:nvGrpSpPr>
-        <p:cNvPr id="1" name=""/>
-        <p:cNvGrpSpPr/>
-        <p:nvPr/>
-      </p:nvGrpSpPr>
-      <p:grpSpPr>
-        <a:xfrm>
-          <a:off x="0" y="0"/>
-          <a:ext cx="0" cy="0"/>
-          <a:chOff x="0" y="0"/>
-          <a:chExt cx="0" cy="0"/>
-        </a:xfrm>
-      </p:grpSpPr>
-      <p:sp>
-        <p:nvSpPr>
-          <p:cNvPr id="2" name="标题 1"/>
-          <p:cNvSpPr>
-            <a:spLocks noGrp="1"/>
-          </p:cNvSpPr>
-          <p:nvPr>
-            <p:ph type="title"/>
-          </p:nvPr>
-        </p:nvSpPr>
-        <p:spPr/>
-        <p:txBody>
-          <a:bodyPr/>
-          <a:lstStyle/>
-          <a:p>
-            <a:r>
-              <a:rPr lang="zh-CN" altLang="en-US" dirty="0" smtClean="0"/>
-              <a:t>目录</a:t>
-            </a:r>
-            <a:endParaRPr lang="zh-CN" altLang="en-US" dirty="0"/>
-          </a:p>
-        </p:txBody>
-      </p:sp>
-      <p:sp>
-        <p:nvSpPr>
-          <p:cNvPr id="3" name="内容占位符 2"/>
-          <p:cNvSpPr>
-            <a:spLocks noGrp="1"/>
-          </p:cNvSpPr>
-          <p:nvPr>
-            <p:ph idx="1"/>
-          </p:nvPr>
-        </p:nvSpPr>
-        <p:spPr/>
-        <p:txBody>
-          <a:bodyPr/>
-          <a:lstStyle/>
-          <a:p>
-            <a:r>
-              <a:rPr lang="zh-CN" altLang="en-US" dirty="0" smtClean="0">
-                <a:solidFill>
-                  <a:schemeClr val="bg1">
-                    <a:lumMod val="75000"/>
-                  </a:schemeClr>
-                </a:solidFill>
-              </a:rPr>
-              <a:t>解决方案</a:t>
-            </a:r>
-            <a:endParaRPr lang="en-US" altLang="zh-CN" dirty="0" smtClean="0">
-              <a:solidFill>
-                <a:schemeClr val="bg1">
-                  <a:lumMod val="75000"/>
-                </a:schemeClr>
-              </a:solidFill>
-            </a:endParaRPr>
-          </a:p>
-          <a:p>
-            <a:r>
-              <a:rPr lang="zh-CN" altLang="en-US" dirty="0" smtClean="0"/>
-              <a:t>改进过程</a:t>
-            </a:r>
-            <a:endParaRPr lang="zh-CN" altLang="en-US" dirty="0"/>
-          </a:p>
-        </p:txBody>
-      </p:sp>
-    </p:spTree>
-    <p:extLst>
-      <p:ext uri="{BB962C8B-B14F-4D97-AF65-F5344CB8AC3E}">
-        <p14:creationId xmlns:p14="http://schemas.microsoft.com/office/powerpoint/2010/main" val="3571157570"/>
-      </p:ext>
-    </p:extLst>
-  </p:cSld>
-  <p:clrMapOvr>
-    <a:masterClrMapping/>
-  </p:clrMapOvr>
-  <p:timing>
-    <p:tnLst>
-      <p:par>
-        <p:cTn id="1" dur="indefinite" restart="never" nodeType="tmRoot"/>
-      </p:par>
-    </p:tnLst>
-  </p:timing>
-</p:sld>
-</file>
-
-<file path=ppt/slides/slide9.xml><?xml version="1.0" encoding="utf-8"?>
-<p:sld xmlns:a="http://schemas.openxmlformats.org/drawingml/2006/main" xmlns:r="http://schemas.openxmlformats.org/officeDocument/2006/relationships" xmlns:p="http://schemas.openxmlformats.org/presentationml/2006/main">
-  <p:cSld>
-    <p:spTree>
-      <p:nvGrpSpPr>
-        <p:cNvPr id="1" name=""/>
-        <p:cNvGrpSpPr/>
-        <p:nvPr/>
-      </p:nvGrpSpPr>
-      <p:grpSpPr>
-        <a:xfrm>
-          <a:off x="0" y="0"/>
-          <a:ext cx="0" cy="0"/>
-          <a:chOff x="0" y="0"/>
-          <a:chExt cx="0" cy="0"/>
-        </a:xfrm>
-      </p:grpSpPr>
-      <p:sp>
-        <p:nvSpPr>
-          <p:cNvPr id="2" name="标题 1"/>
-          <p:cNvSpPr>
-            <a:spLocks noGrp="1"/>
-          </p:cNvSpPr>
-          <p:nvPr>
-            <p:ph type="title"/>
-          </p:nvPr>
-        </p:nvSpPr>
-        <p:spPr/>
-        <p:txBody>
-          <a:bodyPr/>
-          <a:lstStyle/>
-          <a:p>
-            <a:endParaRPr lang="zh-CN" altLang="en-US"/>
-          </a:p>
-        </p:txBody>
-      </p:sp>
-      <p:sp>
-        <p:nvSpPr>
-          <p:cNvPr id="3" name="内容占位符 2"/>
-          <p:cNvSpPr>
-            <a:spLocks noGrp="1"/>
-          </p:cNvSpPr>
-          <p:nvPr>
-            <p:ph idx="1"/>
-          </p:nvPr>
-        </p:nvSpPr>
-        <p:spPr/>
-        <p:txBody>
-          <a:bodyPr/>
-          <a:lstStyle/>
-          <a:p>
-            <a:endParaRPr lang="zh-CN" altLang="en-US"/>
-          </a:p>
-        </p:txBody>
-      </p:sp>
-    </p:spTree>
-    <p:extLst>
-      <p:ext uri="{BB962C8B-B14F-4D97-AF65-F5344CB8AC3E}">
-        <p14:creationId xmlns:p14="http://schemas.microsoft.com/office/powerpoint/2010/main" val="3670459859"/>
-      </p:ext>
-    </p:extLst>
-  </p:cSld>
-  <p:clrMapOvr>
-    <a:masterClrMapping/>
-  </p:clrMapOvr>
-  <p:timing>
-    <p:tnLst>
-      <p:par>
-        <p:cTn id="1" dur="indefinite" restart="never" nodeType="tmRoot"/>
-      </p:par>
-    </p:tnLst>
-  </p:timing>
-</p:sld>
-</file>
-
 <file path=ppt/theme/theme1.xml><?xml version="1.0" encoding="utf-8"?>
 <a:theme xmlns:a="http://schemas.openxmlformats.org/drawingml/2006/main" name="Office 主题">
   <a:themeElements>

--- a/doc/中间件答辩yfy.pptx
+++ b/doc/中间件答辩yfy.pptx
@@ -24,7 +24,7 @@
     <p:sldId id="270" r:id="rId18"/>
     <p:sldId id="273" r:id="rId19"/>
     <p:sldId id="274" r:id="rId20"/>
-    <p:sldId id="277" r:id="rId21"/>
+    <p:sldId id="278" r:id="rId21"/>
   </p:sldIdLst>
   <p:sldSz cx="9144000" cy="6858000" type="screen4x3"/>
   <p:notesSz cx="6858000" cy="9144000"/>
@@ -125,7 +125,7 @@
   </p:defaultTextStyle>
   <p:extLst>
     <p:ext uri="{EFAFB233-063F-42B5-8137-9DF3F51BA10A}">
-      <p15:sldGuideLst xmlns:p15="http://schemas.microsoft.com/office/powerpoint/2012/main">
+      <p15:sldGuideLst xmlns:p15="http://schemas.microsoft.com/office/powerpoint/2012/main" xmlns="">
         <p15:guide id="1" orient="horz" pos="2160">
           <p15:clr>
             <a:srgbClr val="A4A3A4"/>
@@ -3185,7 +3185,7 @@
           </a:ln>
           <a:extLst>
             <a:ext uri="{C572A759-6A51-4108-AA02-DFA0A04FC94B}">
-              <ma14:wrappingTextBoxFlag xmlns="" xmlns:ma14="http://schemas.microsoft.com/office/mac/drawingml/2011/main" val="1"/>
+              <ma14:wrappingTextBoxFlag xmlns:ma14="http://schemas.microsoft.com/office/mac/drawingml/2011/main" xmlns="" val="1"/>
             </a:ext>
           </a:extLst>
         </p:spPr>
@@ -3252,8 +3252,8 @@
         </p:nvSpPr>
         <p:spPr>
           <a:xfrm>
-            <a:off x="2552008" y="2593574"/>
-            <a:ext cx="4039985" cy="646331"/>
+            <a:off x="2552008" y="2519143"/>
+            <a:ext cx="4039985" cy="707886"/>
           </a:xfrm>
           <a:prstGeom prst="rect">
             <a:avLst/>
@@ -3268,7 +3268,7 @@
           <a:p>
             <a:pPr algn="ctr"/>
             <a:r>
-              <a:rPr lang="zh-CN" altLang="en-US" dirty="0">
+              <a:rPr lang="zh-CN" altLang="en-US" sz="2000" dirty="0">
                 <a:solidFill>
                   <a:schemeClr val="bg2"/>
                 </a:solidFill>
@@ -3277,7 +3277,7 @@
               <a:t>队</a:t>
             </a:r>
             <a:r>
-              <a:rPr lang="zh-CN" altLang="en-US" dirty="0" smtClean="0">
+              <a:rPr lang="zh-CN" altLang="en-US" sz="2000" dirty="0" smtClean="0">
                 <a:solidFill>
                   <a:schemeClr val="bg2"/>
                 </a:solidFill>
@@ -3286,7 +3286,7 @@
               <a:t>名：</a:t>
             </a:r>
             <a:r>
-              <a:rPr lang="en-US" altLang="zh-CN" dirty="0" err="1" smtClean="0">
+              <a:rPr lang="en-US" altLang="zh-CN" sz="2000" dirty="0" err="1" smtClean="0">
                 <a:solidFill>
                   <a:schemeClr val="bg2"/>
                 </a:solidFill>
@@ -3295,7 +3295,7 @@
               <a:t>yfy</a:t>
             </a:r>
             <a:r>
-              <a:rPr lang="en-US" altLang="zh-CN" dirty="0" smtClean="0">
+              <a:rPr lang="en-US" altLang="zh-CN" sz="2000" dirty="0" smtClean="0">
                 <a:solidFill>
                   <a:schemeClr val="bg2"/>
                 </a:solidFill>
@@ -3304,7 +3304,7 @@
               <a:t>    </a:t>
             </a:r>
             <a:r>
-              <a:rPr lang="zh-CN" altLang="en-US" dirty="0" smtClean="0">
+              <a:rPr lang="zh-CN" altLang="en-US" sz="2000" dirty="0" smtClean="0">
                 <a:solidFill>
                   <a:schemeClr val="bg2"/>
                 </a:solidFill>
@@ -3312,7 +3312,7 @@
               </a:rPr>
               <a:t>成员：俞飞樾</a:t>
             </a:r>
-            <a:endParaRPr lang="en-US" altLang="zh-CN" dirty="0" smtClean="0">
+            <a:endParaRPr lang="en-US" altLang="zh-CN" sz="2000" dirty="0" smtClean="0">
               <a:solidFill>
                 <a:schemeClr val="bg2"/>
               </a:solidFill>
@@ -3322,7 +3322,7 @@
           <a:p>
             <a:pPr algn="ctr"/>
             <a:r>
-              <a:rPr lang="en-US" altLang="zh-CN" dirty="0" smtClean="0">
+              <a:rPr lang="en-US" altLang="zh-CN" sz="2000" dirty="0" smtClean="0">
                 <a:solidFill>
                   <a:schemeClr val="bg2"/>
                 </a:solidFill>
@@ -3330,7 +3330,7 @@
               </a:rPr>
               <a:t>2016.8</a:t>
             </a:r>
-            <a:endParaRPr lang="zh-CN" altLang="en-US" dirty="0">
+            <a:endParaRPr lang="zh-CN" altLang="en-US" sz="2000" dirty="0">
               <a:solidFill>
                 <a:schemeClr val="bg2"/>
               </a:solidFill>
@@ -3460,11 +3460,7 @@
             </a:r>
             <a:r>
               <a:rPr lang="zh-CN" altLang="en-US" dirty="0" smtClean="0"/>
-              <a:t>表和买家表索引</a:t>
-            </a:r>
-            <a:r>
-              <a:rPr lang="zh-CN" altLang="en-US" dirty="0" smtClean="0"/>
-              <a:t>，</a:t>
+              <a:t>表和买家表索引，</a:t>
             </a:r>
             <a:r>
               <a:rPr lang="en-US" altLang="zh-CN" dirty="0" err="1" smtClean="0"/>
@@ -3940,17 +3936,7 @@
                   </a:schemeClr>
                 </a:solidFill>
               </a:rPr>
-              <a:t>解决</a:t>
-            </a:r>
-            <a:r>
-              <a:rPr lang="zh-CN" altLang="en-US" dirty="0" smtClean="0">
-                <a:solidFill>
-                  <a:schemeClr val="bg1">
-                    <a:lumMod val="75000"/>
-                  </a:schemeClr>
-                </a:solidFill>
-              </a:rPr>
-              <a:t>方案</a:t>
+              <a:t>解决方案</a:t>
             </a:r>
             <a:endParaRPr lang="en-US" altLang="zh-CN" dirty="0" smtClean="0">
               <a:solidFill>
@@ -4113,15 +4099,39 @@
             </a:r>
             <a:r>
               <a:rPr lang="zh-CN" altLang="en-US" dirty="0" smtClean="0"/>
-              <a:t>可以不拆分，需多次读</a:t>
-            </a:r>
-            <a:r>
-              <a:rPr lang="en-US" altLang="zh-CN" dirty="0" smtClean="0"/>
-              <a:t>order</a:t>
-            </a:r>
-            <a:r>
-              <a:rPr lang="zh-CN" altLang="en-US" dirty="0" smtClean="0"/>
-              <a:t>表，需牺牲查询平均访问次数，溢出桶增加</a:t>
+              <a:t>可以不拆分</a:t>
+            </a:r>
+            <a:r>
+              <a:rPr lang="zh-CN" altLang="en-US" dirty="0" smtClean="0"/>
+              <a:t>，但需</a:t>
+            </a:r>
+            <a:r>
+              <a:rPr lang="zh-CN" altLang="en-US" dirty="0" smtClean="0"/>
+              <a:t>多次</a:t>
+            </a:r>
+            <a:r>
+              <a:rPr lang="zh-CN" altLang="en-US" dirty="0" smtClean="0"/>
+              <a:t>读</a:t>
+            </a:r>
+            <a:r>
+              <a:rPr lang="zh-CN" altLang="en-US" dirty="0"/>
+              <a:t>订单</a:t>
+            </a:r>
+            <a:r>
+              <a:rPr lang="zh-CN" altLang="en-US" dirty="0" smtClean="0"/>
+              <a:t>表</a:t>
+            </a:r>
+            <a:r>
+              <a:rPr lang="zh-CN" altLang="en-US" dirty="0" smtClean="0"/>
+              <a:t>，需牺牲查询平均访问次数</a:t>
+            </a:r>
+            <a:r>
+              <a:rPr lang="zh-CN" altLang="en-US" dirty="0" smtClean="0"/>
+              <a:t>，提高载入率，溢出</a:t>
+            </a:r>
+            <a:r>
+              <a:rPr lang="zh-CN" altLang="en-US" dirty="0" smtClean="0"/>
+              <a:t>桶增加</a:t>
             </a:r>
             <a:endParaRPr lang="en-US" altLang="zh-CN" dirty="0" smtClean="0"/>
           </a:p>
@@ -4302,11 +4312,15 @@
           <a:p>
             <a:r>
               <a:rPr lang="zh-CN" altLang="en-US" dirty="0" smtClean="0"/>
-              <a:t>实现存在冗余操作，兼容之前的接口，实现</a:t>
-            </a:r>
-            <a:r>
-              <a:rPr lang="zh-CN" altLang="en-US" dirty="0" smtClean="0"/>
-              <a:t>简单，提升不大的可能因素</a:t>
+              <a:t>实现并不完整，粗略实现存在</a:t>
+            </a:r>
+            <a:r>
+              <a:rPr lang="zh-CN" altLang="en-US" dirty="0" smtClean="0"/>
+              <a:t>冗余</a:t>
+            </a:r>
+            <a:r>
+              <a:rPr lang="zh-CN" altLang="en-US" dirty="0" smtClean="0"/>
+              <a:t>操作，提升不理想</a:t>
             </a:r>
             <a:endParaRPr lang="en-US" altLang="zh-CN" dirty="0" smtClean="0"/>
           </a:p>
@@ -4582,17 +4596,7 @@
                   </a:schemeClr>
                 </a:solidFill>
               </a:rPr>
-              <a:t>解决</a:t>
-            </a:r>
-            <a:r>
-              <a:rPr lang="zh-CN" altLang="en-US" dirty="0" smtClean="0">
-                <a:solidFill>
-                  <a:schemeClr val="bg1">
-                    <a:lumMod val="75000"/>
-                  </a:schemeClr>
-                </a:solidFill>
-              </a:rPr>
-              <a:t>方案</a:t>
+              <a:t>解决方案</a:t>
             </a:r>
             <a:endParaRPr lang="en-US" altLang="zh-CN" dirty="0" smtClean="0">
               <a:solidFill>
@@ -4775,7 +4779,15 @@
             </a:r>
             <a:r>
               <a:rPr lang="zh-CN" altLang="en-US" dirty="0" smtClean="0"/>
-              <a:t>测试，发现大文件速度慢</a:t>
+              <a:t>测试</a:t>
+            </a:r>
+            <a:r>
+              <a:rPr lang="zh-CN" altLang="en-US" dirty="0" smtClean="0"/>
+              <a:t>，大</a:t>
+            </a:r>
+            <a:r>
+              <a:rPr lang="zh-CN" altLang="en-US" dirty="0" smtClean="0"/>
+              <a:t>文件速度慢</a:t>
             </a:r>
             <a:endParaRPr lang="en-US" altLang="zh-CN" dirty="0" smtClean="0"/>
           </a:p>
@@ -4783,15 +4795,7 @@
             <a:pPr lvl="1"/>
             <a:r>
               <a:rPr lang="zh-CN" altLang="en-US" dirty="0" smtClean="0"/>
-              <a:t>写缓冲，请求有序</a:t>
-            </a:r>
-            <a:r>
-              <a:rPr lang="zh-CN" altLang="en-US" dirty="0" smtClean="0"/>
-              <a:t>排放，开线程一直写，</a:t>
-            </a:r>
-            <a:r>
-              <a:rPr lang="zh-CN" altLang="en-US" dirty="0" smtClean="0"/>
-              <a:t>复杂的同步</a:t>
+              <a:t>写缓冲，请求有序排放，开线程一直写，复杂的同步</a:t>
             </a:r>
             <a:endParaRPr lang="en-US" altLang="zh-CN" dirty="0" smtClean="0"/>
           </a:p>
@@ -4799,7 +4803,7 @@
             <a:pPr lvl="2"/>
             <a:r>
               <a:rPr lang="zh-CN" altLang="en-US" dirty="0" smtClean="0"/>
-              <a:t>请求保存内容，</a:t>
+              <a:t>请求中保存数据，</a:t>
             </a:r>
             <a:r>
               <a:rPr lang="en-US" altLang="zh-CN" dirty="0" err="1" smtClean="0"/>
@@ -4974,17 +4978,7 @@
                   </a:schemeClr>
                 </a:solidFill>
               </a:rPr>
-              <a:t>解决</a:t>
-            </a:r>
-            <a:r>
-              <a:rPr lang="zh-CN" altLang="en-US" dirty="0" smtClean="0">
-                <a:solidFill>
-                  <a:schemeClr val="bg1">
-                    <a:lumMod val="75000"/>
-                  </a:schemeClr>
-                </a:solidFill>
-              </a:rPr>
-              <a:t>方案</a:t>
+              <a:t>解决方案</a:t>
             </a:r>
             <a:endParaRPr lang="en-US" altLang="zh-CN" dirty="0" smtClean="0">
               <a:solidFill>
@@ -5158,7 +5152,7 @@
             </a:r>
             <a:r>
               <a:rPr lang="zh-CN" altLang="en-US" dirty="0" smtClean="0"/>
-              <a:t>上好太多，</a:t>
+              <a:t>上好很多，</a:t>
             </a:r>
             <a:r>
               <a:rPr lang="en-US" altLang="zh-CN" dirty="0" smtClean="0"/>
@@ -5173,7 +5167,11 @@
           <a:p>
             <a:r>
               <a:rPr lang="zh-CN" altLang="en-US" dirty="0" smtClean="0"/>
-              <a:t>实现简单，纯手写，</a:t>
+              <a:t>实现简单</a:t>
+            </a:r>
+            <a:r>
+              <a:rPr lang="zh-CN" altLang="en-US" dirty="0" smtClean="0"/>
+              <a:t>，无第三方类库，</a:t>
             </a:r>
             <a:r>
               <a:rPr lang="en-US" altLang="zh-CN" dirty="0" smtClean="0"/>
@@ -5188,7 +5186,22 @@
           <a:p>
             <a:r>
               <a:rPr lang="zh-CN" altLang="en-US" dirty="0" smtClean="0"/>
-              <a:t>单人承包所有工作</a:t>
+              <a:t>单人承包所有</a:t>
+            </a:r>
+            <a:r>
+              <a:rPr lang="zh-CN" altLang="en-US" dirty="0" smtClean="0"/>
+              <a:t>工作</a:t>
+            </a:r>
+            <a:endParaRPr lang="en-US" altLang="zh-CN" dirty="0" smtClean="0"/>
+          </a:p>
+          <a:p>
+            <a:r>
+              <a:rPr lang="zh-CN" altLang="en-US" dirty="0"/>
+              <a:t>测试驱动，高质量的测试代码，自有成绩以来，所有改动均</a:t>
+            </a:r>
+            <a:r>
+              <a:rPr lang="zh-CN" altLang="en-US" dirty="0" smtClean="0"/>
+              <a:t>正确</a:t>
             </a:r>
             <a:endParaRPr lang="en-US" altLang="zh-CN" dirty="0" smtClean="0"/>
           </a:p>
@@ -5210,14 +5223,11 @@
           <a:p>
             <a:r>
               <a:rPr lang="zh-CN" altLang="en-US" dirty="0" smtClean="0"/>
-              <a:t>代码结构良好，自如使用接口，抽象类，继承等特性，代码复用性好，可扩展，灵活</a:t>
-            </a:r>
-            <a:endParaRPr lang="en-US" altLang="zh-CN" dirty="0" smtClean="0"/>
-          </a:p>
-          <a:p>
-            <a:r>
-              <a:rPr lang="zh-CN" altLang="en-US" dirty="0" smtClean="0"/>
-              <a:t>测试驱动，高质量的测试代码，自有成绩以来，所有改动均正确</a:t>
+              <a:t>代码结构良好，自如使用接口，抽象类，继承等特性，代码复用性好，可</a:t>
+            </a:r>
+            <a:r>
+              <a:rPr lang="zh-CN" altLang="en-US" dirty="0" smtClean="0"/>
+              <a:t>扩展</a:t>
             </a:r>
             <a:endParaRPr lang="en-US" altLang="zh-CN" dirty="0" smtClean="0"/>
           </a:p>
@@ -5316,17 +5326,7 @@
                   </a:schemeClr>
                 </a:solidFill>
               </a:rPr>
-              <a:t>解决</a:t>
-            </a:r>
-            <a:r>
-              <a:rPr lang="zh-CN" altLang="en-US" dirty="0" smtClean="0">
-                <a:solidFill>
-                  <a:schemeClr val="bg1">
-                    <a:lumMod val="75000"/>
-                  </a:schemeClr>
-                </a:solidFill>
-              </a:rPr>
-              <a:t>方案</a:t>
+              <a:t>解决方案</a:t>
             </a:r>
             <a:endParaRPr lang="en-US" altLang="zh-CN" dirty="0" smtClean="0">
               <a:solidFill>
@@ -5364,17 +5364,7 @@
                   </a:schemeClr>
                 </a:solidFill>
               </a:rPr>
-              <a:t>难点</a:t>
-            </a:r>
-            <a:r>
-              <a:rPr lang="zh-CN" altLang="en-US" dirty="0" smtClean="0">
-                <a:solidFill>
-                  <a:schemeClr val="bg1">
-                    <a:lumMod val="75000"/>
-                  </a:schemeClr>
-                </a:solidFill>
-              </a:rPr>
-              <a:t>解决</a:t>
+              <a:t>难点解决</a:t>
             </a:r>
             <a:endParaRPr lang="en-US" altLang="zh-CN" dirty="0" smtClean="0">
               <a:solidFill>
@@ -5449,7 +5439,7 @@
             <a:spLocks noGrp="1"/>
           </p:cNvSpPr>
           <p:nvPr>
-            <p:ph type="title"/>
+            <p:ph type="ctrTitle"/>
           </p:nvPr>
         </p:nvSpPr>
         <p:spPr/>
@@ -5457,18 +5447,26 @@
           <a:bodyPr/>
           <a:lstStyle/>
           <a:p>
-            <a:endParaRPr lang="zh-CN" altLang="en-US"/>
-          </a:p>
-        </p:txBody>
-      </p:sp>
-      <p:sp>
-        <p:nvSpPr>
-          <p:cNvPr id="3" name="内容占位符 2"/>
-          <p:cNvSpPr>
-            <a:spLocks noGrp="1"/>
-          </p:cNvSpPr>
-          <p:nvPr>
-            <p:ph idx="1"/>
+            <a:r>
+              <a:rPr lang="en-US" altLang="zh-CN" dirty="0" smtClean="0">
+                <a:latin typeface="+mn-lt"/>
+              </a:rPr>
+              <a:t>Q&amp;A</a:t>
+            </a:r>
+            <a:endParaRPr lang="zh-CN" altLang="en-US" dirty="0">
+              <a:latin typeface="+mn-lt"/>
+            </a:endParaRPr>
+          </a:p>
+        </p:txBody>
+      </p:sp>
+      <p:sp>
+        <p:nvSpPr>
+          <p:cNvPr id="3" name="副标题 2"/>
+          <p:cNvSpPr>
+            <a:spLocks noGrp="1"/>
+          </p:cNvSpPr>
+          <p:nvPr>
+            <p:ph type="subTitle" idx="1"/>
           </p:nvPr>
         </p:nvSpPr>
         <p:spPr/>
@@ -5483,13 +5481,20 @@
     </p:spTree>
     <p:extLst>
       <p:ext uri="{BB962C8B-B14F-4D97-AF65-F5344CB8AC3E}">
-        <p14:creationId xmlns:p14="http://schemas.microsoft.com/office/powerpoint/2010/main" val="2539271879"/>
+        <p14:creationId xmlns:p14="http://schemas.microsoft.com/office/powerpoint/2010/main" val="911748131"/>
       </p:ext>
     </p:extLst>
   </p:cSld>
   <p:clrMapOvr>
     <a:masterClrMapping/>
   </p:clrMapOvr>
+  <p:timing>
+    <p:tnLst>
+      <p:par>
+        <p:cTn id="1" dur="indefinite" restart="never" nodeType="tmRoot"/>
+      </p:par>
+    </p:tnLst>
+  </p:timing>
 </p:sld>
 </file>
 
@@ -5630,6 +5635,13 @@
   <p:clrMapOvr>
     <a:masterClrMapping/>
   </p:clrMapOvr>
+  <p:timing>
+    <p:tnLst>
+      <p:par>
+        <p:cTn id="1" dur="indefinite" restart="never" nodeType="tmRoot"/>
+      </p:par>
+    </p:tnLst>
+  </p:timing>
 </p:sld>
 </file>
 
@@ -5752,6 +5764,13 @@
   <p:clrMapOvr>
     <a:masterClrMapping/>
   </p:clrMapOvr>
+  <p:timing>
+    <p:tnLst>
+      <p:par>
+        <p:cTn id="1" dur="indefinite" restart="never" nodeType="tmRoot"/>
+      </p:par>
+    </p:tnLst>
+  </p:timing>
 </p:sld>
 </file>
 
@@ -5837,7 +5856,31 @@
           <a:p>
             <a:r>
               <a:rPr lang="zh-CN" altLang="en-US" dirty="0" smtClean="0"/>
-              <a:t>最好成绩，建立索引</a:t>
+              <a:t>至</a:t>
+            </a:r>
+            <a:r>
+              <a:rPr lang="en-US" altLang="zh-CN" dirty="0" smtClean="0"/>
+              <a:t>8</a:t>
+            </a:r>
+            <a:r>
+              <a:rPr lang="zh-CN" altLang="en-US" dirty="0" smtClean="0"/>
+              <a:t>月</a:t>
+            </a:r>
+            <a:r>
+              <a:rPr lang="en-US" altLang="zh-CN" dirty="0" smtClean="0"/>
+              <a:t>2</a:t>
+            </a:r>
+            <a:r>
+              <a:rPr lang="zh-CN" altLang="en-US" dirty="0" smtClean="0"/>
+              <a:t>日</a:t>
+            </a:r>
+            <a:r>
+              <a:rPr lang="zh-CN" altLang="en-US" dirty="0" smtClean="0"/>
+              <a:t>最好</a:t>
+            </a:r>
+            <a:r>
+              <a:rPr lang="zh-CN" altLang="en-US" dirty="0" smtClean="0"/>
+              <a:t>成绩，建立索引</a:t>
             </a:r>
             <a:r>
               <a:rPr lang="en-US" altLang="zh-CN" dirty="0" smtClean="0"/>
@@ -5853,7 +5896,15 @@
             </a:r>
             <a:r>
               <a:rPr lang="zh-CN" altLang="en-US" dirty="0" smtClean="0"/>
-              <a:t>次，平均响应时间</a:t>
+              <a:t>次</a:t>
+            </a:r>
+            <a:r>
+              <a:rPr lang="zh-CN" altLang="en-US" dirty="0" smtClean="0"/>
+              <a:t>，查询平均</a:t>
+            </a:r>
+            <a:r>
+              <a:rPr lang="zh-CN" altLang="en-US" dirty="0" smtClean="0"/>
+              <a:t>响应时间</a:t>
             </a:r>
             <a:r>
               <a:rPr lang="en-US" altLang="zh-CN" dirty="0" smtClean="0"/>
@@ -5872,6 +5923,13 @@
   <p:clrMapOvr>
     <a:masterClrMapping/>
   </p:clrMapOvr>
+  <p:timing>
+    <p:tnLst>
+      <p:par>
+        <p:cTn id="1" dur="indefinite" restart="never" nodeType="tmRoot"/>
+      </p:par>
+    </p:tnLst>
+  </p:timing>
 </p:sld>
 </file>
 
@@ -5951,11 +6009,7 @@
           <a:p>
             <a:r>
               <a:rPr lang="zh-CN" altLang="en-US" dirty="0" smtClean="0"/>
-              <a:t>解决</a:t>
-            </a:r>
-            <a:r>
-              <a:rPr lang="zh-CN" altLang="en-US" dirty="0" smtClean="0"/>
-              <a:t>方案</a:t>
+              <a:t>解决方案</a:t>
             </a:r>
             <a:endParaRPr lang="en-US" altLang="zh-CN" dirty="0" smtClean="0"/>
           </a:p>
@@ -5987,17 +6041,7 @@
                   </a:schemeClr>
                 </a:solidFill>
               </a:rPr>
-              <a:t>难点</a:t>
-            </a:r>
-            <a:r>
-              <a:rPr lang="zh-CN" altLang="en-US" dirty="0" smtClean="0">
-                <a:solidFill>
-                  <a:schemeClr val="bg1">
-                    <a:lumMod val="75000"/>
-                  </a:schemeClr>
-                </a:solidFill>
-              </a:rPr>
-              <a:t>解决</a:t>
+              <a:t>难点解决</a:t>
             </a:r>
             <a:endParaRPr lang="en-US" altLang="zh-CN" dirty="0" smtClean="0">
               <a:solidFill>
@@ -8368,7 +8412,7 @@
   <a:extraClrSchemeLst/>
   <a:extLst>
     <a:ext uri="{05A4C25C-085E-4340-85A3-A5531E510DB2}">
-      <thm15:themeFamily xmlns:thm15="http://schemas.microsoft.com/office/thememl/2012/main" name="Office Theme" id="{62F939B6-93AF-4DB8-9C6B-D6C7DFDC589F}" vid="{4A3C46E8-61CC-4603-A589-7422A47A8E4A}"/>
+      <thm15:themeFamily xmlns:thm15="http://schemas.microsoft.com/office/thememl/2012/main" xmlns="" name="Office Theme" id="{62F939B6-93AF-4DB8-9C6B-D6C7DFDC589F}" vid="{4A3C46E8-61CC-4603-A589-7422A47A8E4A}"/>
     </a:ext>
   </a:extLst>
 </a:theme>

--- a/doc/中间件答辩yfy.pptx
+++ b/doc/中间件答辩yfy.pptx
@@ -125,7 +125,7 @@
   </p:defaultTextStyle>
   <p:extLst>
     <p:ext uri="{EFAFB233-063F-42B5-8137-9DF3F51BA10A}">
-      <p15:sldGuideLst xmlns:p15="http://schemas.microsoft.com/office/powerpoint/2012/main" xmlns="">
+      <p15:sldGuideLst xmlns="" xmlns:p15="http://schemas.microsoft.com/office/powerpoint/2012/main">
         <p15:guide id="1" orient="horz" pos="2160">
           <p15:clr>
             <a:srgbClr val="A4A3A4"/>
@@ -3185,7 +3185,7 @@
           </a:ln>
           <a:extLst>
             <a:ext uri="{C572A759-6A51-4108-AA02-DFA0A04FC94B}">
-              <ma14:wrappingTextBoxFlag xmlns:ma14="http://schemas.microsoft.com/office/mac/drawingml/2011/main" xmlns="" val="1"/>
+              <ma14:wrappingTextBoxFlag xmlns="" xmlns:ma14="http://schemas.microsoft.com/office/mac/drawingml/2011/main" val="1"/>
             </a:ext>
           </a:extLst>
         </p:spPr>
@@ -4099,19 +4099,7 @@
             </a:r>
             <a:r>
               <a:rPr lang="zh-CN" altLang="en-US" dirty="0" smtClean="0"/>
-              <a:t>可以不拆分</a:t>
-            </a:r>
-            <a:r>
-              <a:rPr lang="zh-CN" altLang="en-US" dirty="0" smtClean="0"/>
-              <a:t>，但需</a:t>
-            </a:r>
-            <a:r>
-              <a:rPr lang="zh-CN" altLang="en-US" dirty="0" smtClean="0"/>
-              <a:t>多次</a:t>
-            </a:r>
-            <a:r>
-              <a:rPr lang="zh-CN" altLang="en-US" dirty="0" smtClean="0"/>
-              <a:t>读</a:t>
+              <a:t>可以不拆分，但需多次读</a:t>
             </a:r>
             <a:r>
               <a:rPr lang="zh-CN" altLang="en-US" dirty="0"/>
@@ -4119,19 +4107,7 @@
             </a:r>
             <a:r>
               <a:rPr lang="zh-CN" altLang="en-US" dirty="0" smtClean="0"/>
-              <a:t>表</a:t>
-            </a:r>
-            <a:r>
-              <a:rPr lang="zh-CN" altLang="en-US" dirty="0" smtClean="0"/>
-              <a:t>，需牺牲查询平均访问次数</a:t>
-            </a:r>
-            <a:r>
-              <a:rPr lang="zh-CN" altLang="en-US" dirty="0" smtClean="0"/>
-              <a:t>，提高载入率，溢出</a:t>
-            </a:r>
-            <a:r>
-              <a:rPr lang="zh-CN" altLang="en-US" dirty="0" smtClean="0"/>
-              <a:t>桶增加</a:t>
+              <a:t>表，需牺牲查询平均访问次数，提高载入率，溢出桶增加</a:t>
             </a:r>
             <a:endParaRPr lang="en-US" altLang="zh-CN" dirty="0" smtClean="0"/>
           </a:p>
@@ -4312,15 +4288,7 @@
           <a:p>
             <a:r>
               <a:rPr lang="zh-CN" altLang="en-US" dirty="0" smtClean="0"/>
-              <a:t>实现并不完整，粗略实现存在</a:t>
-            </a:r>
-            <a:r>
-              <a:rPr lang="zh-CN" altLang="en-US" dirty="0" smtClean="0"/>
-              <a:t>冗余</a:t>
-            </a:r>
-            <a:r>
-              <a:rPr lang="zh-CN" altLang="en-US" dirty="0" smtClean="0"/>
-              <a:t>操作，提升不理想</a:t>
+              <a:t>实现并不完整，粗略实现存在冗余操作，提升不理想</a:t>
             </a:r>
             <a:endParaRPr lang="en-US" altLang="zh-CN" dirty="0" smtClean="0"/>
           </a:p>
@@ -4779,15 +4747,7 @@
             </a:r>
             <a:r>
               <a:rPr lang="zh-CN" altLang="en-US" dirty="0" smtClean="0"/>
-              <a:t>测试</a:t>
-            </a:r>
-            <a:r>
-              <a:rPr lang="zh-CN" altLang="en-US" dirty="0" smtClean="0"/>
-              <a:t>，大</a:t>
-            </a:r>
-            <a:r>
-              <a:rPr lang="zh-CN" altLang="en-US" dirty="0" smtClean="0"/>
-              <a:t>文件速度慢</a:t>
+              <a:t>测试，大文件速度慢</a:t>
             </a:r>
             <a:endParaRPr lang="en-US" altLang="zh-CN" dirty="0" smtClean="0"/>
           </a:p>
@@ -5167,11 +5127,7 @@
           <a:p>
             <a:r>
               <a:rPr lang="zh-CN" altLang="en-US" dirty="0" smtClean="0"/>
-              <a:t>实现简单</a:t>
-            </a:r>
-            <a:r>
-              <a:rPr lang="zh-CN" altLang="en-US" dirty="0" smtClean="0"/>
-              <a:t>，无第三方类库，</a:t>
+              <a:t>实现简单，无第三方类库，</a:t>
             </a:r>
             <a:r>
               <a:rPr lang="en-US" altLang="zh-CN" dirty="0" smtClean="0"/>
@@ -5186,11 +5142,7 @@
           <a:p>
             <a:r>
               <a:rPr lang="zh-CN" altLang="en-US" dirty="0" smtClean="0"/>
-              <a:t>单人承包所有</a:t>
-            </a:r>
-            <a:r>
-              <a:rPr lang="zh-CN" altLang="en-US" dirty="0" smtClean="0"/>
-              <a:t>工作</a:t>
+              <a:t>单人承包所有工作</a:t>
             </a:r>
             <a:endParaRPr lang="en-US" altLang="zh-CN" dirty="0" smtClean="0"/>
           </a:p>
@@ -5223,11 +5175,7 @@
           <a:p>
             <a:r>
               <a:rPr lang="zh-CN" altLang="en-US" dirty="0" smtClean="0"/>
-              <a:t>代码结构良好，自如使用接口，抽象类，继承等特性，代码复用性好，可</a:t>
-            </a:r>
-            <a:r>
-              <a:rPr lang="zh-CN" altLang="en-US" dirty="0" smtClean="0"/>
-              <a:t>扩展</a:t>
+              <a:t>代码结构良好，自如使用接口，抽象类，继承等特性，代码复用性好，可扩展</a:t>
             </a:r>
             <a:endParaRPr lang="en-US" altLang="zh-CN" dirty="0" smtClean="0"/>
           </a:p>
@@ -5872,15 +5820,7 @@
             </a:r>
             <a:r>
               <a:rPr lang="zh-CN" altLang="en-US" dirty="0" smtClean="0"/>
-              <a:t>日</a:t>
-            </a:r>
-            <a:r>
-              <a:rPr lang="zh-CN" altLang="en-US" dirty="0" smtClean="0"/>
-              <a:t>最好</a:t>
-            </a:r>
-            <a:r>
-              <a:rPr lang="zh-CN" altLang="en-US" dirty="0" smtClean="0"/>
-              <a:t>成绩，建立索引</a:t>
+              <a:t>日最好成绩，建立索引</a:t>
             </a:r>
             <a:r>
               <a:rPr lang="en-US" altLang="zh-CN" dirty="0" smtClean="0"/>
@@ -5896,15 +5836,7 @@
             </a:r>
             <a:r>
               <a:rPr lang="zh-CN" altLang="en-US" dirty="0" smtClean="0"/>
-              <a:t>次</a:t>
-            </a:r>
-            <a:r>
-              <a:rPr lang="zh-CN" altLang="en-US" dirty="0" smtClean="0"/>
-              <a:t>，查询平均</a:t>
-            </a:r>
-            <a:r>
-              <a:rPr lang="zh-CN" altLang="en-US" dirty="0" smtClean="0"/>
-              <a:t>响应时间</a:t>
+              <a:t>次，查询平均响应时间</a:t>
             </a:r>
             <a:r>
               <a:rPr lang="en-US" altLang="zh-CN" dirty="0" smtClean="0"/>
@@ -8412,7 +8344,7 @@
   <a:extraClrSchemeLst/>
   <a:extLst>
     <a:ext uri="{05A4C25C-085E-4340-85A3-A5531E510DB2}">
-      <thm15:themeFamily xmlns:thm15="http://schemas.microsoft.com/office/thememl/2012/main" xmlns="" name="Office Theme" id="{62F939B6-93AF-4DB8-9C6B-D6C7DFDC589F}" vid="{4A3C46E8-61CC-4603-A589-7422A47A8E4A}"/>
+      <thm15:themeFamily xmlns="" xmlns:thm15="http://schemas.microsoft.com/office/thememl/2012/main" name="Office Theme" id="{62F939B6-93AF-4DB8-9C6B-D6C7DFDC589F}" vid="{4A3C46E8-61CC-4603-A589-7422A47A8E4A}"/>
     </a:ext>
   </a:extLst>
 </a:theme>
